--- a/Paperwork/РПС_Презентация_к_проекту.pptx
+++ b/Paperwork/РПС_Презентация_к_проекту.pptx
@@ -234,7 +234,7 @@
             <a:pPr rtl="0"/>
             <a:fld id="{8630E5C9-6DA1-4AA6-B57C-5586E870AF7D}" type="datetime1">
               <a:rPr lang="ru-RU" smtClean="0"/>
-              <a:t>04.10.2025</a:t>
+              <a:t>05.10.2025</a:t>
             </a:fld>
             <a:endParaRPr lang="ru-RU" dirty="0"/>
           </a:p>
@@ -416,7 +416,7 @@
             <a:pPr rtl="0"/>
             <a:fld id="{738485E1-1172-4218-A448-28BE5365D2DE}" type="datetime1">
               <a:rPr lang="ru-RU" smtClean="0"/>
-              <a:t>04.10.2025</a:t>
+              <a:t>05.10.2025</a:t>
             </a:fld>
             <a:endParaRPr lang="ru-RU" dirty="0"/>
           </a:p>
@@ -3221,7 +3221,7 @@
             <a:pPr rtl="0"/>
             <a:fld id="{C2071636-1BA0-4750-BDD7-4B8B24059FBC}" type="datetime1">
               <a:rPr lang="ru-RU" smtClean="0"/>
-              <a:t>04.10.2025</a:t>
+              <a:t>05.10.2025</a:t>
             </a:fld>
             <a:endParaRPr lang="ru-RU" dirty="0"/>
           </a:p>
@@ -3384,7 +3384,7 @@
             <a:pPr rtl="0"/>
             <a:fld id="{3AF22D9A-5170-4C52-AAD9-2A34815F5E8C}" type="datetime1">
               <a:rPr lang="ru-RU" smtClean="0"/>
-              <a:t>04.10.2025</a:t>
+              <a:t>05.10.2025</a:t>
             </a:fld>
             <a:endParaRPr lang="ru-RU" dirty="0"/>
           </a:p>
@@ -4569,7 +4569,7 @@
             <a:pPr rtl="0"/>
             <a:fld id="{EFCEAA60-48EC-4C3F-B610-C062B6643948}" type="datetime1">
               <a:rPr lang="ru-RU" smtClean="0"/>
-              <a:t>04.10.2025</a:t>
+              <a:t>05.10.2025</a:t>
             </a:fld>
             <a:endParaRPr lang="ru-RU" dirty="0"/>
           </a:p>
@@ -6665,7 +6665,7 @@
             <a:pPr rtl="0"/>
             <a:fld id="{149277EF-E9EC-4C9F-AB27-8A2D7CB985C5}" type="datetime1">
               <a:rPr lang="ru-RU" smtClean="0"/>
-              <a:t>04.10.2025</a:t>
+              <a:t>05.10.2025</a:t>
             </a:fld>
             <a:endParaRPr lang="ru-RU" dirty="0"/>
           </a:p>
@@ -7984,7 +7984,7 @@
             <a:pPr rtl="0"/>
             <a:fld id="{7548D8C9-9274-4AA8-8759-FBCBB2880044}" type="datetime1">
               <a:rPr lang="ru-RU" smtClean="0"/>
-              <a:t>04.10.2025</a:t>
+              <a:t>05.10.2025</a:t>
             </a:fld>
             <a:endParaRPr lang="ru-RU" dirty="0"/>
           </a:p>
@@ -9077,7 +9077,7 @@
             <a:pPr rtl="0"/>
             <a:fld id="{19DA8206-3351-4D82-B2F7-CF1240B7B780}" type="datetime1">
               <a:rPr lang="ru-RU" smtClean="0"/>
-              <a:t>04.10.2025</a:t>
+              <a:t>05.10.2025</a:t>
             </a:fld>
             <a:endParaRPr lang="ru-RU" dirty="0"/>
           </a:p>
@@ -9506,7 +9506,7 @@
             <a:pPr rtl="0"/>
             <a:fld id="{17D3EF62-4D26-4F34-9E41-10D4D97DEAA3}" type="datetime1">
               <a:rPr lang="ru-RU" smtClean="0"/>
-              <a:t>04.10.2025</a:t>
+              <a:t>05.10.2025</a:t>
             </a:fld>
             <a:endParaRPr lang="ru-RU" dirty="0"/>
           </a:p>
@@ -10509,7 +10509,7 @@
             <a:pPr rtl="0"/>
             <a:fld id="{C91AD0F2-67C7-4C00-A04D-1E8B5FA74ED5}" type="datetime1">
               <a:rPr lang="ru-RU" smtClean="0"/>
-              <a:t>04.10.2025</a:t>
+              <a:t>05.10.2025</a:t>
             </a:fld>
             <a:endParaRPr lang="ru-RU" dirty="0"/>
           </a:p>
@@ -11370,7 +11370,7 @@
             <a:pPr rtl="0"/>
             <a:fld id="{F789BF51-8993-4D99-9FC3-53D06E76E629}" type="datetime1">
               <a:rPr lang="ru-RU" smtClean="0"/>
-              <a:t>04.10.2025</a:t>
+              <a:t>05.10.2025</a:t>
             </a:fld>
             <a:endParaRPr lang="ru-RU" dirty="0"/>
           </a:p>
@@ -11631,7 +11631,7 @@
             <a:pPr rtl="0"/>
             <a:fld id="{AEAA84F9-3454-4B0E-BB2A-A6831CDDFB71}" type="datetime1">
               <a:rPr lang="ru-RU" smtClean="0"/>
-              <a:t>04.10.2025</a:t>
+              <a:t>05.10.2025</a:t>
             </a:fld>
             <a:endParaRPr lang="ru-RU" dirty="0"/>
           </a:p>
@@ -14421,12 +14421,72 @@
           <a:chExt cx="0" cy="0"/>
         </a:xfrm>
       </p:grpSpPr>
+      <p:pic>
+        <p:nvPicPr>
+          <p:cNvPr id="6" name="Рисунок 5">
+            <a:extLst>
+              <a:ext uri="{FF2B5EF4-FFF2-40B4-BE49-F238E27FC236}">
+                <a16:creationId xmlns:a16="http://schemas.microsoft.com/office/drawing/2014/main" id="{DEA13CCC-DC44-B3FB-B63F-AE8A3C48C25D}"/>
+              </a:ext>
+            </a:extLst>
+          </p:cNvPr>
+          <p:cNvPicPr>
+            <a:picLocks noChangeAspect="1"/>
+          </p:cNvPicPr>
+          <p:nvPr/>
+        </p:nvPicPr>
+        <p:blipFill>
+          <a:blip r:embed="rId3"/>
+          <a:stretch>
+            <a:fillRect/>
+          </a:stretch>
+        </p:blipFill>
+        <p:spPr>
+          <a:xfrm>
+            <a:off x="6096000" y="3429000"/>
+            <a:ext cx="5881328" cy="3135927"/>
+          </a:xfrm>
+          <a:prstGeom prst="rect">
+            <a:avLst/>
+          </a:prstGeom>
+        </p:spPr>
+      </p:pic>
+      <p:pic>
+        <p:nvPicPr>
+          <p:cNvPr id="9" name="Рисунок 8">
+            <a:extLst>
+              <a:ext uri="{FF2B5EF4-FFF2-40B4-BE49-F238E27FC236}">
+                <a16:creationId xmlns:a16="http://schemas.microsoft.com/office/drawing/2014/main" id="{A4230670-8298-5D15-CB52-2E3CA1FBF3D5}"/>
+              </a:ext>
+            </a:extLst>
+          </p:cNvPr>
+          <p:cNvPicPr>
+            <a:picLocks noChangeAspect="1"/>
+          </p:cNvPicPr>
+          <p:nvPr/>
+        </p:nvPicPr>
+        <p:blipFill>
+          <a:blip r:embed="rId4"/>
+          <a:stretch>
+            <a:fillRect/>
+          </a:stretch>
+        </p:blipFill>
+        <p:spPr>
+          <a:xfrm>
+            <a:off x="838201" y="180216"/>
+            <a:ext cx="3018828" cy="1108958"/>
+          </a:xfrm>
+          <a:prstGeom prst="rect">
+            <a:avLst/>
+          </a:prstGeom>
+        </p:spPr>
+      </p:pic>
       <p:sp>
         <p:nvSpPr>
-          <p:cNvPr id="2" name="Заголовок 1">
+          <p:cNvPr id="13" name="Объект 3">
             <a:extLst>
               <a:ext uri="{FF2B5EF4-FFF2-40B4-BE49-F238E27FC236}">
-                <a16:creationId xmlns:a16="http://schemas.microsoft.com/office/drawing/2014/main" id="{314C27C8-165C-5513-DB4B-9D840097C545}"/>
+                <a16:creationId xmlns:a16="http://schemas.microsoft.com/office/drawing/2014/main" id="{5703213B-F0B7-0AAD-7E0D-01EBBCF6636E}"/>
               </a:ext>
             </a:extLst>
           </p:cNvPr>
@@ -14434,18 +14494,20 @@
             <a:spLocks noGrp="1"/>
           </p:cNvSpPr>
           <p:nvPr>
-            <p:ph type="title"/>
+            <p:ph sz="half" idx="15"/>
           </p:nvPr>
         </p:nvSpPr>
         <p:spPr>
           <a:xfrm>
-            <a:off x="838200" y="365125"/>
-            <a:ext cx="10515600" cy="1325563"/>
+            <a:off x="6096000" y="381836"/>
+            <a:ext cx="5366084" cy="4297680"/>
           </a:xfrm>
           <a:noFill/>
         </p:spPr>
         <p:txBody>
-          <a:bodyPr rtlCol="0" anchor="ctr"/>
+          <a:bodyPr rtlCol="0">
+            <a:normAutofit/>
+          </a:bodyPr>
           <a:lstStyle>
             <a:defPPr>
               <a:defRPr lang="ru-RU"/>
@@ -14454,18 +14516,52 @@
           <a:p>
             <a:pPr rtl="0"/>
             <a:r>
+              <a:rPr lang="ru-RU" b="1" u="sng" dirty="0"/>
+              <a:t>Минусы</a:t>
+            </a:r>
+            <a:br>
               <a:rPr lang="ru-RU" dirty="0"/>
-              <a:t>Навигация по сеансам вопросов и ответов</a:t>
+            </a:br>
+            <a:endParaRPr lang="ru-RU" dirty="0"/>
+          </a:p>
+          <a:p>
+            <a:pPr marL="342900" indent="-342900" rtl="0">
+              <a:buFont typeface="Arial" panose="020B0604020202020204" pitchFamily="34" charset="0"/>
+              <a:buChar char="•"/>
+            </a:pPr>
+            <a:r>
+              <a:rPr lang="ru-RU" dirty="0"/>
+              <a:t>При регистрации требует номер телефона</a:t>
+            </a:r>
+          </a:p>
+          <a:p>
+            <a:pPr marL="342900" indent="-342900" rtl="0">
+              <a:buFont typeface="Arial" panose="020B0604020202020204" pitchFamily="34" charset="0"/>
+              <a:buChar char="•"/>
+            </a:pPr>
+            <a:r>
+              <a:rPr lang="ru-RU" dirty="0"/>
+              <a:t>Нет шаблонов проектов</a:t>
+            </a:r>
+          </a:p>
+          <a:p>
+            <a:pPr marL="342900" indent="-342900" rtl="0">
+              <a:buFont typeface="Arial" panose="020B0604020202020204" pitchFamily="34" charset="0"/>
+              <a:buChar char="•"/>
+            </a:pPr>
+            <a:r>
+              <a:rPr lang="ru-RU" dirty="0"/>
+              <a:t>Нет интеграции с облачными хранилищами и дисками</a:t>
             </a:r>
           </a:p>
         </p:txBody>
       </p:sp>
       <p:sp>
         <p:nvSpPr>
-          <p:cNvPr id="3" name="Объект 2">
+          <p:cNvPr id="18" name="Объект 2">
             <a:extLst>
               <a:ext uri="{FF2B5EF4-FFF2-40B4-BE49-F238E27FC236}">
-                <a16:creationId xmlns:a16="http://schemas.microsoft.com/office/drawing/2014/main" id="{FACE640F-7F5A-BDB7-205D-765FA80B6796}"/>
+                <a16:creationId xmlns:a16="http://schemas.microsoft.com/office/drawing/2014/main" id="{86DF2C86-6B99-0CCE-9AE4-9109783DA771}"/>
               </a:ext>
             </a:extLst>
           </p:cNvPr>
@@ -14478,14 +14574,14 @@
         </p:nvSpPr>
         <p:spPr>
           <a:xfrm>
-            <a:off x="838201" y="1825625"/>
-            <a:ext cx="3289662" cy="4297680"/>
+            <a:off x="260540" y="1280160"/>
+            <a:ext cx="5501488" cy="4297680"/>
           </a:xfrm>
           <a:noFill/>
         </p:spPr>
         <p:txBody>
           <a:bodyPr rtlCol="0">
-            <a:normAutofit/>
+            <a:noAutofit/>
           </a:bodyPr>
           <a:lstStyle>
             <a:defPPr>
@@ -14493,94 +14589,89 @@
             </a:defPPr>
           </a:lstStyle>
           <a:p>
-            <a:pPr rtl="0"/>
+            <a:pPr marL="0" indent="0" rtl="0">
+              <a:buNone/>
+            </a:pPr>
+            <a:r>
+              <a:rPr lang="ru-RU" b="1" u="sng" dirty="0"/>
+              <a:t>Плюсы</a:t>
+            </a:r>
+          </a:p>
+          <a:p>
             <a:r>
               <a:rPr lang="ru-RU" dirty="0"/>
-              <a:t>Заранее изучите материал</a:t>
-            </a:r>
-          </a:p>
-          <a:p>
-            <a:pPr rtl="0"/>
+              <a:t>Неограниченное число досок</a:t>
+            </a:r>
+          </a:p>
+          <a:p>
             <a:r>
               <a:rPr lang="ru-RU" dirty="0"/>
-              <a:t>Заранее подготовьтесь к распространенным вопросам</a:t>
-            </a:r>
-          </a:p>
-          <a:p>
-            <a:pPr rtl="0"/>
+              <a:t>Гибкая настройка карточек. Например, установка стикеров-маркеров на карточках — личная прихоть. Можно ставить картинки и фото в карточки</a:t>
+            </a:r>
+          </a:p>
+          <a:p>
             <a:r>
               <a:rPr lang="ru-RU" dirty="0"/>
-              <a:t>Отрепетируйте ответы</a:t>
+              <a:t>Все функции доступны в бесплатной версии</a:t>
+            </a:r>
+          </a:p>
+          <a:p>
+            <a:r>
+              <a:rPr lang="ru-RU" dirty="0"/>
+              <a:t>Удобный и приятный интерфейс браузерного типа, установка фотографий на фон</a:t>
+            </a:r>
+          </a:p>
+          <a:p>
+            <a:r>
+              <a:rPr lang="ru-RU" dirty="0"/>
+              <a:t>Есть встроенный чат, прикреплённый к задачам. Похож на всеми любимый мессенджер. В чате есть запись экрана, — чтобы быстро показывать коллегам ход работы</a:t>
+            </a:r>
+          </a:p>
+          <a:p>
+            <a:r>
+              <a:rPr lang="ru-RU" dirty="0"/>
+              <a:t>Файловое хранилище — 5 ГБ</a:t>
             </a:r>
           </a:p>
         </p:txBody>
       </p:sp>
       <p:sp>
         <p:nvSpPr>
-          <p:cNvPr id="4" name="Объект 3">
+          <p:cNvPr id="19" name="TextBox 18">
             <a:extLst>
               <a:ext uri="{FF2B5EF4-FFF2-40B4-BE49-F238E27FC236}">
-                <a16:creationId xmlns:a16="http://schemas.microsoft.com/office/drawing/2014/main" id="{83302BFD-960F-CBB3-E984-CDC12813A10C}"/>
+                <a16:creationId xmlns:a16="http://schemas.microsoft.com/office/drawing/2014/main" id="{D98D54C3-D524-6C02-1DBB-CFD51B16C76A}"/>
               </a:ext>
             </a:extLst>
           </p:cNvPr>
-          <p:cNvSpPr>
-            <a:spLocks noGrp="1"/>
-          </p:cNvSpPr>
-          <p:nvPr>
-            <p:ph sz="half" idx="15"/>
-          </p:nvPr>
+          <p:cNvSpPr txBox="1"/>
+          <p:nvPr/>
         </p:nvSpPr>
         <p:spPr>
           <a:xfrm>
-            <a:off x="4661820" y="1816916"/>
-            <a:ext cx="6698156" cy="4297680"/>
+            <a:off x="6096000" y="2951747"/>
+            <a:ext cx="764953" cy="369332"/>
           </a:xfrm>
+          <a:prstGeom prst="rect">
+            <a:avLst/>
+          </a:prstGeom>
           <a:noFill/>
         </p:spPr>
         <p:txBody>
-          <a:bodyPr rtlCol="0">
-            <a:normAutofit/>
+          <a:bodyPr wrap="none" rtlCol="0">
+            <a:spAutoFit/>
           </a:bodyPr>
-          <a:lstStyle>
-            <a:defPPr>
-              <a:defRPr lang="ru-RU"/>
-            </a:defPPr>
-          </a:lstStyle>
-          <a:p>
-            <a:pPr rtl="0"/>
-            <a:r>
-              <a:rPr lang="ru-RU" dirty="0"/>
-              <a:t>При ответах на вопросы очень важно сохранять самообладание, чтобы выглядеть уверенно и авторитетно. Здесь могут помочь следующие приемы:</a:t>
-            </a:r>
-          </a:p>
-          <a:p>
-            <a:pPr lvl="1" rtl="0"/>
-            <a:r>
-              <a:rPr lang="ru-RU" dirty="0"/>
-              <a:t>Сохраняйте спокойствие</a:t>
-            </a:r>
-          </a:p>
-          <a:p>
-            <a:pPr lvl="1" rtl="0"/>
-            <a:r>
-              <a:rPr lang="ru-RU" dirty="0"/>
-              <a:t>Активно слушайте</a:t>
-            </a:r>
-          </a:p>
-          <a:p>
-            <a:pPr lvl="1" rtl="0"/>
-            <a:r>
-              <a:rPr lang="ru-RU" dirty="0"/>
-              <a:t>Сделайте паузу на обдумывание</a:t>
-            </a:r>
-          </a:p>
-          <a:p>
-            <a:pPr lvl="1" rtl="0"/>
-            <a:r>
-              <a:rPr lang="ru-RU" dirty="0"/>
-              <a:t>Поддерживайте зрительный контакт</a:t>
-            </a:r>
+          <a:lstStyle/>
+          <a:p>
+            <a:r>
+              <a:rPr lang="ru-RU" b="1" u="sng" dirty="0"/>
+              <a:t>Цены</a:t>
+            </a:r>
+            <a:r>
+              <a:rPr lang="en-US" b="1" u="sng" dirty="0"/>
+              <a:t>:</a:t>
+            </a:r>
+            <a:endParaRPr lang="ru-RU" b="1" u="sng" dirty="0"/>
           </a:p>
         </p:txBody>
       </p:sp>
@@ -16321,6 +16412,15 @@
 </file>
 
 <file path=customXml/item1.xml><?xml version="1.0" encoding="utf-8"?>
+<?mso-contentType ?>
+<FormTemplates xmlns="http://schemas.microsoft.com/sharepoint/v3/contenttype/forms">
+  <Display>DocumentLibraryForm</Display>
+  <Edit>DocumentLibraryForm</Edit>
+  <New>DocumentLibraryForm</New>
+</FormTemplates>
+</file>
+
+<file path=customXml/item2.xml><?xml version="1.0" encoding="utf-8"?>
 <p:properties xmlns:p="http://schemas.microsoft.com/office/2006/metadata/properties" xmlns:xsi="http://www.w3.org/2001/XMLSchema-instance" xmlns:pc="http://schemas.microsoft.com/office/infopath/2007/PartnerControls">
   <documentManagement>
     <_ip_UnifiedCompliancePolicyUIAction xmlns="http://schemas.microsoft.com/sharepoint/v3" xsi:nil="true"/>
@@ -16338,15 +16438,6 @@
     <MediaServiceKeyPoints xmlns="71af3243-3dd4-4a8d-8c0d-dd76da1f02a5" xsi:nil="true"/>
   </documentManagement>
 </p:properties>
-</file>
-
-<file path=customXml/item2.xml><?xml version="1.0" encoding="utf-8"?>
-<?mso-contentType ?>
-<FormTemplates xmlns="http://schemas.microsoft.com/sharepoint/v3/contenttype/forms">
-  <Display>DocumentLibraryForm</Display>
-  <Edit>DocumentLibraryForm</Edit>
-  <New>DocumentLibraryForm</New>
-</FormTemplates>
 </file>
 
 <file path=customXml/item3.xml><?xml version="1.0" encoding="utf-8"?>
@@ -16662,6 +16753,14 @@
 </file>
 
 <file path=customXml/itemProps1.xml><?xml version="1.0" encoding="utf-8"?>
+<ds:datastoreItem xmlns:ds="http://schemas.openxmlformats.org/officeDocument/2006/customXml" ds:itemID="{4E60708A-6461-4D7F-883F-7E25D731D326}">
+  <ds:schemaRefs>
+    <ds:schemaRef ds:uri="http://schemas.microsoft.com/sharepoint/v3/contenttype/forms"/>
+  </ds:schemaRefs>
+</ds:datastoreItem>
+</file>
+
+<file path=customXml/itemProps2.xml><?xml version="1.0" encoding="utf-8"?>
 <ds:datastoreItem xmlns:ds="http://schemas.openxmlformats.org/officeDocument/2006/customXml" ds:itemID="{E130005B-6102-4F3C-A26F-485DF1BF9717}">
   <ds:schemaRefs>
     <ds:schemaRef ds:uri="http://schemas.microsoft.com/office/2006/metadata/properties"/>
@@ -16669,14 +16768,6 @@
     <ds:schemaRef ds:uri="http://schemas.microsoft.com/sharepoint/v3"/>
     <ds:schemaRef ds:uri="71af3243-3dd4-4a8d-8c0d-dd76da1f02a5"/>
     <ds:schemaRef ds:uri="230e9df3-be65-4c73-a93b-d1236ebd677e"/>
-  </ds:schemaRefs>
-</ds:datastoreItem>
-</file>
-
-<file path=customXml/itemProps2.xml><?xml version="1.0" encoding="utf-8"?>
-<ds:datastoreItem xmlns:ds="http://schemas.openxmlformats.org/officeDocument/2006/customXml" ds:itemID="{4E60708A-6461-4D7F-883F-7E25D731D326}">
-  <ds:schemaRefs>
-    <ds:schemaRef ds:uri="http://schemas.microsoft.com/sharepoint/v3/contenttype/forms"/>
   </ds:schemaRefs>
 </ds:datastoreItem>
 </file>

--- a/Paperwork/РПС_Презентация_к_проекту.pptx
+++ b/Paperwork/РПС_Презентация_к_проекту.pptx
@@ -18,10 +18,10 @@
     <p:sldId id="3851" r:id="rId9"/>
     <p:sldId id="3852" r:id="rId10"/>
     <p:sldId id="265" r:id="rId11"/>
-    <p:sldId id="263" r:id="rId12"/>
-    <p:sldId id="268" r:id="rId13"/>
-    <p:sldId id="3848" r:id="rId14"/>
-    <p:sldId id="267" r:id="rId15"/>
+    <p:sldId id="3854" r:id="rId12"/>
+    <p:sldId id="263" r:id="rId13"/>
+    <p:sldId id="268" r:id="rId14"/>
+    <p:sldId id="3855" r:id="rId15"/>
     <p:sldId id="3847" r:id="rId16"/>
   </p:sldIdLst>
   <p:sldSz cx="12192000" cy="6858000"/>
@@ -1274,7 +1274,13 @@
   <p:cSld>
     <p:spTree>
       <p:nvGrpSpPr>
-        <p:cNvPr id="1" name=""/>
+        <p:cNvPr id="1" name="">
+          <a:extLst>
+            <a:ext uri="{FF2B5EF4-FFF2-40B4-BE49-F238E27FC236}">
+              <a16:creationId xmlns:a16="http://schemas.microsoft.com/office/drawing/2014/main" id="{25B44EFB-0CAA-EE40-16CD-D3DE941972C0}"/>
+            </a:ext>
+          </a:extLst>
+        </p:cNvPr>
         <p:cNvGrpSpPr/>
         <p:nvPr/>
       </p:nvGrpSpPr>
@@ -1288,7 +1294,13 @@
       </p:grpSpPr>
       <p:sp>
         <p:nvSpPr>
-          <p:cNvPr id="2" name="Образ слайда 1"/>
+          <p:cNvPr id="2" name="Образ слайда 1">
+            <a:extLst>
+              <a:ext uri="{FF2B5EF4-FFF2-40B4-BE49-F238E27FC236}">
+                <a16:creationId xmlns:a16="http://schemas.microsoft.com/office/drawing/2014/main" id="{150A8BFE-D414-D2B1-090C-3F0839D408FA}"/>
+              </a:ext>
+            </a:extLst>
+          </p:cNvPr>
           <p:cNvSpPr>
             <a:spLocks noGrp="1" noRot="1" noChangeAspect="1"/>
           </p:cNvSpPr>
@@ -1300,7 +1312,13 @@
       </p:sp>
       <p:sp>
         <p:nvSpPr>
-          <p:cNvPr id="3" name="Заметки 2"/>
+          <p:cNvPr id="3" name="Заметки 2">
+            <a:extLst>
+              <a:ext uri="{FF2B5EF4-FFF2-40B4-BE49-F238E27FC236}">
+                <a16:creationId xmlns:a16="http://schemas.microsoft.com/office/drawing/2014/main" id="{002D44C5-40B5-6AE5-7C7F-58F10DE6D239}"/>
+              </a:ext>
+            </a:extLst>
+          </p:cNvPr>
           <p:cNvSpPr>
             <a:spLocks noGrp="1"/>
           </p:cNvSpPr>
@@ -1324,7 +1342,13 @@
       </p:sp>
       <p:sp>
         <p:nvSpPr>
-          <p:cNvPr id="4" name="Номер слайда 3"/>
+          <p:cNvPr id="4" name="Номер слайда 3">
+            <a:extLst>
+              <a:ext uri="{FF2B5EF4-FFF2-40B4-BE49-F238E27FC236}">
+                <a16:creationId xmlns:a16="http://schemas.microsoft.com/office/drawing/2014/main" id="{B290E92F-CB03-C30F-75C1-DC84A627CC4B}"/>
+              </a:ext>
+            </a:extLst>
+          </p:cNvPr>
           <p:cNvSpPr>
             <a:spLocks noGrp="1"/>
           </p:cNvSpPr>
@@ -1353,7 +1377,7 @@
     </p:spTree>
     <p:extLst>
       <p:ext uri="{BB962C8B-B14F-4D97-AF65-F5344CB8AC3E}">
-        <p14:creationId xmlns:p14="http://schemas.microsoft.com/office/powerpoint/2010/main" val="2540028172"/>
+        <p14:creationId xmlns:p14="http://schemas.microsoft.com/office/powerpoint/2010/main" val="888304954"/>
       </p:ext>
     </p:extLst>
   </p:cSld>
@@ -1447,7 +1471,7 @@
     </p:spTree>
     <p:extLst>
       <p:ext uri="{BB962C8B-B14F-4D97-AF65-F5344CB8AC3E}">
-        <p14:creationId xmlns:p14="http://schemas.microsoft.com/office/powerpoint/2010/main" val="2316091678"/>
+        <p14:creationId xmlns:p14="http://schemas.microsoft.com/office/powerpoint/2010/main" val="2540028172"/>
       </p:ext>
     </p:extLst>
   </p:cSld>
@@ -1541,7 +1565,7 @@
     </p:spTree>
     <p:extLst>
       <p:ext uri="{BB962C8B-B14F-4D97-AF65-F5344CB8AC3E}">
-        <p14:creationId xmlns:p14="http://schemas.microsoft.com/office/powerpoint/2010/main" val="737681818"/>
+        <p14:creationId xmlns:p14="http://schemas.microsoft.com/office/powerpoint/2010/main" val="2316091678"/>
       </p:ext>
     </p:extLst>
   </p:cSld>
@@ -1556,7 +1580,13 @@
   <p:cSld>
     <p:spTree>
       <p:nvGrpSpPr>
-        <p:cNvPr id="1" name=""/>
+        <p:cNvPr id="1" name="">
+          <a:extLst>
+            <a:ext uri="{FF2B5EF4-FFF2-40B4-BE49-F238E27FC236}">
+              <a16:creationId xmlns:a16="http://schemas.microsoft.com/office/drawing/2014/main" id="{74D1F2BC-1770-54A3-F495-AF04960F50B6}"/>
+            </a:ext>
+          </a:extLst>
+        </p:cNvPr>
         <p:cNvGrpSpPr/>
         <p:nvPr/>
       </p:nvGrpSpPr>
@@ -1570,7 +1600,13 @@
       </p:grpSpPr>
       <p:sp>
         <p:nvSpPr>
-          <p:cNvPr id="2" name="Образ слайда 1"/>
+          <p:cNvPr id="2" name="Образ слайда 1">
+            <a:extLst>
+              <a:ext uri="{FF2B5EF4-FFF2-40B4-BE49-F238E27FC236}">
+                <a16:creationId xmlns:a16="http://schemas.microsoft.com/office/drawing/2014/main" id="{A277CB55-7B83-AA0A-A2A9-49BF85E0F5F6}"/>
+              </a:ext>
+            </a:extLst>
+          </p:cNvPr>
           <p:cNvSpPr>
             <a:spLocks noGrp="1" noRot="1" noChangeAspect="1"/>
           </p:cNvSpPr>
@@ -1582,7 +1618,13 @@
       </p:sp>
       <p:sp>
         <p:nvSpPr>
-          <p:cNvPr id="3" name="Заметки 2"/>
+          <p:cNvPr id="3" name="Заметки 2">
+            <a:extLst>
+              <a:ext uri="{FF2B5EF4-FFF2-40B4-BE49-F238E27FC236}">
+                <a16:creationId xmlns:a16="http://schemas.microsoft.com/office/drawing/2014/main" id="{A2472FE0-D6F7-6684-B3BE-D8516A371064}"/>
+              </a:ext>
+            </a:extLst>
+          </p:cNvPr>
           <p:cNvSpPr>
             <a:spLocks noGrp="1"/>
           </p:cNvSpPr>
@@ -1606,7 +1648,13 @@
       </p:sp>
       <p:sp>
         <p:nvSpPr>
-          <p:cNvPr id="4" name="Номер слайда 3"/>
+          <p:cNvPr id="4" name="Номер слайда 3">
+            <a:extLst>
+              <a:ext uri="{FF2B5EF4-FFF2-40B4-BE49-F238E27FC236}">
+                <a16:creationId xmlns:a16="http://schemas.microsoft.com/office/drawing/2014/main" id="{88EFB319-D77E-4416-83F1-37B648310CF7}"/>
+              </a:ext>
+            </a:extLst>
+          </p:cNvPr>
           <p:cNvSpPr>
             <a:spLocks noGrp="1"/>
           </p:cNvSpPr>
@@ -1635,7 +1683,7 @@
     </p:spTree>
     <p:extLst>
       <p:ext uri="{BB962C8B-B14F-4D97-AF65-F5344CB8AC3E}">
-        <p14:creationId xmlns:p14="http://schemas.microsoft.com/office/powerpoint/2010/main" val="3206739456"/>
+        <p14:creationId xmlns:p14="http://schemas.microsoft.com/office/powerpoint/2010/main" val="3986382772"/>
       </p:ext>
     </p:extLst>
   </p:cSld>
@@ -12493,7 +12541,7 @@
           <p:cNvPr id="2" name="Заголовок 1">
             <a:extLst>
               <a:ext uri="{FF2B5EF4-FFF2-40B4-BE49-F238E27FC236}">
-                <a16:creationId xmlns:a16="http://schemas.microsoft.com/office/drawing/2014/main" id="{5D030A76-B788-B363-104E-266B7C7F7208}"/>
+                <a16:creationId xmlns:a16="http://schemas.microsoft.com/office/drawing/2014/main" id="{B7545968-70F7-0180-6448-3547E442EF4A}"/>
               </a:ext>
             </a:extLst>
           </p:cNvPr>
@@ -12512,47 +12560,8 @@
           <a:noFill/>
         </p:spPr>
         <p:txBody>
-          <a:bodyPr rtlCol="0" anchor="ctr"/>
-          <a:lstStyle>
-            <a:defPPr>
-              <a:defRPr lang="ru-RU"/>
-            </a:defPPr>
-          </a:lstStyle>
-          <a:p>
-            <a:pPr rtl="0"/>
-            <a:r>
-              <a:rPr lang="ru-RU" dirty="0"/>
-              <a:t>Итоговые советы и рекомендации</a:t>
-            </a:r>
-          </a:p>
-        </p:txBody>
-      </p:sp>
-      <p:sp>
-        <p:nvSpPr>
-          <p:cNvPr id="3" name="Объект 2">
-            <a:extLst>
-              <a:ext uri="{FF2B5EF4-FFF2-40B4-BE49-F238E27FC236}">
-                <a16:creationId xmlns:a16="http://schemas.microsoft.com/office/drawing/2014/main" id="{05948542-FCE1-3AE6-C6C9-17975609DF70}"/>
-              </a:ext>
-            </a:extLst>
-          </p:cNvPr>
-          <p:cNvSpPr>
-            <a:spLocks noGrp="1"/>
-          </p:cNvSpPr>
-          <p:nvPr>
-            <p:ph sz="half" idx="13"/>
-          </p:nvPr>
-        </p:nvSpPr>
-        <p:spPr>
-          <a:xfrm>
-            <a:off x="838200" y="1825625"/>
-            <a:ext cx="6816634" cy="4297680"/>
-          </a:xfrm>
-          <a:noFill/>
-        </p:spPr>
-        <p:txBody>
-          <a:bodyPr vert="horz" lIns="91440" tIns="45720" rIns="91440" bIns="45720" rtlCol="0" anchor="t">
-            <a:normAutofit/>
+          <a:bodyPr rtlCol="0" anchor="ctr">
+            <a:noAutofit/>
           </a:bodyPr>
           <a:lstStyle>
             <a:defPPr>
@@ -12563,137 +12572,97 @@
             <a:pPr rtl="0"/>
             <a:r>
               <a:rPr lang="ru-RU" dirty="0"/>
-              <a:t>Постоянно репетируйте</a:t>
-            </a:r>
-          </a:p>
-          <a:p>
-            <a:pPr lvl="1" rtl="0"/>
-            <a:r>
-              <a:rPr lang="ru-RU" dirty="0"/>
-              <a:t>Укрепляйте знакомство с предметом</a:t>
-            </a:r>
-          </a:p>
-          <a:p>
-            <a:pPr rtl="0"/>
-            <a:r>
-              <a:rPr lang="ru-RU" dirty="0"/>
-              <a:t>Работайте над своим искусством оратора</a:t>
-            </a:r>
-          </a:p>
-          <a:p>
-            <a:pPr lvl="1" rtl="0"/>
-            <a:r>
-              <a:rPr lang="ru-RU" dirty="0"/>
-              <a:t>Темп, тон и ударение</a:t>
-            </a:r>
-          </a:p>
-          <a:p>
-            <a:pPr rtl="0"/>
-            <a:r>
-              <a:rPr lang="ru-RU" dirty="0"/>
-              <a:t>Темп и переход от одного слайда к другому</a:t>
-            </a:r>
-          </a:p>
-          <a:p>
-            <a:pPr lvl="1" rtl="0"/>
-            <a:r>
-              <a:rPr lang="ru-RU" dirty="0"/>
-              <a:t>Стремитесь к беспроблемным, профессиональным выступлениям</a:t>
-            </a:r>
-          </a:p>
-          <a:p>
-            <a:pPr rtl="0"/>
-            <a:r>
-              <a:rPr lang="ru-RU" dirty="0"/>
-              <a:t>Практикуйтесь перед слушателями</a:t>
-            </a:r>
-          </a:p>
-          <a:p>
-            <a:pPr lvl="1" rtl="0"/>
-            <a:r>
-              <a:rPr lang="ru-RU" dirty="0"/>
-              <a:t>Попросите коллег послушать вас и оценить выступление</a:t>
-            </a:r>
-          </a:p>
-          <a:p>
-            <a:pPr lvl="1" rtl="0"/>
-            <a:endParaRPr lang="ru-RU" dirty="0"/>
+              <a:t>Анализ целевой аудитории проекта</a:t>
+            </a:r>
           </a:p>
         </p:txBody>
       </p:sp>
       <p:sp>
         <p:nvSpPr>
-          <p:cNvPr id="4" name="Объект 3">
+          <p:cNvPr id="11" name="TextBox 10">
             <a:extLst>
               <a:ext uri="{FF2B5EF4-FFF2-40B4-BE49-F238E27FC236}">
-                <a16:creationId xmlns:a16="http://schemas.microsoft.com/office/drawing/2014/main" id="{3EE67564-0457-E486-97D0-8109D2C97B3F}"/>
+                <a16:creationId xmlns:a16="http://schemas.microsoft.com/office/drawing/2014/main" id="{3962A6F1-284F-5FB2-CCE0-D4D95D0AF566}"/>
               </a:ext>
             </a:extLst>
           </p:cNvPr>
-          <p:cNvSpPr>
-            <a:spLocks noGrp="1"/>
-          </p:cNvSpPr>
-          <p:nvPr>
-            <p:ph sz="half" idx="2"/>
-          </p:nvPr>
+          <p:cNvSpPr txBox="1"/>
+          <p:nvPr/>
         </p:nvSpPr>
         <p:spPr>
           <a:xfrm>
-            <a:off x="7903029" y="1825625"/>
-            <a:ext cx="3783874" cy="4297680"/>
+            <a:off x="641684" y="1690688"/>
+            <a:ext cx="6585283" cy="3170099"/>
           </a:xfrm>
+          <a:prstGeom prst="rect">
+            <a:avLst/>
+          </a:prstGeom>
           <a:noFill/>
         </p:spPr>
         <p:txBody>
-          <a:bodyPr rtlCol="0">
-            <a:normAutofit/>
+          <a:bodyPr wrap="square">
+            <a:spAutoFit/>
           </a:bodyPr>
-          <a:lstStyle>
-            <a:defPPr>
-              <a:defRPr lang="ru-RU"/>
-            </a:defPPr>
-          </a:lstStyle>
-          <a:p>
-            <a:pPr rtl="0"/>
-            <a:r>
-              <a:rPr lang="ru-RU" dirty="0"/>
-              <a:t>Ищите обратную связь</a:t>
-            </a:r>
-          </a:p>
-          <a:p>
-            <a:pPr rtl="0"/>
-            <a:r>
-              <a:rPr lang="ru-RU" dirty="0"/>
-              <a:t>Обдумывайте результаты</a:t>
-            </a:r>
-          </a:p>
-          <a:p>
-            <a:pPr rtl="0"/>
-            <a:r>
-              <a:rPr lang="ru-RU" dirty="0"/>
-              <a:t>Изучайте новые методы</a:t>
-            </a:r>
-          </a:p>
-          <a:p>
-            <a:pPr rtl="0"/>
-            <a:r>
-              <a:rPr lang="ru-RU" dirty="0"/>
-              <a:t>Поставьте личные цели</a:t>
-            </a:r>
-          </a:p>
-          <a:p>
-            <a:pPr rtl="0"/>
-            <a:r>
-              <a:rPr lang="ru-RU" dirty="0"/>
-              <a:t>Повторяйте заново и адаптируйтесь</a:t>
+          <a:lstStyle/>
+          <a:p>
+            <a:r>
+              <a:rPr lang="ru-RU" sz="2000" dirty="0"/>
+              <a:t>Пользователями канбан-доски могут выступать разнообразные команды с разным уровнем зрелости и масштабом деятельности: от небольших стартапов, только начинающих свой путь и состоящих всего из одного–двух человек, до крупных, хорошо организованных компаний с отлаженными процессами и многоуровневыми структурами. Такая гибкость делает систему универсальным инструментом для управления задачами и визуализации рабочих процессов независимо от размера и стадии развития команды.</a:t>
             </a:r>
           </a:p>
         </p:txBody>
       </p:sp>
+      <p:pic>
+        <p:nvPicPr>
+          <p:cNvPr id="1028" name="Picture 4" descr="Как включить режим инкогнито в разных браузерах: инструкция, как войти в  приватный просмотр в Яндексе, Opera, Google на телефоне и компьютере -  Hi-Tech Mail">
+            <a:extLst>
+              <a:ext uri="{FF2B5EF4-FFF2-40B4-BE49-F238E27FC236}">
+                <a16:creationId xmlns:a16="http://schemas.microsoft.com/office/drawing/2014/main" id="{D466539D-A26A-80EA-C4E3-1E6F26E662E3}"/>
+              </a:ext>
+            </a:extLst>
+          </p:cNvPr>
+          <p:cNvPicPr>
+            <a:picLocks noChangeAspect="1" noChangeArrowheads="1"/>
+          </p:cNvPicPr>
+          <p:nvPr/>
+        </p:nvPicPr>
+        <p:blipFill>
+          <a:blip r:embed="rId3">
+            <a:extLst>
+              <a:ext uri="{28A0092B-C50C-407E-A947-70E740481C1C}">
+                <a14:useLocalDpi xmlns:a14="http://schemas.microsoft.com/office/drawing/2010/main" val="0"/>
+              </a:ext>
+            </a:extLst>
+          </a:blip>
+          <a:srcRect/>
+          <a:stretch>
+            <a:fillRect/>
+          </a:stretch>
+        </p:blipFill>
+        <p:spPr bwMode="auto">
+          <a:xfrm>
+            <a:off x="7226967" y="1251679"/>
+            <a:ext cx="6157049" cy="3463340"/>
+          </a:xfrm>
+          <a:prstGeom prst="rect">
+            <a:avLst/>
+          </a:prstGeom>
+          <a:noFill/>
+          <a:extLst>
+            <a:ext uri="{909E8E84-426E-40DD-AFC4-6F175D3DCCD1}">
+              <a14:hiddenFill xmlns:a14="http://schemas.microsoft.com/office/drawing/2010/main">
+                <a:solidFill>
+                  <a:srgbClr val="FFFFFF"/>
+                </a:solidFill>
+              </a14:hiddenFill>
+            </a:ext>
+          </a:extLst>
+        </p:spPr>
+      </p:pic>
     </p:spTree>
     <p:extLst>
       <p:ext uri="{BB962C8B-B14F-4D97-AF65-F5344CB8AC3E}">
-        <p14:creationId xmlns:p14="http://schemas.microsoft.com/office/powerpoint/2010/main" val="414613742"/>
+        <p14:creationId xmlns:p14="http://schemas.microsoft.com/office/powerpoint/2010/main" val="4259977132"/>
       </p:ext>
     </p:extLst>
   </p:cSld>
@@ -12708,7 +12677,13 @@
   <p:cSld>
     <p:spTree>
       <p:nvGrpSpPr>
-        <p:cNvPr id="1" name=""/>
+        <p:cNvPr id="1" name="">
+          <a:extLst>
+            <a:ext uri="{FF2B5EF4-FFF2-40B4-BE49-F238E27FC236}">
+              <a16:creationId xmlns:a16="http://schemas.microsoft.com/office/drawing/2014/main" id="{12544A68-C0FC-0ED2-24B0-B335E63FEACD}"/>
+            </a:ext>
+          </a:extLst>
+        </p:cNvPr>
         <p:cNvGrpSpPr/>
         <p:nvPr/>
       </p:nvGrpSpPr>
@@ -12722,10 +12697,64 @@
       </p:grpSpPr>
       <p:sp>
         <p:nvSpPr>
+          <p:cNvPr id="7" name="Прямоугольник 6">
+            <a:extLst>
+              <a:ext uri="{FF2B5EF4-FFF2-40B4-BE49-F238E27FC236}">
+                <a16:creationId xmlns:a16="http://schemas.microsoft.com/office/drawing/2014/main" id="{36C73A07-81FD-A8D3-89FF-C83A6768453A}"/>
+              </a:ext>
+            </a:extLst>
+          </p:cNvPr>
+          <p:cNvSpPr/>
+          <p:nvPr/>
+        </p:nvSpPr>
+        <p:spPr>
+          <a:xfrm>
+            <a:off x="80210" y="4967900"/>
+            <a:ext cx="2205790" cy="1844842"/>
+          </a:xfrm>
+          <a:prstGeom prst="rect">
+            <a:avLst/>
+          </a:prstGeom>
+          <a:solidFill>
+            <a:schemeClr val="bg1"/>
+          </a:solidFill>
+          <a:ln>
+            <a:solidFill>
+              <a:schemeClr val="bg1"/>
+            </a:solidFill>
+          </a:ln>
+        </p:spPr>
+        <p:style>
+          <a:lnRef idx="2">
+            <a:schemeClr val="accent1">
+              <a:shade val="15000"/>
+            </a:schemeClr>
+          </a:lnRef>
+          <a:fillRef idx="1">
+            <a:schemeClr val="accent1"/>
+          </a:fillRef>
+          <a:effectRef idx="0">
+            <a:schemeClr val="accent1"/>
+          </a:effectRef>
+          <a:fontRef idx="minor">
+            <a:schemeClr val="lt1"/>
+          </a:fontRef>
+        </p:style>
+        <p:txBody>
+          <a:bodyPr rtlCol="0" anchor="ctr"/>
+          <a:lstStyle/>
+          <a:p>
+            <a:pPr algn="ctr"/>
+            <a:endParaRPr lang="ru-RU"/>
+          </a:p>
+        </p:txBody>
+      </p:sp>
+      <p:sp>
+        <p:nvSpPr>
           <p:cNvPr id="2" name="Заголовок 1">
             <a:extLst>
               <a:ext uri="{FF2B5EF4-FFF2-40B4-BE49-F238E27FC236}">
-                <a16:creationId xmlns:a16="http://schemas.microsoft.com/office/drawing/2014/main" id="{D1FC59F6-9B22-C211-4B4C-A2FD4B914C46}"/>
+                <a16:creationId xmlns:a16="http://schemas.microsoft.com/office/drawing/2014/main" id="{758A0532-76F8-B86B-29F0-5BA3AF6DBDFA}"/>
               </a:ext>
             </a:extLst>
           </p:cNvPr>
@@ -12744,7 +12773,9 @@
           <a:noFill/>
         </p:spPr>
         <p:txBody>
-          <a:bodyPr rtlCol="0" anchor="ctr"/>
+          <a:bodyPr rtlCol="0" anchor="ctr">
+            <a:noAutofit/>
+          </a:bodyPr>
           <a:lstStyle>
             <a:defPPr>
               <a:defRPr lang="ru-RU"/>
@@ -12754,626 +12785,214 @@
             <a:pPr rtl="0"/>
             <a:r>
               <a:rPr lang="ru-RU" dirty="0"/>
-              <a:t>Показатели взаимодействия слушателей с выступающим</a:t>
+              <a:t>Возможные пользователи проекта</a:t>
             </a:r>
           </a:p>
         </p:txBody>
       </p:sp>
-      <p:graphicFrame>
-        <p:nvGraphicFramePr>
-          <p:cNvPr id="4" name="Местозаполнитель таблицы 3">
+      <p:sp>
+        <p:nvSpPr>
+          <p:cNvPr id="11" name="TextBox 10">
             <a:extLst>
               <a:ext uri="{FF2B5EF4-FFF2-40B4-BE49-F238E27FC236}">
-                <a16:creationId xmlns:a16="http://schemas.microsoft.com/office/drawing/2014/main" id="{0519CAC4-33D8-0B1E-88FF-086E69894AFB}"/>
+                <a16:creationId xmlns:a16="http://schemas.microsoft.com/office/drawing/2014/main" id="{43A26C51-F951-BCBF-1228-5F57559C879A}"/>
               </a:ext>
             </a:extLst>
           </p:cNvPr>
-          <p:cNvGraphicFramePr>
-            <a:graphicFrameLocks noGrp="1"/>
-          </p:cNvGraphicFramePr>
-          <p:nvPr>
-            <p:ph type="tbl" sz="quarter" idx="13"/>
-            <p:extLst>
-              <p:ext uri="{D42A27DB-BD31-4B8C-83A1-F6EECF244321}">
-                <p14:modId xmlns:p14="http://schemas.microsoft.com/office/powerpoint/2010/main" val="311527281"/>
-              </p:ext>
-            </p:extLst>
-          </p:nvPr>
-        </p:nvGraphicFramePr>
-        <p:xfrm>
-          <a:off x="838200" y="1825625"/>
-          <a:ext cx="10515600" cy="4389120"/>
-        </p:xfrm>
-        <a:graphic>
-          <a:graphicData uri="http://schemas.openxmlformats.org/drawingml/2006/table">
-            <a:tbl>
-              <a:tblPr firstRow="1" bandRow="1">
-                <a:tableStyleId>{72833802-FEF1-4C79-8D5D-14CF1EAF98D9}</a:tableStyleId>
-              </a:tblPr>
-              <a:tblGrid>
-                <a:gridCol w="3502572">
-                  <a:extLst>
-                    <a:ext uri="{9D8B030D-6E8A-4147-A177-3AD203B41FA5}">
-                      <a16:colId xmlns:a16="http://schemas.microsoft.com/office/drawing/2014/main" val="2382218087"/>
-                    </a:ext>
-                  </a:extLst>
-                </a:gridCol>
-                <a:gridCol w="2911366">
-                  <a:extLst>
-                    <a:ext uri="{9D8B030D-6E8A-4147-A177-3AD203B41FA5}">
-                      <a16:colId xmlns:a16="http://schemas.microsoft.com/office/drawing/2014/main" val="3953468724"/>
-                    </a:ext>
-                  </a:extLst>
-                </a:gridCol>
-                <a:gridCol w="2123090">
-                  <a:extLst>
-                    <a:ext uri="{9D8B030D-6E8A-4147-A177-3AD203B41FA5}">
-                      <a16:colId xmlns:a16="http://schemas.microsoft.com/office/drawing/2014/main" val="4277526474"/>
-                    </a:ext>
-                  </a:extLst>
-                </a:gridCol>
-                <a:gridCol w="1978572">
-                  <a:extLst>
-                    <a:ext uri="{9D8B030D-6E8A-4147-A177-3AD203B41FA5}">
-                      <a16:colId xmlns:a16="http://schemas.microsoft.com/office/drawing/2014/main" val="2438884888"/>
-                    </a:ext>
-                  </a:extLst>
-                </a:gridCol>
-              </a:tblGrid>
-              <a:tr h="731520">
-                <a:tc>
-                  <a:txBody>
-                    <a:bodyPr/>
-                    <a:lstStyle>
-                      <a:defPPr>
-                        <a:defRPr lang="ru-RU"/>
-                      </a:defPPr>
-                    </a:lstStyle>
-                    <a:p>
-                      <a:pPr algn="ctr" rtl="0"/>
-                      <a:r>
-                        <a:rPr lang="ru-RU" b="1" i="0" dirty="0">
-                          <a:latin typeface="+mj-cs"/>
-                          <a:cs typeface="+mj-cs"/>
-                        </a:rPr>
-                        <a:t>Фактор влияния</a:t>
-                      </a:r>
-                    </a:p>
-                  </a:txBody>
-                  <a:tcPr anchor="ctr"/>
-                </a:tc>
-                <a:tc>
-                  <a:txBody>
-                    <a:bodyPr/>
-                    <a:lstStyle>
-                      <a:defPPr>
-                        <a:defRPr lang="ru-RU"/>
-                      </a:defPPr>
-                    </a:lstStyle>
-                    <a:p>
-                      <a:pPr algn="ctr" rtl="0"/>
-                      <a:r>
-                        <a:rPr lang="ru-RU" b="1" i="0" dirty="0">
-                          <a:latin typeface="+mj-cs"/>
-                          <a:cs typeface="+mj-cs"/>
-                        </a:rPr>
-                        <a:t>Измерение</a:t>
-                      </a:r>
-                    </a:p>
-                  </a:txBody>
-                  <a:tcPr anchor="ctr"/>
-                </a:tc>
-                <a:tc>
-                  <a:txBody>
-                    <a:bodyPr/>
-                    <a:lstStyle>
-                      <a:defPPr>
-                        <a:defRPr lang="ru-RU"/>
-                      </a:defPPr>
-                    </a:lstStyle>
-                    <a:p>
-                      <a:pPr algn="ctr" rtl="0"/>
-                      <a:r>
-                        <a:rPr lang="ru-RU" b="1" i="0" dirty="0">
-                          <a:latin typeface="+mj-cs"/>
-                          <a:cs typeface="+mj-cs"/>
-                        </a:rPr>
-                        <a:t>Целевое значение</a:t>
-                      </a:r>
-                    </a:p>
-                  </a:txBody>
-                  <a:tcPr anchor="ctr"/>
-                </a:tc>
-                <a:tc>
-                  <a:txBody>
-                    <a:bodyPr/>
-                    <a:lstStyle>
-                      <a:defPPr>
-                        <a:defRPr lang="ru-RU"/>
-                      </a:defPPr>
-                    </a:lstStyle>
-                    <a:p>
-                      <a:pPr algn="ctr" rtl="0"/>
-                      <a:r>
-                        <a:rPr lang="ru-RU" b="1" i="0">
-                          <a:latin typeface="+mj-cs"/>
-                          <a:cs typeface="+mj-cs"/>
-                        </a:rPr>
-                        <a:t>Достигнуто</a:t>
-                      </a:r>
-                    </a:p>
-                  </a:txBody>
-                  <a:tcPr anchor="ctr"/>
-                </a:tc>
-                <a:extLst>
-                  <a:ext uri="{0D108BD9-81ED-4DB2-BD59-A6C34878D82A}">
-                    <a16:rowId xmlns:a16="http://schemas.microsoft.com/office/drawing/2014/main" val="2857107962"/>
-                  </a:ext>
-                </a:extLst>
-              </a:tr>
-              <a:tr h="731520">
-                <a:tc>
-                  <a:txBody>
-                    <a:bodyPr/>
-                    <a:lstStyle>
-                      <a:defPPr>
-                        <a:defRPr lang="ru-RU"/>
-                      </a:defPPr>
-                    </a:lstStyle>
-                    <a:p>
-                      <a:pPr algn="ctr" rtl="0"/>
-                      <a:r>
-                        <a:rPr lang="ru-RU" b="0" i="0" dirty="0">
-                          <a:latin typeface="+mn-cs"/>
-                          <a:cs typeface="+mn-cs"/>
-                        </a:rPr>
-                        <a:t>Взаимодействие с аудиторией</a:t>
-                      </a:r>
-                    </a:p>
-                  </a:txBody>
-                  <a:tcPr anchor="ctr"/>
-                </a:tc>
-                <a:tc>
-                  <a:txBody>
-                    <a:bodyPr/>
-                    <a:lstStyle>
-                      <a:defPPr>
-                        <a:defRPr lang="ru-RU"/>
-                      </a:defPPr>
-                    </a:lstStyle>
-                    <a:p>
-                      <a:pPr algn="ctr" rtl="0"/>
-                      <a:r>
-                        <a:rPr lang="ru-RU" b="0" i="0">
-                          <a:latin typeface="+mn-cs"/>
-                          <a:cs typeface="+mn-cs"/>
-                        </a:rPr>
-                        <a:t>Процент (%)</a:t>
-                      </a:r>
-                    </a:p>
-                  </a:txBody>
-                  <a:tcPr anchor="ctr"/>
-                </a:tc>
-                <a:tc>
-                  <a:txBody>
-                    <a:bodyPr/>
-                    <a:lstStyle>
-                      <a:defPPr>
-                        <a:defRPr lang="ru-RU"/>
-                      </a:defPPr>
-                    </a:lstStyle>
-                    <a:p>
-                      <a:pPr algn="ctr" rtl="0"/>
-                      <a:r>
-                        <a:rPr lang="ru-RU" b="0" i="0">
-                          <a:latin typeface="+mn-cs"/>
-                          <a:cs typeface="+mn-cs"/>
-                        </a:rPr>
-                        <a:t>85</a:t>
-                      </a:r>
-                    </a:p>
-                  </a:txBody>
-                  <a:tcPr anchor="ctr"/>
-                </a:tc>
-                <a:tc>
-                  <a:txBody>
-                    <a:bodyPr/>
-                    <a:lstStyle>
-                      <a:defPPr>
-                        <a:defRPr lang="ru-RU"/>
-                      </a:defPPr>
-                    </a:lstStyle>
-                    <a:p>
-                      <a:pPr algn="ctr" rtl="0"/>
-                      <a:r>
-                        <a:rPr lang="ru-RU" b="0" i="0">
-                          <a:latin typeface="+mn-cs"/>
-                          <a:cs typeface="+mn-cs"/>
-                        </a:rPr>
-                        <a:t>88</a:t>
-                      </a:r>
-                    </a:p>
-                  </a:txBody>
-                  <a:tcPr anchor="ctr"/>
-                </a:tc>
-                <a:extLst>
-                  <a:ext uri="{0D108BD9-81ED-4DB2-BD59-A6C34878D82A}">
-                    <a16:rowId xmlns:a16="http://schemas.microsoft.com/office/drawing/2014/main" val="1671386868"/>
-                  </a:ext>
-                </a:extLst>
-              </a:tr>
-              <a:tr h="731520">
-                <a:tc>
-                  <a:txBody>
-                    <a:bodyPr/>
-                    <a:lstStyle>
-                      <a:defPPr>
-                        <a:defRPr lang="ru-RU"/>
-                      </a:defPPr>
-                    </a:lstStyle>
-                    <a:p>
-                      <a:pPr algn="ctr" rtl="0"/>
-                      <a:r>
-                        <a:rPr lang="ru-RU" b="0" i="0" dirty="0">
-                          <a:latin typeface="+mn-cs"/>
-                          <a:cs typeface="+mn-cs"/>
-                        </a:rPr>
-                        <a:t>Усвоение знаний</a:t>
-                      </a:r>
-                    </a:p>
-                  </a:txBody>
-                  <a:tcPr anchor="ctr"/>
-                </a:tc>
-                <a:tc>
-                  <a:txBody>
-                    <a:bodyPr/>
-                    <a:lstStyle>
-                      <a:defPPr>
-                        <a:defRPr lang="ru-RU"/>
-                      </a:defPPr>
-                    </a:lstStyle>
-                    <a:p>
-                      <a:pPr algn="ctr" rtl="0"/>
-                      <a:r>
-                        <a:rPr lang="ru-RU" b="0" i="0">
-                          <a:latin typeface="+mn-cs"/>
-                          <a:cs typeface="+mn-cs"/>
-                        </a:rPr>
-                        <a:t>Процент (%)</a:t>
-                      </a:r>
-                    </a:p>
-                  </a:txBody>
-                  <a:tcPr anchor="ctr"/>
-                </a:tc>
-                <a:tc>
-                  <a:txBody>
-                    <a:bodyPr/>
-                    <a:lstStyle>
-                      <a:defPPr>
-                        <a:defRPr lang="ru-RU"/>
-                      </a:defPPr>
-                    </a:lstStyle>
-                    <a:p>
-                      <a:pPr algn="ctr" rtl="0"/>
-                      <a:r>
-                        <a:rPr lang="ru-RU" b="0" i="0">
-                          <a:latin typeface="+mn-cs"/>
-                          <a:cs typeface="+mn-cs"/>
-                        </a:rPr>
-                        <a:t>75</a:t>
-                      </a:r>
-                    </a:p>
-                  </a:txBody>
-                  <a:tcPr anchor="ctr"/>
-                </a:tc>
-                <a:tc>
-                  <a:txBody>
-                    <a:bodyPr/>
-                    <a:lstStyle>
-                      <a:defPPr>
-                        <a:defRPr lang="ru-RU"/>
-                      </a:defPPr>
-                    </a:lstStyle>
-                    <a:p>
-                      <a:pPr algn="ctr" rtl="0"/>
-                      <a:r>
-                        <a:rPr lang="ru-RU" b="0" i="0">
-                          <a:latin typeface="+mn-cs"/>
-                          <a:cs typeface="+mn-cs"/>
-                        </a:rPr>
-                        <a:t>80</a:t>
-                      </a:r>
-                    </a:p>
-                  </a:txBody>
-                  <a:tcPr anchor="ctr"/>
-                </a:tc>
-                <a:extLst>
-                  <a:ext uri="{0D108BD9-81ED-4DB2-BD59-A6C34878D82A}">
-                    <a16:rowId xmlns:a16="http://schemas.microsoft.com/office/drawing/2014/main" val="380626418"/>
-                  </a:ext>
-                </a:extLst>
-              </a:tr>
-              <a:tr h="731520">
-                <a:tc>
-                  <a:txBody>
-                    <a:bodyPr/>
-                    <a:lstStyle>
-                      <a:defPPr>
-                        <a:defRPr lang="ru-RU"/>
-                      </a:defPPr>
-                    </a:lstStyle>
-                    <a:p>
-                      <a:pPr algn="ctr" rtl="0"/>
-                      <a:r>
-                        <a:rPr lang="ru-RU" b="0" i="0" dirty="0">
-                          <a:latin typeface="+mn-cs"/>
-                          <a:cs typeface="+mn-cs"/>
-                        </a:rPr>
-                        <a:t>Опросы после презентации</a:t>
-                      </a:r>
-                    </a:p>
-                  </a:txBody>
-                  <a:tcPr anchor="ctr"/>
-                </a:tc>
-                <a:tc>
-                  <a:txBody>
-                    <a:bodyPr/>
-                    <a:lstStyle>
-                      <a:defPPr>
-                        <a:defRPr lang="ru-RU"/>
-                      </a:defPPr>
-                    </a:lstStyle>
-                    <a:p>
-                      <a:pPr algn="ctr" rtl="0"/>
-                      <a:r>
-                        <a:rPr lang="ru-RU" b="0" i="0">
-                          <a:latin typeface="+mn-cs"/>
-                          <a:cs typeface="+mn-cs"/>
-                        </a:rPr>
-                        <a:t>Средняя оценка</a:t>
-                      </a:r>
-                    </a:p>
-                  </a:txBody>
-                  <a:tcPr anchor="ctr"/>
-                </a:tc>
-                <a:tc>
-                  <a:txBody>
-                    <a:bodyPr/>
-                    <a:lstStyle>
-                      <a:defPPr>
-                        <a:defRPr lang="ru-RU"/>
-                      </a:defPPr>
-                    </a:lstStyle>
-                    <a:p>
-                      <a:pPr algn="ctr" rtl="0"/>
-                      <a:r>
-                        <a:rPr lang="ru-RU" b="0" i="0">
-                          <a:latin typeface="+mn-cs"/>
-                          <a:cs typeface="+mn-cs"/>
-                        </a:rPr>
-                        <a:t>4,2</a:t>
-                      </a:r>
-                    </a:p>
-                  </a:txBody>
-                  <a:tcPr anchor="ctr"/>
-                </a:tc>
-                <a:tc>
-                  <a:txBody>
-                    <a:bodyPr/>
-                    <a:lstStyle>
-                      <a:defPPr>
-                        <a:defRPr lang="ru-RU"/>
-                      </a:defPPr>
-                    </a:lstStyle>
-                    <a:p>
-                      <a:pPr algn="ctr" rtl="0"/>
-                      <a:r>
-                        <a:rPr lang="ru-RU" b="0" i="0">
-                          <a:latin typeface="+mn-cs"/>
-                          <a:cs typeface="+mn-cs"/>
-                        </a:rPr>
-                        <a:t>4,5</a:t>
-                      </a:r>
-                    </a:p>
-                  </a:txBody>
-                  <a:tcPr anchor="ctr"/>
-                </a:tc>
-                <a:extLst>
-                  <a:ext uri="{0D108BD9-81ED-4DB2-BD59-A6C34878D82A}">
-                    <a16:rowId xmlns:a16="http://schemas.microsoft.com/office/drawing/2014/main" val="2132482967"/>
-                  </a:ext>
-                </a:extLst>
-              </a:tr>
-              <a:tr h="731520">
-                <a:tc>
-                  <a:txBody>
-                    <a:bodyPr/>
-                    <a:lstStyle>
-                      <a:defPPr>
-                        <a:defRPr lang="ru-RU"/>
-                      </a:defPPr>
-                    </a:lstStyle>
-                    <a:p>
-                      <a:pPr algn="ctr" rtl="0"/>
-                      <a:r>
-                        <a:rPr lang="ru-RU" b="0" i="0">
-                          <a:latin typeface="+mn-cs"/>
-                          <a:cs typeface="+mn-cs"/>
-                        </a:rPr>
-                        <a:t>Доля тех, кто вас рекомендует</a:t>
-                      </a:r>
-                    </a:p>
-                  </a:txBody>
-                  <a:tcPr anchor="ctr"/>
-                </a:tc>
-                <a:tc>
-                  <a:txBody>
-                    <a:bodyPr/>
-                    <a:lstStyle>
-                      <a:defPPr>
-                        <a:defRPr lang="ru-RU"/>
-                      </a:defPPr>
-                    </a:lstStyle>
-                    <a:p>
-                      <a:pPr algn="ctr" rtl="0"/>
-                      <a:r>
-                        <a:rPr lang="ru-RU" b="0" i="0">
-                          <a:latin typeface="+mn-cs"/>
-                          <a:cs typeface="+mn-cs"/>
-                        </a:rPr>
-                        <a:t>Процент (%)</a:t>
-                      </a:r>
-                    </a:p>
-                  </a:txBody>
-                  <a:tcPr anchor="ctr"/>
-                </a:tc>
-                <a:tc>
-                  <a:txBody>
-                    <a:bodyPr/>
-                    <a:lstStyle>
-                      <a:defPPr>
-                        <a:defRPr lang="ru-RU"/>
-                      </a:defPPr>
-                    </a:lstStyle>
-                    <a:p>
-                      <a:pPr algn="ctr" rtl="0"/>
-                      <a:r>
-                        <a:rPr lang="ru-RU" b="0" i="0">
-                          <a:latin typeface="+mn-cs"/>
-                          <a:cs typeface="+mn-cs"/>
-                        </a:rPr>
-                        <a:t>10</a:t>
-                      </a:r>
-                    </a:p>
-                  </a:txBody>
-                  <a:tcPr anchor="ctr"/>
-                </a:tc>
-                <a:tc>
-                  <a:txBody>
-                    <a:bodyPr/>
-                    <a:lstStyle>
-                      <a:defPPr>
-                        <a:defRPr lang="ru-RU"/>
-                      </a:defPPr>
-                    </a:lstStyle>
-                    <a:p>
-                      <a:pPr algn="ctr" rtl="0"/>
-                      <a:r>
-                        <a:rPr lang="ru-RU" b="0" i="0">
-                          <a:latin typeface="+mn-cs"/>
-                          <a:cs typeface="+mn-cs"/>
-                        </a:rPr>
-                        <a:t>12</a:t>
-                      </a:r>
-                    </a:p>
-                  </a:txBody>
-                  <a:tcPr anchor="ctr"/>
-                </a:tc>
-                <a:extLst>
-                  <a:ext uri="{0D108BD9-81ED-4DB2-BD59-A6C34878D82A}">
-                    <a16:rowId xmlns:a16="http://schemas.microsoft.com/office/drawing/2014/main" val="3936251906"/>
-                  </a:ext>
-                </a:extLst>
-              </a:tr>
-              <a:tr h="731520">
-                <a:tc>
-                  <a:txBody>
-                    <a:bodyPr/>
-                    <a:lstStyle>
-                      <a:defPPr>
-                        <a:defRPr lang="ru-RU"/>
-                      </a:defPPr>
-                    </a:lstStyle>
-                    <a:p>
-                      <a:pPr algn="ctr" rtl="0"/>
-                      <a:r>
-                        <a:rPr lang="ru-RU" b="0" i="0">
-                          <a:latin typeface="+mn-cs"/>
-                          <a:cs typeface="+mn-cs"/>
-                        </a:rPr>
-                        <a:t>Возможности совместной работы</a:t>
-                      </a:r>
-                    </a:p>
-                  </a:txBody>
-                  <a:tcPr anchor="ctr"/>
-                </a:tc>
-                <a:tc>
-                  <a:txBody>
-                    <a:bodyPr/>
-                    <a:lstStyle>
-                      <a:defPPr>
-                        <a:defRPr lang="ru-RU"/>
-                      </a:defPPr>
-                    </a:lstStyle>
-                    <a:p>
-                      <a:pPr algn="ctr" rtl="0"/>
-                      <a:r>
-                        <a:rPr lang="ru-RU" b="0" i="0">
-                          <a:latin typeface="+mn-cs"/>
-                          <a:cs typeface="+mn-cs"/>
-                        </a:rPr>
-                        <a:t>Количество возможностей</a:t>
-                      </a:r>
-                    </a:p>
-                  </a:txBody>
-                  <a:tcPr anchor="ctr"/>
-                </a:tc>
-                <a:tc>
-                  <a:txBody>
-                    <a:bodyPr/>
-                    <a:lstStyle>
-                      <a:defPPr>
-                        <a:defRPr lang="ru-RU"/>
-                      </a:defPPr>
-                    </a:lstStyle>
-                    <a:p>
-                      <a:pPr algn="ctr" rtl="0"/>
-                      <a:r>
-                        <a:rPr lang="ru-RU" b="0" i="0">
-                          <a:latin typeface="+mn-cs"/>
-                          <a:cs typeface="+mn-cs"/>
-                        </a:rPr>
-                        <a:t>8</a:t>
-                      </a:r>
-                    </a:p>
-                  </a:txBody>
-                  <a:tcPr anchor="ctr"/>
-                </a:tc>
-                <a:tc>
-                  <a:txBody>
-                    <a:bodyPr/>
-                    <a:lstStyle>
-                      <a:defPPr>
-                        <a:defRPr lang="ru-RU"/>
-                      </a:defPPr>
-                    </a:lstStyle>
-                    <a:p>
-                      <a:pPr algn="ctr" rtl="0"/>
-                      <a:r>
-                        <a:rPr lang="ru-RU" b="0" i="0" dirty="0">
-                          <a:latin typeface="+mn-cs"/>
-                          <a:cs typeface="+mn-cs"/>
-                        </a:rPr>
-                        <a:t>10</a:t>
-                      </a:r>
-                    </a:p>
-                  </a:txBody>
-                  <a:tcPr anchor="ctr"/>
-                </a:tc>
-                <a:extLst>
-                  <a:ext uri="{0D108BD9-81ED-4DB2-BD59-A6C34878D82A}">
-                    <a16:rowId xmlns:a16="http://schemas.microsoft.com/office/drawing/2014/main" val="568537164"/>
-                  </a:ext>
-                </a:extLst>
-              </a:tr>
-            </a:tbl>
-          </a:graphicData>
-        </a:graphic>
-      </p:graphicFrame>
+          <p:cNvSpPr txBox="1"/>
+          <p:nvPr/>
+        </p:nvSpPr>
+        <p:spPr>
+          <a:xfrm>
+            <a:off x="264695" y="1690688"/>
+            <a:ext cx="6585283" cy="1477328"/>
+          </a:xfrm>
+          <a:prstGeom prst="rect">
+            <a:avLst/>
+          </a:prstGeom>
+          <a:noFill/>
+        </p:spPr>
+        <p:txBody>
+          <a:bodyPr wrap="square">
+            <a:spAutoFit/>
+          </a:bodyPr>
+          <a:lstStyle/>
+          <a:p>
+            <a:r>
+              <a:rPr lang="ru-RU" dirty="0"/>
+              <a:t>Бизнесмен, управляющий небольшой или средней компанией, может использовать канбан-доску для контроля текущих проектов, распределения задач между отделами и повышения прозрачности рабочих процессов без необходимости внедрения сложных систем управления.</a:t>
+            </a:r>
+          </a:p>
+        </p:txBody>
+      </p:sp>
+      <p:pic>
+        <p:nvPicPr>
+          <p:cNvPr id="1026" name="Picture 2" descr="Джейсон Стэтхэм в костюме">
+            <a:extLst>
+              <a:ext uri="{FF2B5EF4-FFF2-40B4-BE49-F238E27FC236}">
+                <a16:creationId xmlns:a16="http://schemas.microsoft.com/office/drawing/2014/main" id="{A6DD92EF-ADE1-08D7-CC31-7C5BA1E2D8D3}"/>
+              </a:ext>
+            </a:extLst>
+          </p:cNvPr>
+          <p:cNvPicPr>
+            <a:picLocks noChangeAspect="1" noChangeArrowheads="1"/>
+          </p:cNvPicPr>
+          <p:nvPr/>
+        </p:nvPicPr>
+        <p:blipFill>
+          <a:blip r:embed="rId3">
+            <a:extLst>
+              <a:ext uri="{28A0092B-C50C-407E-A947-70E740481C1C}">
+                <a14:useLocalDpi xmlns:a14="http://schemas.microsoft.com/office/drawing/2010/main" val="0"/>
+              </a:ext>
+            </a:extLst>
+          </a:blip>
+          <a:srcRect/>
+          <a:stretch>
+            <a:fillRect/>
+          </a:stretch>
+        </p:blipFill>
+        <p:spPr bwMode="auto">
+          <a:xfrm>
+            <a:off x="7423483" y="1469582"/>
+            <a:ext cx="4316931" cy="2698082"/>
+          </a:xfrm>
+          <a:prstGeom prst="rect">
+            <a:avLst/>
+          </a:prstGeom>
+          <a:noFill/>
+          <a:extLst>
+            <a:ext uri="{909E8E84-426E-40DD-AFC4-6F175D3DCCD1}">
+              <a14:hiddenFill xmlns:a14="http://schemas.microsoft.com/office/drawing/2010/main">
+                <a:solidFill>
+                  <a:srgbClr val="FFFFFF"/>
+                </a:solidFill>
+              </a14:hiddenFill>
+            </a:ext>
+          </a:extLst>
+        </p:spPr>
+      </p:pic>
+      <p:sp>
+        <p:nvSpPr>
+          <p:cNvPr id="4" name="TextBox 3">
+            <a:extLst>
+              <a:ext uri="{FF2B5EF4-FFF2-40B4-BE49-F238E27FC236}">
+                <a16:creationId xmlns:a16="http://schemas.microsoft.com/office/drawing/2014/main" id="{944D39F4-737D-5A00-9923-D8339BFA2AA8}"/>
+              </a:ext>
+            </a:extLst>
+          </p:cNvPr>
+          <p:cNvSpPr txBox="1"/>
+          <p:nvPr/>
+        </p:nvSpPr>
+        <p:spPr>
+          <a:xfrm>
+            <a:off x="264695" y="3429000"/>
+            <a:ext cx="6096000" cy="1477328"/>
+          </a:xfrm>
+          <a:prstGeom prst="rect">
+            <a:avLst/>
+          </a:prstGeom>
+          <a:noFill/>
+        </p:spPr>
+        <p:txBody>
+          <a:bodyPr wrap="square">
+            <a:spAutoFit/>
+          </a:bodyPr>
+          <a:lstStyle/>
+          <a:p>
+            <a:r>
+              <a:rPr lang="ru-RU" sz="1800" dirty="0"/>
+              <a:t>Студент, стремящийся собрать команду для участия в хакатоне, учебном проекте или стартап-инициативе, найдёт в канбан-доске простой и интуитивно понятный способ организовать совместную работу, отслеживать прогресс и чётко распределять обязанности.</a:t>
+            </a:r>
+          </a:p>
+        </p:txBody>
+      </p:sp>
+      <p:sp>
+        <p:nvSpPr>
+          <p:cNvPr id="6" name="TextBox 5">
+            <a:extLst>
+              <a:ext uri="{FF2B5EF4-FFF2-40B4-BE49-F238E27FC236}">
+                <a16:creationId xmlns:a16="http://schemas.microsoft.com/office/drawing/2014/main" id="{1E6D2046-6B70-3AE3-0D67-EE4268CAEC31}"/>
+              </a:ext>
+            </a:extLst>
+          </p:cNvPr>
+          <p:cNvSpPr txBox="1"/>
+          <p:nvPr/>
+        </p:nvSpPr>
+        <p:spPr>
+          <a:xfrm>
+            <a:off x="264695" y="5058416"/>
+            <a:ext cx="6096000" cy="1754326"/>
+          </a:xfrm>
+          <a:prstGeom prst="rect">
+            <a:avLst/>
+          </a:prstGeom>
+          <a:noFill/>
+        </p:spPr>
+        <p:txBody>
+          <a:bodyPr wrap="square">
+            <a:spAutoFit/>
+          </a:bodyPr>
+          <a:lstStyle/>
+          <a:p>
+            <a:r>
+              <a:rPr lang="ru-RU" sz="1800" dirty="0"/>
+              <a:t>Самоучка, мечтающий запустить собственный стартап в одиночку или с парой единомышленников, сможет с помощью доски структурировать идеи, планировать этапы разработки продукта и визуализировать путь от концепции к первому релизу, не перегружая себя избыточной бюрократией.</a:t>
+            </a:r>
+          </a:p>
+        </p:txBody>
+      </p:sp>
+      <p:pic>
+        <p:nvPicPr>
+          <p:cNvPr id="2052" name="Picture 4" descr="957,906 коллеж стоковые фото – бесплатные и стоковые фото RF от Dreamstime">
+            <a:extLst>
+              <a:ext uri="{FF2B5EF4-FFF2-40B4-BE49-F238E27FC236}">
+                <a16:creationId xmlns:a16="http://schemas.microsoft.com/office/drawing/2014/main" id="{E8493511-821A-B536-2D8A-A572936F7BCD}"/>
+              </a:ext>
+            </a:extLst>
+          </p:cNvPr>
+          <p:cNvPicPr>
+            <a:picLocks noChangeAspect="1" noChangeArrowheads="1"/>
+          </p:cNvPicPr>
+          <p:nvPr/>
+        </p:nvPicPr>
+        <p:blipFill>
+          <a:blip r:embed="rId4">
+            <a:extLst>
+              <a:ext uri="{28A0092B-C50C-407E-A947-70E740481C1C}">
+                <a14:useLocalDpi xmlns:a14="http://schemas.microsoft.com/office/drawing/2010/main" val="0"/>
+              </a:ext>
+            </a:extLst>
+          </a:blip>
+          <a:srcRect/>
+          <a:stretch>
+            <a:fillRect/>
+          </a:stretch>
+        </p:blipFill>
+        <p:spPr bwMode="auto">
+          <a:xfrm>
+            <a:off x="7808495" y="4266919"/>
+            <a:ext cx="3545305" cy="2366491"/>
+          </a:xfrm>
+          <a:prstGeom prst="rect">
+            <a:avLst/>
+          </a:prstGeom>
+          <a:noFill/>
+          <a:extLst>
+            <a:ext uri="{909E8E84-426E-40DD-AFC4-6F175D3DCCD1}">
+              <a14:hiddenFill xmlns:a14="http://schemas.microsoft.com/office/drawing/2010/main">
+                <a:solidFill>
+                  <a:srgbClr val="FFFFFF"/>
+                </a:solidFill>
+              </a14:hiddenFill>
+            </a:ext>
+          </a:extLst>
+        </p:spPr>
+      </p:pic>
     </p:spTree>
     <p:extLst>
       <p:ext uri="{BB962C8B-B14F-4D97-AF65-F5344CB8AC3E}">
-        <p14:creationId xmlns:p14="http://schemas.microsoft.com/office/powerpoint/2010/main" val="3604630649"/>
+        <p14:creationId xmlns:p14="http://schemas.microsoft.com/office/powerpoint/2010/main" val="203682859"/>
       </p:ext>
     </p:extLst>
   </p:cSld>
@@ -13435,68 +13054,6 @@
             <a:r>
               <a:rPr lang="ru-RU"/>
               <a:t>Спасибо</a:t>
-            </a:r>
-          </a:p>
-        </p:txBody>
-      </p:sp>
-      <p:sp>
-        <p:nvSpPr>
-          <p:cNvPr id="3" name="Объект 2">
-            <a:extLst>
-              <a:ext uri="{FF2B5EF4-FFF2-40B4-BE49-F238E27FC236}">
-                <a16:creationId xmlns:a16="http://schemas.microsoft.com/office/drawing/2014/main" id="{1BE98EFF-197D-3136-70B9-7BBD30A48931}"/>
-              </a:ext>
-            </a:extLst>
-          </p:cNvPr>
-          <p:cNvSpPr>
-            <a:spLocks noGrp="1"/>
-          </p:cNvSpPr>
-          <p:nvPr>
-            <p:ph idx="1"/>
-          </p:nvPr>
-        </p:nvSpPr>
-        <p:spPr>
-          <a:xfrm>
-            <a:off x="6605455" y="755171"/>
-            <a:ext cx="4619937" cy="5315035"/>
-          </a:xfrm>
-          <a:noFill/>
-        </p:spPr>
-        <p:txBody>
-          <a:bodyPr rtlCol="0">
-            <a:normAutofit/>
-          </a:bodyPr>
-          <a:lstStyle>
-            <a:defPPr>
-              <a:defRPr lang="ru-RU"/>
-            </a:defPPr>
-          </a:lstStyle>
-          <a:p>
-            <a:pPr rtl="0"/>
-            <a:r>
-              <a:rPr lang="ru-RU"/>
-              <a:t>Брита Тамм</a:t>
-            </a:r>
-          </a:p>
-          <a:p>
-            <a:pPr rtl="0"/>
-            <a:r>
-              <a:rPr lang="ru-RU"/>
-              <a:t>502-555-0152</a:t>
-            </a:r>
-          </a:p>
-          <a:p>
-            <a:pPr rtl="0"/>
-            <a:r>
-              <a:rPr lang="ru-RU"/>
-              <a:t>brita@firstupconsultants.com</a:t>
-            </a:r>
-          </a:p>
-          <a:p>
-            <a:pPr rtl="0"/>
-            <a:r>
-              <a:rPr lang="ru-RU"/>
-              <a:t>www.firstupconsultants.com</a:t>
             </a:r>
           </a:p>
         </p:txBody>
@@ -13722,7 +13279,7 @@
         </p:spPr>
         <p:txBody>
           <a:bodyPr vert="horz" lIns="91440" tIns="45720" rIns="91440" bIns="45720" rtlCol="0" anchor="t">
-            <a:normAutofit fontScale="92500"/>
+            <a:normAutofit/>
           </a:bodyPr>
           <a:lstStyle>
             <a:defPPr>
@@ -13749,13 +13306,6 @@
             <a:r>
               <a:rPr lang="ru-RU" dirty="0"/>
               <a:t> — горизонтальное разделение доски на дорожки для группировки задач по типу, приоритету или проекту. )</a:t>
-            </a:r>
-          </a:p>
-          <a:p>
-            <a:pPr rtl="0"/>
-            <a:r>
-              <a:rPr lang="ru-RU" dirty="0"/>
-              <a:t>Обеспечить контроль WIP-лимитов для балансировки нагрузки.</a:t>
             </a:r>
           </a:p>
           <a:p>
@@ -13890,7 +13440,7 @@
         </p:nvSpPr>
         <p:spPr>
           <a:xfrm>
-            <a:off x="305624" y="2436109"/>
+            <a:off x="305624" y="2941436"/>
             <a:ext cx="3585332" cy="707886"/>
           </a:xfrm>
           <a:prstGeom prst="rect">
@@ -13933,7 +13483,7 @@
         </p:blipFill>
         <p:spPr>
           <a:xfrm>
-            <a:off x="305624" y="3270249"/>
+            <a:off x="305624" y="3775576"/>
             <a:ext cx="3126642" cy="1108957"/>
           </a:xfrm>
           <a:prstGeom prst="rect">
@@ -13955,7 +13505,7 @@
         </p:nvSpPr>
         <p:spPr>
           <a:xfrm>
-            <a:off x="5002403" y="2666172"/>
+            <a:off x="5002403" y="3171499"/>
             <a:ext cx="2187193" cy="477823"/>
           </a:xfrm>
           <a:prstGeom prst="rect">
@@ -14011,8 +13561,85 @@
         </p:blipFill>
         <p:spPr>
           <a:xfrm>
-            <a:off x="4586586" y="3270248"/>
+            <a:off x="4586586" y="3775575"/>
             <a:ext cx="3018828" cy="1108958"/>
+          </a:xfrm>
+          <a:prstGeom prst="rect">
+            <a:avLst/>
+          </a:prstGeom>
+        </p:spPr>
+      </p:pic>
+      <p:sp>
+        <p:nvSpPr>
+          <p:cNvPr id="3" name="TextBox 2">
+            <a:extLst>
+              <a:ext uri="{FF2B5EF4-FFF2-40B4-BE49-F238E27FC236}">
+                <a16:creationId xmlns:a16="http://schemas.microsoft.com/office/drawing/2014/main" id="{A5A1167A-E73F-93ED-30E1-5A9E823F4E10}"/>
+              </a:ext>
+            </a:extLst>
+          </p:cNvPr>
+          <p:cNvSpPr txBox="1"/>
+          <p:nvPr/>
+        </p:nvSpPr>
+        <p:spPr>
+          <a:xfrm>
+            <a:off x="9166607" y="3171499"/>
+            <a:ext cx="2187193" cy="477823"/>
+          </a:xfrm>
+          <a:prstGeom prst="rect">
+            <a:avLst/>
+          </a:prstGeom>
+          <a:noFill/>
+        </p:spPr>
+        <p:txBody>
+          <a:bodyPr wrap="square">
+            <a:spAutoFit/>
+          </a:bodyPr>
+          <a:lstStyle/>
+          <a:p>
+            <a:pPr algn="ctr">
+              <a:lnSpc>
+                <a:spcPts val="2550"/>
+              </a:lnSpc>
+              <a:spcBef>
+                <a:spcPts val="3600"/>
+              </a:spcBef>
+              <a:spcAft>
+                <a:spcPts val="1800"/>
+              </a:spcAft>
+              <a:buNone/>
+            </a:pPr>
+            <a:r>
+              <a:rPr lang="en-US" sz="4000" b="1" dirty="0"/>
+              <a:t>Asana</a:t>
+            </a:r>
+          </a:p>
+        </p:txBody>
+      </p:sp>
+      <p:pic>
+        <p:nvPicPr>
+          <p:cNvPr id="5" name="Рисунок 4">
+            <a:extLst>
+              <a:ext uri="{FF2B5EF4-FFF2-40B4-BE49-F238E27FC236}">
+                <a16:creationId xmlns:a16="http://schemas.microsoft.com/office/drawing/2014/main" id="{2EEAE145-A937-A097-732A-DBCCD763BFD9}"/>
+              </a:ext>
+            </a:extLst>
+          </p:cNvPr>
+          <p:cNvPicPr>
+            <a:picLocks noChangeAspect="1"/>
+          </p:cNvPicPr>
+          <p:nvPr/>
+        </p:nvPicPr>
+        <p:blipFill>
+          <a:blip r:embed="rId4"/>
+          <a:stretch>
+            <a:fillRect/>
+          </a:stretch>
+        </p:blipFill>
+        <p:spPr>
+          <a:xfrm>
+            <a:off x="8931608" y="3775575"/>
+            <a:ext cx="2422192" cy="1009247"/>
           </a:xfrm>
           <a:prstGeom prst="rect">
             <a:avLst/>
@@ -14693,6 +14320,314 @@
   <p:cSld>
     <p:spTree>
       <p:nvGrpSpPr>
+        <p:cNvPr id="1" name="">
+          <a:extLst>
+            <a:ext uri="{FF2B5EF4-FFF2-40B4-BE49-F238E27FC236}">
+              <a16:creationId xmlns:a16="http://schemas.microsoft.com/office/drawing/2014/main" id="{A5CDFBB8-74ED-E98A-6DD3-F8C6446E9E40}"/>
+            </a:ext>
+          </a:extLst>
+        </p:cNvPr>
+        <p:cNvGrpSpPr/>
+        <p:nvPr/>
+      </p:nvGrpSpPr>
+      <p:grpSpPr>
+        <a:xfrm>
+          <a:off x="0" y="0"/>
+          <a:ext cx="0" cy="0"/>
+          <a:chOff x="0" y="0"/>
+          <a:chExt cx="0" cy="0"/>
+        </a:xfrm>
+      </p:grpSpPr>
+      <p:sp>
+        <p:nvSpPr>
+          <p:cNvPr id="13" name="Объект 3">
+            <a:extLst>
+              <a:ext uri="{FF2B5EF4-FFF2-40B4-BE49-F238E27FC236}">
+                <a16:creationId xmlns:a16="http://schemas.microsoft.com/office/drawing/2014/main" id="{50A8C537-8E59-8654-CA1F-F2487E97B354}"/>
+              </a:ext>
+            </a:extLst>
+          </p:cNvPr>
+          <p:cNvSpPr>
+            <a:spLocks noGrp="1"/>
+          </p:cNvSpPr>
+          <p:nvPr>
+            <p:ph sz="half" idx="15"/>
+          </p:nvPr>
+        </p:nvSpPr>
+        <p:spPr>
+          <a:xfrm>
+            <a:off x="6248400" y="142576"/>
+            <a:ext cx="5366084" cy="4297680"/>
+          </a:xfrm>
+          <a:noFill/>
+        </p:spPr>
+        <p:txBody>
+          <a:bodyPr rtlCol="0">
+            <a:normAutofit/>
+          </a:bodyPr>
+          <a:lstStyle>
+            <a:defPPr>
+              <a:defRPr lang="ru-RU"/>
+            </a:defPPr>
+          </a:lstStyle>
+          <a:p>
+            <a:pPr rtl="0"/>
+            <a:r>
+              <a:rPr lang="ru-RU" b="1" u="sng" dirty="0"/>
+              <a:t>Минусы</a:t>
+            </a:r>
+            <a:endParaRPr lang="ru-RU" dirty="0"/>
+          </a:p>
+          <a:p>
+            <a:pPr marL="285750" indent="-285750">
+              <a:buFont typeface="Arial" panose="020B0604020202020204" pitchFamily="34" charset="0"/>
+              <a:buChar char="•"/>
+            </a:pPr>
+            <a:r>
+              <a:rPr lang="ru-RU" dirty="0"/>
+              <a:t>Автоматизация рабочего процесса только на платных тарифах</a:t>
+            </a:r>
+          </a:p>
+          <a:p>
+            <a:pPr marL="285750" indent="-285750">
+              <a:buFont typeface="Arial" panose="020B0604020202020204" pitchFamily="34" charset="0"/>
+              <a:buChar char="•"/>
+            </a:pPr>
+            <a:r>
+              <a:rPr lang="ru-RU" dirty="0"/>
+              <a:t>В бесплатной версии в Канбан-досках нет дат и времени начала и зависимостей задач</a:t>
+            </a:r>
+          </a:p>
+          <a:p>
+            <a:pPr marL="285750" indent="-285750">
+              <a:buFont typeface="Arial" panose="020B0604020202020204" pitchFamily="34" charset="0"/>
+              <a:buChar char="•"/>
+            </a:pPr>
+            <a:r>
+              <a:rPr lang="ru-RU" dirty="0"/>
+              <a:t>Круглосуточная поддержка доступна только в самом дорогом тарифе</a:t>
+            </a:r>
+          </a:p>
+          <a:p>
+            <a:pPr marL="285750" indent="-285750">
+              <a:buFont typeface="Arial" panose="020B0604020202020204" pitchFamily="34" charset="0"/>
+              <a:buChar char="•"/>
+            </a:pPr>
+            <a:r>
+              <a:rPr lang="ru-RU" dirty="0"/>
+              <a:t>Высокая стоимость. Можно найти сервисы с Канбан-досками дешевле и с более обширными функциями</a:t>
+            </a:r>
+          </a:p>
+        </p:txBody>
+      </p:sp>
+      <p:sp>
+        <p:nvSpPr>
+          <p:cNvPr id="18" name="Объект 2">
+            <a:extLst>
+              <a:ext uri="{FF2B5EF4-FFF2-40B4-BE49-F238E27FC236}">
+                <a16:creationId xmlns:a16="http://schemas.microsoft.com/office/drawing/2014/main" id="{7E8E60F3-3803-43D6-ABB3-9E61C1897015}"/>
+              </a:ext>
+            </a:extLst>
+          </p:cNvPr>
+          <p:cNvSpPr>
+            <a:spLocks noGrp="1"/>
+          </p:cNvSpPr>
+          <p:nvPr>
+            <p:ph sz="half" idx="1"/>
+          </p:nvPr>
+        </p:nvSpPr>
+        <p:spPr>
+          <a:xfrm>
+            <a:off x="79268" y="1408497"/>
+            <a:ext cx="5501488" cy="4297680"/>
+          </a:xfrm>
+          <a:noFill/>
+        </p:spPr>
+        <p:txBody>
+          <a:bodyPr rtlCol="0">
+            <a:noAutofit/>
+          </a:bodyPr>
+          <a:lstStyle>
+            <a:defPPr>
+              <a:defRPr lang="ru-RU"/>
+            </a:defPPr>
+          </a:lstStyle>
+          <a:p>
+            <a:pPr marL="0" indent="0" rtl="0">
+              <a:buNone/>
+            </a:pPr>
+            <a:r>
+              <a:rPr lang="ru-RU" b="1" u="sng" dirty="0"/>
+              <a:t>Плюсы</a:t>
+            </a:r>
+          </a:p>
+          <a:p>
+            <a:r>
+              <a:rPr lang="ru-RU" dirty="0"/>
+              <a:t>Все базовые возможности Канбан-доски</a:t>
+            </a:r>
+            <a:r>
+              <a:rPr lang="en-US" dirty="0"/>
+              <a:t>.</a:t>
+            </a:r>
+          </a:p>
+          <a:p>
+            <a:r>
+              <a:rPr lang="ru-RU" dirty="0"/>
+              <a:t>Есть AI-инструменты: </a:t>
+            </a:r>
+            <a:r>
+              <a:rPr lang="ru-RU" dirty="0" err="1"/>
+              <a:t>автогенерация</a:t>
+            </a:r>
+            <a:r>
+              <a:rPr lang="ru-RU" dirty="0"/>
+              <a:t> задач, автоматическое определение приоритетов</a:t>
+            </a:r>
+          </a:p>
+          <a:p>
+            <a:r>
+              <a:rPr lang="ru-RU" dirty="0"/>
+              <a:t>Неограниченное количество задач и подзадач, назначение конкретным членам команды с дедлайнами, возможность вести одновременно несколько проектов, создавать шаблоны задач, устанавливать правила, автоматизировать процессы</a:t>
+            </a:r>
+          </a:p>
+          <a:p>
+            <a:r>
+              <a:rPr lang="ru-RU" dirty="0"/>
+              <a:t>Удобная интеграция с огромным количеством сервисов и инструментов — их более 300. Больше, чем у других</a:t>
+            </a:r>
+          </a:p>
+          <a:p>
+            <a:r>
+              <a:rPr lang="ru-RU" dirty="0"/>
+              <a:t>Неограниченное хранилище файлов, загрузка файлов до 100 </a:t>
+            </a:r>
+            <a:r>
+              <a:rPr lang="ru-RU" dirty="0" err="1"/>
+              <a:t>мб</a:t>
+            </a:r>
+            <a:endParaRPr lang="ru-RU" dirty="0"/>
+          </a:p>
+        </p:txBody>
+      </p:sp>
+      <p:sp>
+        <p:nvSpPr>
+          <p:cNvPr id="19" name="TextBox 18">
+            <a:extLst>
+              <a:ext uri="{FF2B5EF4-FFF2-40B4-BE49-F238E27FC236}">
+                <a16:creationId xmlns:a16="http://schemas.microsoft.com/office/drawing/2014/main" id="{61810470-8466-107C-5EA3-0F116A06BAC1}"/>
+              </a:ext>
+            </a:extLst>
+          </p:cNvPr>
+          <p:cNvSpPr txBox="1"/>
+          <p:nvPr/>
+        </p:nvSpPr>
+        <p:spPr>
+          <a:xfrm>
+            <a:off x="5943601" y="3697704"/>
+            <a:ext cx="764953" cy="369332"/>
+          </a:xfrm>
+          <a:prstGeom prst="rect">
+            <a:avLst/>
+          </a:prstGeom>
+          <a:noFill/>
+        </p:spPr>
+        <p:txBody>
+          <a:bodyPr wrap="none" rtlCol="0">
+            <a:spAutoFit/>
+          </a:bodyPr>
+          <a:lstStyle/>
+          <a:p>
+            <a:r>
+              <a:rPr lang="ru-RU" b="1" u="sng" dirty="0"/>
+              <a:t>Цены</a:t>
+            </a:r>
+            <a:r>
+              <a:rPr lang="en-US" b="1" u="sng" dirty="0"/>
+              <a:t>:</a:t>
+            </a:r>
+            <a:endParaRPr lang="ru-RU" b="1" u="sng" dirty="0"/>
+          </a:p>
+        </p:txBody>
+      </p:sp>
+      <p:pic>
+        <p:nvPicPr>
+          <p:cNvPr id="2" name="Рисунок 1">
+            <a:extLst>
+              <a:ext uri="{FF2B5EF4-FFF2-40B4-BE49-F238E27FC236}">
+                <a16:creationId xmlns:a16="http://schemas.microsoft.com/office/drawing/2014/main" id="{C1350729-9572-4670-DADE-1C26E1D61D0B}"/>
+              </a:ext>
+            </a:extLst>
+          </p:cNvPr>
+          <p:cNvPicPr>
+            <a:picLocks noChangeAspect="1"/>
+          </p:cNvPicPr>
+          <p:nvPr/>
+        </p:nvPicPr>
+        <p:blipFill>
+          <a:blip r:embed="rId3"/>
+          <a:stretch>
+            <a:fillRect/>
+          </a:stretch>
+        </p:blipFill>
+        <p:spPr>
+          <a:xfrm>
+            <a:off x="1618916" y="142576"/>
+            <a:ext cx="2422192" cy="1009247"/>
+          </a:xfrm>
+          <a:prstGeom prst="rect">
+            <a:avLst/>
+          </a:prstGeom>
+        </p:spPr>
+      </p:pic>
+      <p:pic>
+        <p:nvPicPr>
+          <p:cNvPr id="4" name="Рисунок 3">
+            <a:extLst>
+              <a:ext uri="{FF2B5EF4-FFF2-40B4-BE49-F238E27FC236}">
+                <a16:creationId xmlns:a16="http://schemas.microsoft.com/office/drawing/2014/main" id="{7E05C46E-4ECF-A4DF-BC82-DB090B3D7E93}"/>
+              </a:ext>
+            </a:extLst>
+          </p:cNvPr>
+          <p:cNvPicPr>
+            <a:picLocks noChangeAspect="1"/>
+          </p:cNvPicPr>
+          <p:nvPr/>
+        </p:nvPicPr>
+        <p:blipFill>
+          <a:blip r:embed="rId4"/>
+          <a:stretch>
+            <a:fillRect/>
+          </a:stretch>
+        </p:blipFill>
+        <p:spPr>
+          <a:xfrm>
+            <a:off x="5742799" y="4067036"/>
+            <a:ext cx="6377285" cy="2477170"/>
+          </a:xfrm>
+          <a:prstGeom prst="rect">
+            <a:avLst/>
+          </a:prstGeom>
+        </p:spPr>
+      </p:pic>
+    </p:spTree>
+    <p:extLst>
+      <p:ext uri="{BB962C8B-B14F-4D97-AF65-F5344CB8AC3E}">
+        <p14:creationId xmlns:p14="http://schemas.microsoft.com/office/powerpoint/2010/main" val="4274112796"/>
+      </p:ext>
+    </p:extLst>
+  </p:cSld>
+  <p:clrMapOvr>
+    <a:masterClrMapping/>
+  </p:clrMapOvr>
+</p:sld>
+</file>
+
+<file path=ppt/slides/slide9.xml><?xml version="1.0" encoding="utf-8"?>
+<p:sld xmlns:a="http://schemas.openxmlformats.org/drawingml/2006/main" xmlns:r="http://schemas.openxmlformats.org/officeDocument/2006/relationships" xmlns:p="http://schemas.openxmlformats.org/presentationml/2006/main">
+  <p:cSld>
+    <p:spTree>
+      <p:nvGrpSpPr>
         <p:cNvPr id="1" name=""/>
         <p:cNvGrpSpPr/>
         <p:nvPr/>
@@ -14723,8 +14658,8 @@
         </p:nvSpPr>
         <p:spPr>
           <a:xfrm>
-            <a:off x="838200" y="198437"/>
-            <a:ext cx="5257800" cy="2324046"/>
+            <a:off x="585094" y="505326"/>
+            <a:ext cx="5257800" cy="765872"/>
           </a:xfrm>
           <a:noFill/>
         </p:spPr>
@@ -14739,7 +14674,7 @@
             <a:pPr rtl="0"/>
             <a:r>
               <a:rPr lang="ru-RU" dirty="0"/>
-              <a:t>Влияние оратора</a:t>
+              <a:t>Команда</a:t>
             </a:r>
           </a:p>
         </p:txBody>
@@ -14762,8 +14697,8 @@
         </p:nvSpPr>
         <p:spPr>
           <a:xfrm>
-            <a:off x="838200" y="2657316"/>
-            <a:ext cx="4940687" cy="3369858"/>
+            <a:off x="585094" y="1406031"/>
+            <a:ext cx="4940687" cy="591210"/>
           </a:xfrm>
           <a:noFill/>
         </p:spPr>
@@ -14780,15 +14715,21 @@
             <a:pPr rtl="0"/>
             <a:r>
               <a:rPr lang="ru-RU" dirty="0"/>
-              <a:t>Ваша способность эффективно общаться оставит у слушателей неизгладимое впечатление</a:t>
-            </a:r>
-          </a:p>
-          <a:p>
-            <a:pPr rtl="0"/>
+              <a:t>Наша команда состоит из 2ух участников</a:t>
+            </a:r>
+            <a:r>
+              <a:rPr lang="en-US" dirty="0"/>
+              <a:t>,</a:t>
+            </a:r>
             <a:r>
               <a:rPr lang="ru-RU" dirty="0"/>
-              <a:t>Эффективное общение не ограничивается собственно выступлением. Оно должно вступать в резонанс с личным опытом, ценностями и чувствами слушателей </a:t>
-            </a:r>
+              <a:t> и наши обязанности мы решили распределить так</a:t>
+            </a:r>
+            <a:r>
+              <a:rPr lang="en-US" dirty="0"/>
+              <a:t>:</a:t>
+            </a:r>
+            <a:endParaRPr lang="ru-RU" dirty="0"/>
           </a:p>
         </p:txBody>
       </p:sp>
@@ -14826,751 +14767,150 @@
           </a:xfrm>
         </p:spPr>
       </p:pic>
+      <p:sp>
+        <p:nvSpPr>
+          <p:cNvPr id="4" name="TextBox 3">
+            <a:extLst>
+              <a:ext uri="{FF2B5EF4-FFF2-40B4-BE49-F238E27FC236}">
+                <a16:creationId xmlns:a16="http://schemas.microsoft.com/office/drawing/2014/main" id="{655DD266-893F-9C59-BFBB-D4E0502B18DC}"/>
+              </a:ext>
+            </a:extLst>
+          </p:cNvPr>
+          <p:cNvSpPr txBox="1"/>
+          <p:nvPr/>
+        </p:nvSpPr>
+        <p:spPr>
+          <a:xfrm>
+            <a:off x="585094" y="2462463"/>
+            <a:ext cx="5485797" cy="1200329"/>
+          </a:xfrm>
+          <a:prstGeom prst="rect">
+            <a:avLst/>
+          </a:prstGeom>
+          <a:noFill/>
+        </p:spPr>
+        <p:txBody>
+          <a:bodyPr wrap="none" rtlCol="0">
+            <a:spAutoFit/>
+          </a:bodyPr>
+          <a:lstStyle/>
+          <a:p>
+            <a:r>
+              <a:rPr lang="ru-RU" dirty="0"/>
+              <a:t>Рома</a:t>
+            </a:r>
+            <a:r>
+              <a:rPr lang="en-US" dirty="0"/>
+              <a:t>:</a:t>
+            </a:r>
+            <a:endParaRPr lang="ru-RU" dirty="0"/>
+          </a:p>
+          <a:p>
+            <a:pPr marL="285750" indent="-285750">
+              <a:buFont typeface="Arial" panose="020B0604020202020204" pitchFamily="34" charset="0"/>
+              <a:buChar char="•"/>
+            </a:pPr>
+            <a:r>
+              <a:rPr lang="ru-RU" dirty="0"/>
+              <a:t>Разработка базы данных и ее интеграция в систему</a:t>
+            </a:r>
+          </a:p>
+          <a:p>
+            <a:pPr marL="285750" indent="-285750">
+              <a:buFont typeface="Arial" panose="020B0604020202020204" pitchFamily="34" charset="0"/>
+              <a:buChar char="•"/>
+            </a:pPr>
+            <a:r>
+              <a:rPr lang="ru-RU" dirty="0"/>
+              <a:t>Разработка бэкенд части приложения</a:t>
+            </a:r>
+          </a:p>
+          <a:p>
+            <a:pPr marL="285750" indent="-285750">
+              <a:buFont typeface="Arial" panose="020B0604020202020204" pitchFamily="34" charset="0"/>
+              <a:buChar char="•"/>
+            </a:pPr>
+            <a:r>
+              <a:rPr lang="ru-RU" dirty="0"/>
+              <a:t>Развертывание всей системы</a:t>
+            </a:r>
+          </a:p>
+        </p:txBody>
+      </p:sp>
+      <p:sp>
+        <p:nvSpPr>
+          <p:cNvPr id="6" name="TextBox 5">
+            <a:extLst>
+              <a:ext uri="{FF2B5EF4-FFF2-40B4-BE49-F238E27FC236}">
+                <a16:creationId xmlns:a16="http://schemas.microsoft.com/office/drawing/2014/main" id="{C4333BC1-C15B-7D28-7781-CA7FBB4115EB}"/>
+              </a:ext>
+            </a:extLst>
+          </p:cNvPr>
+          <p:cNvSpPr txBox="1"/>
+          <p:nvPr/>
+        </p:nvSpPr>
+        <p:spPr>
+          <a:xfrm>
+            <a:off x="585094" y="3763518"/>
+            <a:ext cx="6096000" cy="1200329"/>
+          </a:xfrm>
+          <a:prstGeom prst="rect">
+            <a:avLst/>
+          </a:prstGeom>
+          <a:noFill/>
+        </p:spPr>
+        <p:txBody>
+          <a:bodyPr wrap="square">
+            <a:spAutoFit/>
+          </a:bodyPr>
+          <a:lstStyle/>
+          <a:p>
+            <a:r>
+              <a:rPr lang="ru-RU" dirty="0"/>
+              <a:t>Катя</a:t>
+            </a:r>
+            <a:r>
+              <a:rPr lang="en-US" dirty="0"/>
+              <a:t>:</a:t>
+            </a:r>
+            <a:endParaRPr lang="ru-RU" dirty="0"/>
+          </a:p>
+          <a:p>
+            <a:pPr marL="285750" indent="-285750">
+              <a:buFont typeface="Arial" panose="020B0604020202020204" pitchFamily="34" charset="0"/>
+              <a:buChar char="•"/>
+            </a:pPr>
+            <a:r>
+              <a:rPr lang="ru-RU" dirty="0"/>
+              <a:t>Оформление этапов и документации</a:t>
+            </a:r>
+          </a:p>
+          <a:p>
+            <a:pPr marL="285750" indent="-285750">
+              <a:buFont typeface="Arial" panose="020B0604020202020204" pitchFamily="34" charset="0"/>
+              <a:buChar char="•"/>
+            </a:pPr>
+            <a:r>
+              <a:rPr lang="ru-RU" dirty="0"/>
+              <a:t>Разработка дизайна пользовательского интерфейса</a:t>
+            </a:r>
+          </a:p>
+          <a:p>
+            <a:pPr marL="285750" indent="-285750">
+              <a:buFont typeface="Arial" panose="020B0604020202020204" pitchFamily="34" charset="0"/>
+              <a:buChar char="•"/>
+            </a:pPr>
+            <a:r>
+              <a:rPr lang="ru-RU" dirty="0"/>
+              <a:t>Создание фронтенд части приложения</a:t>
+            </a:r>
+          </a:p>
+        </p:txBody>
+      </p:sp>
     </p:spTree>
     <p:extLst>
       <p:ext uri="{BB962C8B-B14F-4D97-AF65-F5344CB8AC3E}">
         <p14:creationId xmlns:p14="http://schemas.microsoft.com/office/powerpoint/2010/main" val="2737241225"/>
-      </p:ext>
-    </p:extLst>
-  </p:cSld>
-  <p:clrMapOvr>
-    <a:masterClrMapping/>
-  </p:clrMapOvr>
-</p:sld>
-</file>
-
-<file path=ppt/slides/slide9.xml><?xml version="1.0" encoding="utf-8"?>
-<p:sld xmlns:a="http://schemas.openxmlformats.org/drawingml/2006/main" xmlns:r="http://schemas.openxmlformats.org/officeDocument/2006/relationships" xmlns:p="http://schemas.openxmlformats.org/presentationml/2006/main">
-  <p:cSld>
-    <p:spTree>
-      <p:nvGrpSpPr>
-        <p:cNvPr id="1" name=""/>
-        <p:cNvGrpSpPr/>
-        <p:nvPr/>
-      </p:nvGrpSpPr>
-      <p:grpSpPr>
-        <a:xfrm>
-          <a:off x="0" y="0"/>
-          <a:ext cx="0" cy="0"/>
-          <a:chOff x="0" y="0"/>
-          <a:chExt cx="0" cy="0"/>
-        </a:xfrm>
-      </p:grpSpPr>
-      <p:sp>
-        <p:nvSpPr>
-          <p:cNvPr id="2" name="Заголовок 1">
-            <a:extLst>
-              <a:ext uri="{FF2B5EF4-FFF2-40B4-BE49-F238E27FC236}">
-                <a16:creationId xmlns:a16="http://schemas.microsoft.com/office/drawing/2014/main" id="{B7545968-70F7-0180-6448-3547E442EF4A}"/>
-              </a:ext>
-            </a:extLst>
-          </p:cNvPr>
-          <p:cNvSpPr>
-            <a:spLocks noGrp="1"/>
-          </p:cNvSpPr>
-          <p:nvPr>
-            <p:ph type="title"/>
-          </p:nvPr>
-        </p:nvSpPr>
-        <p:spPr>
-          <a:xfrm>
-            <a:off x="838200" y="365125"/>
-            <a:ext cx="10515600" cy="1325563"/>
-          </a:xfrm>
-          <a:noFill/>
-        </p:spPr>
-        <p:txBody>
-          <a:bodyPr rtlCol="0" anchor="ctr">
-            <a:noAutofit/>
-          </a:bodyPr>
-          <a:lstStyle>
-            <a:defPPr>
-              <a:defRPr lang="ru-RU"/>
-            </a:defPPr>
-          </a:lstStyle>
-          <a:p>
-            <a:pPr rtl="0"/>
-            <a:r>
-              <a:rPr lang="ru-RU" dirty="0"/>
-              <a:t>Энергичное выступление</a:t>
-            </a:r>
-          </a:p>
-        </p:txBody>
-      </p:sp>
-      <p:sp>
-        <p:nvSpPr>
-          <p:cNvPr id="8" name="Объект 7">
-            <a:extLst>
-              <a:ext uri="{FF2B5EF4-FFF2-40B4-BE49-F238E27FC236}">
-                <a16:creationId xmlns:a16="http://schemas.microsoft.com/office/drawing/2014/main" id="{215CE58D-2739-522B-7C3A-6A7C985360C0}"/>
-              </a:ext>
-            </a:extLst>
-          </p:cNvPr>
-          <p:cNvSpPr>
-            <a:spLocks noGrp="1"/>
-          </p:cNvSpPr>
-          <p:nvPr>
-            <p:ph sz="half" idx="1"/>
-          </p:nvPr>
-        </p:nvSpPr>
-        <p:spPr>
-          <a:xfrm>
-            <a:off x="838200" y="1825625"/>
-            <a:ext cx="3060032" cy="4297678"/>
-          </a:xfrm>
-          <a:noFill/>
-        </p:spPr>
-        <p:txBody>
-          <a:bodyPr vert="horz" lIns="91440" tIns="45720" rIns="91440" bIns="45720" rtlCol="0" anchor="t">
-            <a:normAutofit/>
-          </a:bodyPr>
-          <a:lstStyle>
-            <a:defPPr>
-              <a:defRPr lang="ru-RU"/>
-            </a:defPPr>
-          </a:lstStyle>
-          <a:p>
-            <a:pPr rtl="0"/>
-            <a:r>
-              <a:rPr lang="ru-RU" dirty="0"/>
-              <a:t>Узнайте, как выступать энергично, чтобы оставить неизгладимое впечатление</a:t>
-            </a:r>
-          </a:p>
-          <a:p>
-            <a:pPr rtl="0"/>
-            <a:r>
-              <a:rPr lang="ru-RU" dirty="0"/>
-              <a:t>Одна из целей эффективного общения — мотивировать слушателей</a:t>
-            </a:r>
-          </a:p>
-        </p:txBody>
-      </p:sp>
-      <p:graphicFrame>
-        <p:nvGraphicFramePr>
-          <p:cNvPr id="3" name="Местозаполнитель таблицы 2">
-            <a:extLst>
-              <a:ext uri="{FF2B5EF4-FFF2-40B4-BE49-F238E27FC236}">
-                <a16:creationId xmlns:a16="http://schemas.microsoft.com/office/drawing/2014/main" id="{F01CF5D3-D3B1-1944-CFDF-D8EE11DE42AA}"/>
-              </a:ext>
-            </a:extLst>
-          </p:cNvPr>
-          <p:cNvGraphicFramePr>
-            <a:graphicFrameLocks noGrp="1"/>
-          </p:cNvGraphicFramePr>
-          <p:nvPr>
-            <p:ph type="tbl" sz="quarter" idx="13"/>
-            <p:extLst>
-              <p:ext uri="{D42A27DB-BD31-4B8C-83A1-F6EECF244321}">
-                <p14:modId xmlns:p14="http://schemas.microsoft.com/office/powerpoint/2010/main" val="1260738476"/>
-              </p:ext>
-            </p:extLst>
-          </p:nvPr>
-        </p:nvGraphicFramePr>
-        <p:xfrm>
-          <a:off x="4038600" y="1825625"/>
-          <a:ext cx="7315200" cy="4297679"/>
-        </p:xfrm>
-        <a:graphic>
-          <a:graphicData uri="http://schemas.openxmlformats.org/drawingml/2006/table">
-            <a:tbl>
-              <a:tblPr firstRow="1" bandRow="1">
-                <a:tableStyleId>{72833802-FEF1-4C79-8D5D-14CF1EAF98D9}</a:tableStyleId>
-              </a:tblPr>
-              <a:tblGrid>
-                <a:gridCol w="2571206">
-                  <a:extLst>
-                    <a:ext uri="{9D8B030D-6E8A-4147-A177-3AD203B41FA5}">
-                      <a16:colId xmlns:a16="http://schemas.microsoft.com/office/drawing/2014/main" val="127040821"/>
-                    </a:ext>
-                  </a:extLst>
-                </a:gridCol>
-                <a:gridCol w="1872343">
-                  <a:extLst>
-                    <a:ext uri="{9D8B030D-6E8A-4147-A177-3AD203B41FA5}">
-                      <a16:colId xmlns:a16="http://schemas.microsoft.com/office/drawing/2014/main" val="149845700"/>
-                    </a:ext>
-                  </a:extLst>
-                </a:gridCol>
-                <a:gridCol w="1341120">
-                  <a:extLst>
-                    <a:ext uri="{9D8B030D-6E8A-4147-A177-3AD203B41FA5}">
-                      <a16:colId xmlns:a16="http://schemas.microsoft.com/office/drawing/2014/main" val="3119692462"/>
-                    </a:ext>
-                  </a:extLst>
-                </a:gridCol>
-                <a:gridCol w="1530531">
-                  <a:extLst>
-                    <a:ext uri="{9D8B030D-6E8A-4147-A177-3AD203B41FA5}">
-                      <a16:colId xmlns:a16="http://schemas.microsoft.com/office/drawing/2014/main" val="3472639139"/>
-                    </a:ext>
-                  </a:extLst>
-                </a:gridCol>
-              </a:tblGrid>
-              <a:tr h="684715">
-                <a:tc>
-                  <a:txBody>
-                    <a:bodyPr/>
-                    <a:lstStyle>
-                      <a:defPPr>
-                        <a:defRPr lang="ru-RU"/>
-                      </a:defPPr>
-                    </a:lstStyle>
-                    <a:p>
-                      <a:pPr algn="ctr" rtl="0"/>
-                      <a:r>
-                        <a:rPr lang="ru-RU" b="1" i="0" noProof="0" dirty="0">
-                          <a:latin typeface="+mj-cs"/>
-                          <a:cs typeface="+mj-cs"/>
-                        </a:rPr>
-                        <a:t>Показатель</a:t>
-                      </a:r>
-                    </a:p>
-                  </a:txBody>
-                  <a:tcPr anchor="ctr"/>
-                </a:tc>
-                <a:tc>
-                  <a:txBody>
-                    <a:bodyPr/>
-                    <a:lstStyle>
-                      <a:defPPr>
-                        <a:defRPr lang="ru-RU"/>
-                      </a:defPPr>
-                    </a:lstStyle>
-                    <a:p>
-                      <a:pPr algn="ctr" rtl="0"/>
-                      <a:r>
-                        <a:rPr lang="ru-RU" b="1" i="0" noProof="0" dirty="0">
-                          <a:latin typeface="+mj-cs"/>
-                          <a:cs typeface="+mj-cs"/>
-                        </a:rPr>
-                        <a:t>Измерение</a:t>
-                      </a:r>
-                    </a:p>
-                  </a:txBody>
-                  <a:tcPr anchor="ctr"/>
-                </a:tc>
-                <a:tc>
-                  <a:txBody>
-                    <a:bodyPr/>
-                    <a:lstStyle>
-                      <a:defPPr>
-                        <a:defRPr lang="ru-RU"/>
-                      </a:defPPr>
-                    </a:lstStyle>
-                    <a:p>
-                      <a:pPr algn="ctr" rtl="0"/>
-                      <a:r>
-                        <a:rPr lang="ru-RU" b="1" i="0" noProof="0" dirty="0">
-                          <a:latin typeface="+mj-cs"/>
-                          <a:cs typeface="+mj-cs"/>
-                        </a:rPr>
-                        <a:t>Целевое значение</a:t>
-                      </a:r>
-                    </a:p>
-                  </a:txBody>
-                  <a:tcPr anchor="ctr"/>
-                </a:tc>
-                <a:tc>
-                  <a:txBody>
-                    <a:bodyPr/>
-                    <a:lstStyle>
-                      <a:defPPr>
-                        <a:defRPr lang="ru-RU"/>
-                      </a:defPPr>
-                    </a:lstStyle>
-                    <a:p>
-                      <a:pPr algn="ctr" rtl="0"/>
-                      <a:r>
-                        <a:rPr lang="ru-RU" b="1" i="0" noProof="0" dirty="0">
-                          <a:latin typeface="+mj-cs"/>
-                          <a:cs typeface="+mj-cs"/>
-                        </a:rPr>
-                        <a:t>Фактически-</a:t>
-                      </a:r>
-                      <a:r>
-                        <a:rPr lang="ru-RU" b="1" i="0" noProof="0" dirty="0" err="1">
-                          <a:latin typeface="+mj-cs"/>
-                          <a:cs typeface="+mj-cs"/>
-                        </a:rPr>
-                        <a:t>еЗначения</a:t>
-                      </a:r>
-                      <a:endParaRPr lang="ru-RU" b="1" i="0" noProof="0" dirty="0">
-                        <a:latin typeface="+mj-cs"/>
-                        <a:cs typeface="+mj-cs"/>
-                      </a:endParaRPr>
-                    </a:p>
-                  </a:txBody>
-                  <a:tcPr anchor="ctr"/>
-                </a:tc>
-                <a:extLst>
-                  <a:ext uri="{0D108BD9-81ED-4DB2-BD59-A6C34878D82A}">
-                    <a16:rowId xmlns:a16="http://schemas.microsoft.com/office/drawing/2014/main" val="3298013591"/>
-                  </a:ext>
-                </a:extLst>
-              </a:tr>
-              <a:tr h="684715">
-                <a:tc>
-                  <a:txBody>
-                    <a:bodyPr/>
-                    <a:lstStyle>
-                      <a:defPPr>
-                        <a:defRPr lang="ru-RU"/>
-                      </a:defPPr>
-                    </a:lstStyle>
-                    <a:p>
-                      <a:pPr algn="ctr" rtl="0"/>
-                      <a:r>
-                        <a:rPr lang="ru-RU" b="0" i="0" noProof="0" dirty="0">
-                          <a:latin typeface="+mn-cs"/>
-                          <a:cs typeface="+mn-cs"/>
-                        </a:rPr>
-                        <a:t>Посещаемость</a:t>
-                      </a:r>
-                    </a:p>
-                  </a:txBody>
-                  <a:tcPr anchor="ctr"/>
-                </a:tc>
-                <a:tc>
-                  <a:txBody>
-                    <a:bodyPr/>
-                    <a:lstStyle>
-                      <a:defPPr>
-                        <a:defRPr lang="ru-RU"/>
-                      </a:defPPr>
-                    </a:lstStyle>
-                    <a:p>
-                      <a:pPr algn="ctr" rtl="0"/>
-                      <a:r>
-                        <a:rPr lang="ru-RU" b="0" i="0" noProof="0" dirty="0">
-                          <a:latin typeface="+mn-cs"/>
-                          <a:cs typeface="+mn-cs"/>
-                        </a:rPr>
-                        <a:t>Количество участников</a:t>
-                      </a:r>
-                    </a:p>
-                  </a:txBody>
-                  <a:tcPr anchor="ctr"/>
-                </a:tc>
-                <a:tc>
-                  <a:txBody>
-                    <a:bodyPr/>
-                    <a:lstStyle>
-                      <a:defPPr>
-                        <a:defRPr lang="ru-RU"/>
-                      </a:defPPr>
-                    </a:lstStyle>
-                    <a:p>
-                      <a:pPr algn="ctr" rtl="0"/>
-                      <a:r>
-                        <a:rPr lang="ru-RU" b="0" i="0" noProof="0" dirty="0">
-                          <a:latin typeface="+mn-cs"/>
-                          <a:cs typeface="+mn-cs"/>
-                        </a:rPr>
-                        <a:t>150</a:t>
-                      </a:r>
-                    </a:p>
-                  </a:txBody>
-                  <a:tcPr anchor="ctr"/>
-                </a:tc>
-                <a:tc>
-                  <a:txBody>
-                    <a:bodyPr/>
-                    <a:lstStyle>
-                      <a:defPPr>
-                        <a:defRPr lang="ru-RU"/>
-                      </a:defPPr>
-                    </a:lstStyle>
-                    <a:p>
-                      <a:pPr algn="ctr" rtl="0"/>
-                      <a:r>
-                        <a:rPr lang="ru-RU" b="0" i="0" noProof="0" dirty="0">
-                          <a:latin typeface="+mn-cs"/>
-                          <a:cs typeface="+mn-cs"/>
-                        </a:rPr>
-                        <a:t>120</a:t>
-                      </a:r>
-                    </a:p>
-                  </a:txBody>
-                  <a:tcPr anchor="ctr"/>
-                </a:tc>
-                <a:extLst>
-                  <a:ext uri="{0D108BD9-81ED-4DB2-BD59-A6C34878D82A}">
-                    <a16:rowId xmlns:a16="http://schemas.microsoft.com/office/drawing/2014/main" val="3873867931"/>
-                  </a:ext>
-                </a:extLst>
-              </a:tr>
-              <a:tr h="684715">
-                <a:tc>
-                  <a:txBody>
-                    <a:bodyPr/>
-                    <a:lstStyle>
-                      <a:defPPr>
-                        <a:defRPr lang="ru-RU"/>
-                      </a:defPPr>
-                    </a:lstStyle>
-                    <a:p>
-                      <a:pPr algn="ctr" rtl="0"/>
-                      <a:r>
-                        <a:rPr lang="ru-RU" b="0" i="0" noProof="0" dirty="0">
-                          <a:latin typeface="+mn-cs"/>
-                          <a:cs typeface="+mn-cs"/>
-                        </a:rPr>
-                        <a:t>Длительность вовлечения</a:t>
-                      </a:r>
-                    </a:p>
-                  </a:txBody>
-                  <a:tcPr anchor="ctr"/>
-                </a:tc>
-                <a:tc>
-                  <a:txBody>
-                    <a:bodyPr/>
-                    <a:lstStyle>
-                      <a:defPPr>
-                        <a:defRPr lang="ru-RU"/>
-                      </a:defPPr>
-                    </a:lstStyle>
-                    <a:p>
-                      <a:pPr algn="ctr" rtl="0"/>
-                      <a:r>
-                        <a:rPr lang="ru-RU" b="0" i="0" noProof="0" dirty="0">
-                          <a:latin typeface="+mn-cs"/>
-                          <a:cs typeface="+mn-cs"/>
-                        </a:rPr>
-                        <a:t>Минут</a:t>
-                      </a:r>
-                    </a:p>
-                  </a:txBody>
-                  <a:tcPr anchor="ctr"/>
-                </a:tc>
-                <a:tc>
-                  <a:txBody>
-                    <a:bodyPr/>
-                    <a:lstStyle>
-                      <a:defPPr>
-                        <a:defRPr lang="ru-RU"/>
-                      </a:defPPr>
-                    </a:lstStyle>
-                    <a:p>
-                      <a:pPr algn="ctr" rtl="0"/>
-                      <a:r>
-                        <a:rPr lang="ru-RU" b="0" i="0" noProof="0" dirty="0">
-                          <a:latin typeface="+mn-cs"/>
-                          <a:cs typeface="+mn-cs"/>
-                        </a:rPr>
-                        <a:t>60</a:t>
-                      </a:r>
-                    </a:p>
-                  </a:txBody>
-                  <a:tcPr anchor="ctr"/>
-                </a:tc>
-                <a:tc>
-                  <a:txBody>
-                    <a:bodyPr/>
-                    <a:lstStyle>
-                      <a:defPPr>
-                        <a:defRPr lang="ru-RU"/>
-                      </a:defPPr>
-                    </a:lstStyle>
-                    <a:p>
-                      <a:pPr algn="ctr" rtl="0"/>
-                      <a:r>
-                        <a:rPr lang="ru-RU" b="0" i="0" noProof="0" dirty="0">
-                          <a:latin typeface="+mn-cs"/>
-                          <a:cs typeface="+mn-cs"/>
-                        </a:rPr>
-                        <a:t>75</a:t>
-                      </a:r>
-                    </a:p>
-                  </a:txBody>
-                  <a:tcPr anchor="ctr"/>
-                </a:tc>
-                <a:extLst>
-                  <a:ext uri="{0D108BD9-81ED-4DB2-BD59-A6C34878D82A}">
-                    <a16:rowId xmlns:a16="http://schemas.microsoft.com/office/drawing/2014/main" val="85209771"/>
-                  </a:ext>
-                </a:extLst>
-              </a:tr>
-              <a:tr h="684715">
-                <a:tc>
-                  <a:txBody>
-                    <a:bodyPr/>
-                    <a:lstStyle>
-                      <a:defPPr>
-                        <a:defRPr lang="ru-RU"/>
-                      </a:defPPr>
-                    </a:lstStyle>
-                    <a:p>
-                      <a:pPr algn="ctr" rtl="0"/>
-                      <a:r>
-                        <a:rPr lang="ru-RU" b="0" i="0" noProof="0" dirty="0">
-                          <a:latin typeface="+mn-cs"/>
-                          <a:cs typeface="+mn-cs"/>
-                        </a:rPr>
-                        <a:t>Взаимодействие в ходе ответов на вопросы</a:t>
-                      </a:r>
-                    </a:p>
-                  </a:txBody>
-                  <a:tcPr anchor="ctr"/>
-                </a:tc>
-                <a:tc>
-                  <a:txBody>
-                    <a:bodyPr/>
-                    <a:lstStyle>
-                      <a:defPPr>
-                        <a:defRPr lang="ru-RU"/>
-                      </a:defPPr>
-                    </a:lstStyle>
-                    <a:p>
-                      <a:pPr algn="ctr" rtl="0"/>
-                      <a:r>
-                        <a:rPr lang="ru-RU" b="0" i="0" noProof="0" dirty="0">
-                          <a:latin typeface="+mn-cs"/>
-                          <a:cs typeface="+mn-cs"/>
-                        </a:rPr>
-                        <a:t>Количество вопросов</a:t>
-                      </a:r>
-                    </a:p>
-                  </a:txBody>
-                  <a:tcPr anchor="ctr"/>
-                </a:tc>
-                <a:tc>
-                  <a:txBody>
-                    <a:bodyPr/>
-                    <a:lstStyle>
-                      <a:defPPr>
-                        <a:defRPr lang="ru-RU"/>
-                      </a:defPPr>
-                    </a:lstStyle>
-                    <a:p>
-                      <a:pPr algn="ctr" rtl="0"/>
-                      <a:r>
-                        <a:rPr lang="ru-RU" b="0" i="0" noProof="0" dirty="0">
-                          <a:latin typeface="+mn-cs"/>
-                          <a:cs typeface="+mn-cs"/>
-                        </a:rPr>
-                        <a:t>10</a:t>
-                      </a:r>
-                    </a:p>
-                  </a:txBody>
-                  <a:tcPr anchor="ctr"/>
-                </a:tc>
-                <a:tc>
-                  <a:txBody>
-                    <a:bodyPr/>
-                    <a:lstStyle>
-                      <a:defPPr>
-                        <a:defRPr lang="ru-RU"/>
-                      </a:defPPr>
-                    </a:lstStyle>
-                    <a:p>
-                      <a:pPr algn="ctr" rtl="0"/>
-                      <a:r>
-                        <a:rPr lang="ru-RU" b="0" i="0" noProof="0" dirty="0">
-                          <a:latin typeface="+mn-cs"/>
-                          <a:cs typeface="+mn-cs"/>
-                        </a:rPr>
-                        <a:t>15</a:t>
-                      </a:r>
-                    </a:p>
-                  </a:txBody>
-                  <a:tcPr anchor="ctr"/>
-                </a:tc>
-                <a:extLst>
-                  <a:ext uri="{0D108BD9-81ED-4DB2-BD59-A6C34878D82A}">
-                    <a16:rowId xmlns:a16="http://schemas.microsoft.com/office/drawing/2014/main" val="4061031278"/>
-                  </a:ext>
-                </a:extLst>
-              </a:tr>
-              <a:tr h="684715">
-                <a:tc>
-                  <a:txBody>
-                    <a:bodyPr/>
-                    <a:lstStyle>
-                      <a:defPPr>
-                        <a:defRPr lang="ru-RU"/>
-                      </a:defPPr>
-                    </a:lstStyle>
-                    <a:p>
-                      <a:pPr algn="ctr" rtl="0"/>
-                      <a:r>
-                        <a:rPr lang="ru-RU" b="0" i="0" noProof="0" dirty="0">
-                          <a:latin typeface="+mn-cs"/>
-                          <a:cs typeface="+mn-cs"/>
-                        </a:rPr>
-                        <a:t>Положительные отзывы</a:t>
-                      </a:r>
-                    </a:p>
-                  </a:txBody>
-                  <a:tcPr anchor="ctr"/>
-                </a:tc>
-                <a:tc>
-                  <a:txBody>
-                    <a:bodyPr/>
-                    <a:lstStyle>
-                      <a:defPPr>
-                        <a:defRPr lang="ru-RU"/>
-                      </a:defPPr>
-                    </a:lstStyle>
-                    <a:p>
-                      <a:pPr algn="ctr" rtl="0"/>
-                      <a:r>
-                        <a:rPr lang="ru-RU" b="0" i="0" noProof="0" dirty="0">
-                          <a:latin typeface="+mn-cs"/>
-                          <a:cs typeface="+mn-cs"/>
-                        </a:rPr>
-                        <a:t>Процент (%)</a:t>
-                      </a:r>
-                    </a:p>
-                  </a:txBody>
-                  <a:tcPr anchor="ctr"/>
-                </a:tc>
-                <a:tc>
-                  <a:txBody>
-                    <a:bodyPr/>
-                    <a:lstStyle>
-                      <a:defPPr>
-                        <a:defRPr lang="ru-RU"/>
-                      </a:defPPr>
-                    </a:lstStyle>
-                    <a:p>
-                      <a:pPr algn="ctr" rtl="0"/>
-                      <a:r>
-                        <a:rPr lang="ru-RU" b="0" i="0" noProof="0" dirty="0">
-                          <a:latin typeface="+mn-cs"/>
-                          <a:cs typeface="+mn-cs"/>
-                        </a:rPr>
-                        <a:t>90</a:t>
-                      </a:r>
-                    </a:p>
-                  </a:txBody>
-                  <a:tcPr anchor="ctr"/>
-                </a:tc>
-                <a:tc>
-                  <a:txBody>
-                    <a:bodyPr/>
-                    <a:lstStyle>
-                      <a:defPPr>
-                        <a:defRPr lang="ru-RU"/>
-                      </a:defPPr>
-                    </a:lstStyle>
-                    <a:p>
-                      <a:pPr algn="ctr" rtl="0"/>
-                      <a:r>
-                        <a:rPr lang="ru-RU" b="0" i="0" noProof="0" dirty="0">
-                          <a:latin typeface="+mn-cs"/>
-                          <a:cs typeface="+mn-cs"/>
-                        </a:rPr>
-                        <a:t>95</a:t>
-                      </a:r>
-                    </a:p>
-                  </a:txBody>
-                  <a:tcPr anchor="ctr"/>
-                </a:tc>
-                <a:extLst>
-                  <a:ext uri="{0D108BD9-81ED-4DB2-BD59-A6C34878D82A}">
-                    <a16:rowId xmlns:a16="http://schemas.microsoft.com/office/drawing/2014/main" val="3591840781"/>
-                  </a:ext>
-                </a:extLst>
-              </a:tr>
-              <a:tr h="874104">
-                <a:tc>
-                  <a:txBody>
-                    <a:bodyPr/>
-                    <a:lstStyle>
-                      <a:defPPr>
-                        <a:defRPr lang="ru-RU"/>
-                      </a:defPPr>
-                    </a:lstStyle>
-                    <a:p>
-                      <a:pPr algn="ctr" rtl="0"/>
-                      <a:r>
-                        <a:rPr lang="ru-RU" b="0" i="0" noProof="0" dirty="0">
-                          <a:latin typeface="+mn-cs"/>
-                          <a:cs typeface="+mn-cs"/>
-                        </a:rPr>
-                        <a:t>Доля усвоения информации</a:t>
-                      </a:r>
-                    </a:p>
-                  </a:txBody>
-                  <a:tcPr anchor="ctr"/>
-                </a:tc>
-                <a:tc>
-                  <a:txBody>
-                    <a:bodyPr/>
-                    <a:lstStyle>
-                      <a:defPPr>
-                        <a:defRPr lang="ru-RU"/>
-                      </a:defPPr>
-                    </a:lstStyle>
-                    <a:p>
-                      <a:pPr algn="ctr" rtl="0"/>
-                      <a:r>
-                        <a:rPr lang="ru-RU" b="0" i="0" noProof="0" dirty="0">
-                          <a:latin typeface="+mn-cs"/>
-                          <a:cs typeface="+mn-cs"/>
-                        </a:rPr>
-                        <a:t>Процент (%)</a:t>
-                      </a:r>
-                    </a:p>
-                  </a:txBody>
-                  <a:tcPr anchor="ctr"/>
-                </a:tc>
-                <a:tc>
-                  <a:txBody>
-                    <a:bodyPr/>
-                    <a:lstStyle>
-                      <a:defPPr>
-                        <a:defRPr lang="ru-RU"/>
-                      </a:defPPr>
-                    </a:lstStyle>
-                    <a:p>
-                      <a:pPr algn="ctr" rtl="0"/>
-                      <a:r>
-                        <a:rPr lang="ru-RU" b="0" i="0" noProof="0" dirty="0">
-                          <a:latin typeface="+mn-cs"/>
-                          <a:cs typeface="+mn-cs"/>
-                        </a:rPr>
-                        <a:t>80</a:t>
-                      </a:r>
-                    </a:p>
-                  </a:txBody>
-                  <a:tcPr anchor="ctr"/>
-                </a:tc>
-                <a:tc>
-                  <a:txBody>
-                    <a:bodyPr/>
-                    <a:lstStyle>
-                      <a:defPPr>
-                        <a:defRPr lang="ru-RU"/>
-                      </a:defPPr>
-                    </a:lstStyle>
-                    <a:p>
-                      <a:pPr algn="ctr" rtl="0"/>
-                      <a:r>
-                        <a:rPr lang="ru-RU" b="0" i="0" noProof="0" dirty="0">
-                          <a:latin typeface="+mn-cs"/>
-                          <a:cs typeface="+mn-cs"/>
-                        </a:rPr>
-                        <a:t>85</a:t>
-                      </a:r>
-                    </a:p>
-                  </a:txBody>
-                  <a:tcPr anchor="ctr"/>
-                </a:tc>
-                <a:extLst>
-                  <a:ext uri="{0D108BD9-81ED-4DB2-BD59-A6C34878D82A}">
-                    <a16:rowId xmlns:a16="http://schemas.microsoft.com/office/drawing/2014/main" val="335389741"/>
-                  </a:ext>
-                </a:extLst>
-              </a:tr>
-            </a:tbl>
-          </a:graphicData>
-        </a:graphic>
-      </p:graphicFrame>
-    </p:spTree>
-    <p:extLst>
-      <p:ext uri="{BB962C8B-B14F-4D97-AF65-F5344CB8AC3E}">
-        <p14:creationId xmlns:p14="http://schemas.microsoft.com/office/powerpoint/2010/main" val="4259977132"/>
       </p:ext>
     </p:extLst>
   </p:cSld>
@@ -16412,15 +15752,6 @@
 </file>
 
 <file path=customXml/item1.xml><?xml version="1.0" encoding="utf-8"?>
-<?mso-contentType ?>
-<FormTemplates xmlns="http://schemas.microsoft.com/sharepoint/v3/contenttype/forms">
-  <Display>DocumentLibraryForm</Display>
-  <Edit>DocumentLibraryForm</Edit>
-  <New>DocumentLibraryForm</New>
-</FormTemplates>
-</file>
-
-<file path=customXml/item2.xml><?xml version="1.0" encoding="utf-8"?>
 <p:properties xmlns:p="http://schemas.microsoft.com/office/2006/metadata/properties" xmlns:xsi="http://www.w3.org/2001/XMLSchema-instance" xmlns:pc="http://schemas.microsoft.com/office/infopath/2007/PartnerControls">
   <documentManagement>
     <_ip_UnifiedCompliancePolicyUIAction xmlns="http://schemas.microsoft.com/sharepoint/v3" xsi:nil="true"/>
@@ -16438,6 +15769,15 @@
     <MediaServiceKeyPoints xmlns="71af3243-3dd4-4a8d-8c0d-dd76da1f02a5" xsi:nil="true"/>
   </documentManagement>
 </p:properties>
+</file>
+
+<file path=customXml/item2.xml><?xml version="1.0" encoding="utf-8"?>
+<?mso-contentType ?>
+<FormTemplates xmlns="http://schemas.microsoft.com/sharepoint/v3/contenttype/forms">
+  <Display>DocumentLibraryForm</Display>
+  <Edit>DocumentLibraryForm</Edit>
+  <New>DocumentLibraryForm</New>
+</FormTemplates>
 </file>
 
 <file path=customXml/item3.xml><?xml version="1.0" encoding="utf-8"?>
@@ -16753,14 +16093,6 @@
 </file>
 
 <file path=customXml/itemProps1.xml><?xml version="1.0" encoding="utf-8"?>
-<ds:datastoreItem xmlns:ds="http://schemas.openxmlformats.org/officeDocument/2006/customXml" ds:itemID="{4E60708A-6461-4D7F-883F-7E25D731D326}">
-  <ds:schemaRefs>
-    <ds:schemaRef ds:uri="http://schemas.microsoft.com/sharepoint/v3/contenttype/forms"/>
-  </ds:schemaRefs>
-</ds:datastoreItem>
-</file>
-
-<file path=customXml/itemProps2.xml><?xml version="1.0" encoding="utf-8"?>
 <ds:datastoreItem xmlns:ds="http://schemas.openxmlformats.org/officeDocument/2006/customXml" ds:itemID="{E130005B-6102-4F3C-A26F-485DF1BF9717}">
   <ds:schemaRefs>
     <ds:schemaRef ds:uri="http://schemas.microsoft.com/office/2006/metadata/properties"/>
@@ -16768,6 +16100,14 @@
     <ds:schemaRef ds:uri="http://schemas.microsoft.com/sharepoint/v3"/>
     <ds:schemaRef ds:uri="71af3243-3dd4-4a8d-8c0d-dd76da1f02a5"/>
     <ds:schemaRef ds:uri="230e9df3-be65-4c73-a93b-d1236ebd677e"/>
+  </ds:schemaRefs>
+</ds:datastoreItem>
+</file>
+
+<file path=customXml/itemProps2.xml><?xml version="1.0" encoding="utf-8"?>
+<ds:datastoreItem xmlns:ds="http://schemas.openxmlformats.org/officeDocument/2006/customXml" ds:itemID="{4E60708A-6461-4D7F-883F-7E25D731D326}">
+  <ds:schemaRefs>
+    <ds:schemaRef ds:uri="http://schemas.microsoft.com/sharepoint/v3/contenttype/forms"/>
   </ds:schemaRefs>
 </ds:datastoreItem>
 </file>

--- a/Paperwork/РПС_Презентация_к_проекту.pptx
+++ b/Paperwork/РПС_Презентация_к_проекту.pptx
@@ -14,14 +14,14 @@
     <p:sldId id="286" r:id="rId5"/>
     <p:sldId id="3849" r:id="rId6"/>
     <p:sldId id="261" r:id="rId7"/>
-    <p:sldId id="3853" r:id="rId8"/>
-    <p:sldId id="3851" r:id="rId9"/>
-    <p:sldId id="3852" r:id="rId10"/>
-    <p:sldId id="265" r:id="rId11"/>
-    <p:sldId id="3854" r:id="rId12"/>
-    <p:sldId id="263" r:id="rId13"/>
-    <p:sldId id="268" r:id="rId14"/>
-    <p:sldId id="3855" r:id="rId15"/>
+    <p:sldId id="268" r:id="rId8"/>
+    <p:sldId id="3855" r:id="rId9"/>
+    <p:sldId id="3853" r:id="rId10"/>
+    <p:sldId id="3851" r:id="rId11"/>
+    <p:sldId id="3852" r:id="rId12"/>
+    <p:sldId id="265" r:id="rId13"/>
+    <p:sldId id="3854" r:id="rId14"/>
+    <p:sldId id="263" r:id="rId15"/>
     <p:sldId id="3847" r:id="rId16"/>
   </p:sldIdLst>
   <p:sldSz cx="12192000" cy="6858000"/>
@@ -234,7 +234,7 @@
             <a:pPr rtl="0"/>
             <a:fld id="{8630E5C9-6DA1-4AA6-B57C-5586E870AF7D}" type="datetime1">
               <a:rPr lang="ru-RU" smtClean="0"/>
-              <a:t>05.10.2025</a:t>
+              <a:t>07.10.2025</a:t>
             </a:fld>
             <a:endParaRPr lang="ru-RU" dirty="0"/>
           </a:p>
@@ -416,7 +416,7 @@
             <a:pPr rtl="0"/>
             <a:fld id="{738485E1-1172-4218-A448-28BE5365D2DE}" type="datetime1">
               <a:rPr lang="ru-RU" smtClean="0"/>
-              <a:t>05.10.2025</a:t>
+              <a:t>07.10.2025</a:t>
             </a:fld>
             <a:endParaRPr lang="ru-RU" dirty="0"/>
           </a:p>
@@ -1156,7 +1156,7 @@
             <a:pPr rtl="0"/>
             <a:fld id="{8B57D50D-BAA9-464B-B391-243138E078D8}" type="slidenum">
               <a:rPr lang="ru-RU" smtClean="0"/>
-              <a:t>5</a:t>
+              <a:t>4</a:t>
             </a:fld>
             <a:endParaRPr lang="ru-RU" dirty="0"/>
           </a:p>
@@ -1165,7 +1165,7 @@
     </p:spTree>
     <p:extLst>
       <p:ext uri="{BB962C8B-B14F-4D97-AF65-F5344CB8AC3E}">
-        <p14:creationId xmlns:p14="http://schemas.microsoft.com/office/powerpoint/2010/main" val="922949278"/>
+        <p14:creationId xmlns:p14="http://schemas.microsoft.com/office/powerpoint/2010/main" val="2316091678"/>
       </p:ext>
     </p:extLst>
   </p:cSld>
@@ -1176,6 +1176,124 @@
 </file>
 
 <file path=ppt/notesSlides/notesSlide5.xml><?xml version="1.0" encoding="utf-8"?>
+<p:notes xmlns:a="http://schemas.openxmlformats.org/drawingml/2006/main" xmlns:r="http://schemas.openxmlformats.org/officeDocument/2006/relationships" xmlns:p="http://schemas.openxmlformats.org/presentationml/2006/main">
+  <p:cSld>
+    <p:spTree>
+      <p:nvGrpSpPr>
+        <p:cNvPr id="1" name="">
+          <a:extLst>
+            <a:ext uri="{FF2B5EF4-FFF2-40B4-BE49-F238E27FC236}">
+              <a16:creationId xmlns:a16="http://schemas.microsoft.com/office/drawing/2014/main" id="{74D1F2BC-1770-54A3-F495-AF04960F50B6}"/>
+            </a:ext>
+          </a:extLst>
+        </p:cNvPr>
+        <p:cNvGrpSpPr/>
+        <p:nvPr/>
+      </p:nvGrpSpPr>
+      <p:grpSpPr>
+        <a:xfrm>
+          <a:off x="0" y="0"/>
+          <a:ext cx="0" cy="0"/>
+          <a:chOff x="0" y="0"/>
+          <a:chExt cx="0" cy="0"/>
+        </a:xfrm>
+      </p:grpSpPr>
+      <p:sp>
+        <p:nvSpPr>
+          <p:cNvPr id="2" name="Образ слайда 1">
+            <a:extLst>
+              <a:ext uri="{FF2B5EF4-FFF2-40B4-BE49-F238E27FC236}">
+                <a16:creationId xmlns:a16="http://schemas.microsoft.com/office/drawing/2014/main" id="{A277CB55-7B83-AA0A-A2A9-49BF85E0F5F6}"/>
+              </a:ext>
+            </a:extLst>
+          </p:cNvPr>
+          <p:cNvSpPr>
+            <a:spLocks noGrp="1" noRot="1" noChangeAspect="1"/>
+          </p:cNvSpPr>
+          <p:nvPr>
+            <p:ph type="sldImg"/>
+          </p:nvPr>
+        </p:nvSpPr>
+        <p:spPr/>
+      </p:sp>
+      <p:sp>
+        <p:nvSpPr>
+          <p:cNvPr id="3" name="Заметки 2">
+            <a:extLst>
+              <a:ext uri="{FF2B5EF4-FFF2-40B4-BE49-F238E27FC236}">
+                <a16:creationId xmlns:a16="http://schemas.microsoft.com/office/drawing/2014/main" id="{A2472FE0-D6F7-6684-B3BE-D8516A371064}"/>
+              </a:ext>
+            </a:extLst>
+          </p:cNvPr>
+          <p:cNvSpPr>
+            <a:spLocks noGrp="1"/>
+          </p:cNvSpPr>
+          <p:nvPr>
+            <p:ph type="body" idx="1"/>
+          </p:nvPr>
+        </p:nvSpPr>
+        <p:spPr/>
+        <p:txBody>
+          <a:bodyPr rtlCol="0"/>
+          <a:lstStyle>
+            <a:defPPr>
+              <a:defRPr lang="ru-RU"/>
+            </a:defPPr>
+          </a:lstStyle>
+          <a:p>
+            <a:pPr rtl="0"/>
+            <a:endParaRPr lang="ru-RU" dirty="0"/>
+          </a:p>
+        </p:txBody>
+      </p:sp>
+      <p:sp>
+        <p:nvSpPr>
+          <p:cNvPr id="4" name="Номер слайда 3">
+            <a:extLst>
+              <a:ext uri="{FF2B5EF4-FFF2-40B4-BE49-F238E27FC236}">
+                <a16:creationId xmlns:a16="http://schemas.microsoft.com/office/drawing/2014/main" id="{88EFB319-D77E-4416-83F1-37B648310CF7}"/>
+              </a:ext>
+            </a:extLst>
+          </p:cNvPr>
+          <p:cNvSpPr>
+            <a:spLocks noGrp="1"/>
+          </p:cNvSpPr>
+          <p:nvPr>
+            <p:ph type="sldNum" sz="quarter" idx="5"/>
+          </p:nvPr>
+        </p:nvSpPr>
+        <p:spPr/>
+        <p:txBody>
+          <a:bodyPr rtlCol="0"/>
+          <a:lstStyle>
+            <a:defPPr>
+              <a:defRPr lang="ru-RU"/>
+            </a:defPPr>
+          </a:lstStyle>
+          <a:p>
+            <a:pPr rtl="0"/>
+            <a:fld id="{8B57D50D-BAA9-464B-B391-243138E078D8}" type="slidenum">
+              <a:rPr lang="ru-RU" smtClean="0"/>
+              <a:t>5</a:t>
+            </a:fld>
+            <a:endParaRPr lang="ru-RU" dirty="0"/>
+          </a:p>
+        </p:txBody>
+      </p:sp>
+    </p:spTree>
+    <p:extLst>
+      <p:ext uri="{BB962C8B-B14F-4D97-AF65-F5344CB8AC3E}">
+        <p14:creationId xmlns:p14="http://schemas.microsoft.com/office/powerpoint/2010/main" val="3986382772"/>
+      </p:ext>
+    </p:extLst>
+  </p:cSld>
+  <p:clrMapOvr>
+    <a:masterClrMapping/>
+  </p:clrMapOvr>
+</p:notes>
+</file>
+
+<file path=ppt/notesSlides/notesSlide6.xml><?xml version="1.0" encoding="utf-8"?>
 <p:notes xmlns:a="http://schemas.openxmlformats.org/drawingml/2006/main" xmlns:r="http://schemas.openxmlformats.org/officeDocument/2006/relationships" xmlns:p="http://schemas.openxmlformats.org/presentationml/2006/main">
   <p:cSld>
     <p:spTree>
@@ -1259,6 +1377,100 @@
     </p:spTree>
     <p:extLst>
       <p:ext uri="{BB962C8B-B14F-4D97-AF65-F5344CB8AC3E}">
+        <p14:creationId xmlns:p14="http://schemas.microsoft.com/office/powerpoint/2010/main" val="922949278"/>
+      </p:ext>
+    </p:extLst>
+  </p:cSld>
+  <p:clrMapOvr>
+    <a:masterClrMapping/>
+  </p:clrMapOvr>
+</p:notes>
+</file>
+
+<file path=ppt/notesSlides/notesSlide7.xml><?xml version="1.0" encoding="utf-8"?>
+<p:notes xmlns:a="http://schemas.openxmlformats.org/drawingml/2006/main" xmlns:r="http://schemas.openxmlformats.org/officeDocument/2006/relationships" xmlns:p="http://schemas.openxmlformats.org/presentationml/2006/main">
+  <p:cSld>
+    <p:spTree>
+      <p:nvGrpSpPr>
+        <p:cNvPr id="1" name=""/>
+        <p:cNvGrpSpPr/>
+        <p:nvPr/>
+      </p:nvGrpSpPr>
+      <p:grpSpPr>
+        <a:xfrm>
+          <a:off x="0" y="0"/>
+          <a:ext cx="0" cy="0"/>
+          <a:chOff x="0" y="0"/>
+          <a:chExt cx="0" cy="0"/>
+        </a:xfrm>
+      </p:grpSpPr>
+      <p:sp>
+        <p:nvSpPr>
+          <p:cNvPr id="2" name="Образ слайда 1"/>
+          <p:cNvSpPr>
+            <a:spLocks noGrp="1" noRot="1" noChangeAspect="1"/>
+          </p:cNvSpPr>
+          <p:nvPr>
+            <p:ph type="sldImg"/>
+          </p:nvPr>
+        </p:nvSpPr>
+        <p:spPr/>
+      </p:sp>
+      <p:sp>
+        <p:nvSpPr>
+          <p:cNvPr id="3" name="Заметки 2"/>
+          <p:cNvSpPr>
+            <a:spLocks noGrp="1"/>
+          </p:cNvSpPr>
+          <p:nvPr>
+            <p:ph type="body" idx="1"/>
+          </p:nvPr>
+        </p:nvSpPr>
+        <p:spPr/>
+        <p:txBody>
+          <a:bodyPr rtlCol="0"/>
+          <a:lstStyle>
+            <a:defPPr>
+              <a:defRPr lang="ru-RU"/>
+            </a:defPPr>
+          </a:lstStyle>
+          <a:p>
+            <a:pPr rtl="0"/>
+            <a:endParaRPr lang="ru-RU" dirty="0"/>
+          </a:p>
+        </p:txBody>
+      </p:sp>
+      <p:sp>
+        <p:nvSpPr>
+          <p:cNvPr id="4" name="Номер слайда 3"/>
+          <p:cNvSpPr>
+            <a:spLocks noGrp="1"/>
+          </p:cNvSpPr>
+          <p:nvPr>
+            <p:ph type="sldNum" sz="quarter" idx="5"/>
+          </p:nvPr>
+        </p:nvSpPr>
+        <p:spPr/>
+        <p:txBody>
+          <a:bodyPr rtlCol="0"/>
+          <a:lstStyle>
+            <a:defPPr>
+              <a:defRPr lang="ru-RU"/>
+            </a:defPPr>
+          </a:lstStyle>
+          <a:p>
+            <a:pPr rtl="0"/>
+            <a:fld id="{8B57D50D-BAA9-464B-B391-243138E078D8}" type="slidenum">
+              <a:rPr lang="ru-RU" smtClean="0"/>
+              <a:t>9</a:t>
+            </a:fld>
+            <a:endParaRPr lang="ru-RU" dirty="0"/>
+          </a:p>
+        </p:txBody>
+      </p:sp>
+    </p:spTree>
+    <p:extLst>
+      <p:ext uri="{BB962C8B-B14F-4D97-AF65-F5344CB8AC3E}">
         <p14:creationId xmlns:p14="http://schemas.microsoft.com/office/powerpoint/2010/main" val="1721109855"/>
       </p:ext>
     </p:extLst>
@@ -1269,7 +1481,7 @@
 </p:notes>
 </file>
 
-<file path=ppt/notesSlides/notesSlide6.xml><?xml version="1.0" encoding="utf-8"?>
+<file path=ppt/notesSlides/notesSlide8.xml><?xml version="1.0" encoding="utf-8"?>
 <p:notes xmlns:a="http://schemas.openxmlformats.org/drawingml/2006/main" xmlns:r="http://schemas.openxmlformats.org/officeDocument/2006/relationships" xmlns:p="http://schemas.openxmlformats.org/presentationml/2006/main">
   <p:cSld>
     <p:spTree>
@@ -1368,7 +1580,7 @@
             <a:pPr rtl="0"/>
             <a:fld id="{8B57D50D-BAA9-464B-B391-243138E078D8}" type="slidenum">
               <a:rPr lang="ru-RU" smtClean="0"/>
-              <a:t>8</a:t>
+              <a:t>10</a:t>
             </a:fld>
             <a:endParaRPr lang="ru-RU" dirty="0"/>
           </a:p>
@@ -1387,7 +1599,7 @@
 </p:notes>
 </file>
 
-<file path=ppt/notesSlides/notesSlide7.xml><?xml version="1.0" encoding="utf-8"?>
+<file path=ppt/notesSlides/notesSlide9.xml><?xml version="1.0" encoding="utf-8"?>
 <p:notes xmlns:a="http://schemas.openxmlformats.org/drawingml/2006/main" xmlns:r="http://schemas.openxmlformats.org/officeDocument/2006/relationships" xmlns:p="http://schemas.openxmlformats.org/presentationml/2006/main">
   <p:cSld>
     <p:spTree>
@@ -1462,7 +1674,7 @@
             <a:pPr rtl="0"/>
             <a:fld id="{8B57D50D-BAA9-464B-B391-243138E078D8}" type="slidenum">
               <a:rPr lang="ru-RU" smtClean="0"/>
-              <a:t>9</a:t>
+              <a:t>11</a:t>
             </a:fld>
             <a:endParaRPr lang="ru-RU" dirty="0"/>
           </a:p>
@@ -1472,218 +1684,6 @@
     <p:extLst>
       <p:ext uri="{BB962C8B-B14F-4D97-AF65-F5344CB8AC3E}">
         <p14:creationId xmlns:p14="http://schemas.microsoft.com/office/powerpoint/2010/main" val="2540028172"/>
-      </p:ext>
-    </p:extLst>
-  </p:cSld>
-  <p:clrMapOvr>
-    <a:masterClrMapping/>
-  </p:clrMapOvr>
-</p:notes>
-</file>
-
-<file path=ppt/notesSlides/notesSlide8.xml><?xml version="1.0" encoding="utf-8"?>
-<p:notes xmlns:a="http://schemas.openxmlformats.org/drawingml/2006/main" xmlns:r="http://schemas.openxmlformats.org/officeDocument/2006/relationships" xmlns:p="http://schemas.openxmlformats.org/presentationml/2006/main">
-  <p:cSld>
-    <p:spTree>
-      <p:nvGrpSpPr>
-        <p:cNvPr id="1" name=""/>
-        <p:cNvGrpSpPr/>
-        <p:nvPr/>
-      </p:nvGrpSpPr>
-      <p:grpSpPr>
-        <a:xfrm>
-          <a:off x="0" y="0"/>
-          <a:ext cx="0" cy="0"/>
-          <a:chOff x="0" y="0"/>
-          <a:chExt cx="0" cy="0"/>
-        </a:xfrm>
-      </p:grpSpPr>
-      <p:sp>
-        <p:nvSpPr>
-          <p:cNvPr id="2" name="Образ слайда 1"/>
-          <p:cNvSpPr>
-            <a:spLocks noGrp="1" noRot="1" noChangeAspect="1"/>
-          </p:cNvSpPr>
-          <p:nvPr>
-            <p:ph type="sldImg"/>
-          </p:nvPr>
-        </p:nvSpPr>
-        <p:spPr/>
-      </p:sp>
-      <p:sp>
-        <p:nvSpPr>
-          <p:cNvPr id="3" name="Заметки 2"/>
-          <p:cNvSpPr>
-            <a:spLocks noGrp="1"/>
-          </p:cNvSpPr>
-          <p:nvPr>
-            <p:ph type="body" idx="1"/>
-          </p:nvPr>
-        </p:nvSpPr>
-        <p:spPr/>
-        <p:txBody>
-          <a:bodyPr rtlCol="0"/>
-          <a:lstStyle>
-            <a:defPPr>
-              <a:defRPr lang="ru-RU"/>
-            </a:defPPr>
-          </a:lstStyle>
-          <a:p>
-            <a:pPr rtl="0"/>
-            <a:endParaRPr lang="ru-RU" dirty="0"/>
-          </a:p>
-        </p:txBody>
-      </p:sp>
-      <p:sp>
-        <p:nvSpPr>
-          <p:cNvPr id="4" name="Номер слайда 3"/>
-          <p:cNvSpPr>
-            <a:spLocks noGrp="1"/>
-          </p:cNvSpPr>
-          <p:nvPr>
-            <p:ph type="sldNum" sz="quarter" idx="5"/>
-          </p:nvPr>
-        </p:nvSpPr>
-        <p:spPr/>
-        <p:txBody>
-          <a:bodyPr rtlCol="0"/>
-          <a:lstStyle>
-            <a:defPPr>
-              <a:defRPr lang="ru-RU"/>
-            </a:defPPr>
-          </a:lstStyle>
-          <a:p>
-            <a:pPr rtl="0"/>
-            <a:fld id="{8B57D50D-BAA9-464B-B391-243138E078D8}" type="slidenum">
-              <a:rPr lang="ru-RU" smtClean="0"/>
-              <a:t>10</a:t>
-            </a:fld>
-            <a:endParaRPr lang="ru-RU" dirty="0"/>
-          </a:p>
-        </p:txBody>
-      </p:sp>
-    </p:spTree>
-    <p:extLst>
-      <p:ext uri="{BB962C8B-B14F-4D97-AF65-F5344CB8AC3E}">
-        <p14:creationId xmlns:p14="http://schemas.microsoft.com/office/powerpoint/2010/main" val="2316091678"/>
-      </p:ext>
-    </p:extLst>
-  </p:cSld>
-  <p:clrMapOvr>
-    <a:masterClrMapping/>
-  </p:clrMapOvr>
-</p:notes>
-</file>
-
-<file path=ppt/notesSlides/notesSlide9.xml><?xml version="1.0" encoding="utf-8"?>
-<p:notes xmlns:a="http://schemas.openxmlformats.org/drawingml/2006/main" xmlns:r="http://schemas.openxmlformats.org/officeDocument/2006/relationships" xmlns:p="http://schemas.openxmlformats.org/presentationml/2006/main">
-  <p:cSld>
-    <p:spTree>
-      <p:nvGrpSpPr>
-        <p:cNvPr id="1" name="">
-          <a:extLst>
-            <a:ext uri="{FF2B5EF4-FFF2-40B4-BE49-F238E27FC236}">
-              <a16:creationId xmlns:a16="http://schemas.microsoft.com/office/drawing/2014/main" id="{74D1F2BC-1770-54A3-F495-AF04960F50B6}"/>
-            </a:ext>
-          </a:extLst>
-        </p:cNvPr>
-        <p:cNvGrpSpPr/>
-        <p:nvPr/>
-      </p:nvGrpSpPr>
-      <p:grpSpPr>
-        <a:xfrm>
-          <a:off x="0" y="0"/>
-          <a:ext cx="0" cy="0"/>
-          <a:chOff x="0" y="0"/>
-          <a:chExt cx="0" cy="0"/>
-        </a:xfrm>
-      </p:grpSpPr>
-      <p:sp>
-        <p:nvSpPr>
-          <p:cNvPr id="2" name="Образ слайда 1">
-            <a:extLst>
-              <a:ext uri="{FF2B5EF4-FFF2-40B4-BE49-F238E27FC236}">
-                <a16:creationId xmlns:a16="http://schemas.microsoft.com/office/drawing/2014/main" id="{A277CB55-7B83-AA0A-A2A9-49BF85E0F5F6}"/>
-              </a:ext>
-            </a:extLst>
-          </p:cNvPr>
-          <p:cNvSpPr>
-            <a:spLocks noGrp="1" noRot="1" noChangeAspect="1"/>
-          </p:cNvSpPr>
-          <p:nvPr>
-            <p:ph type="sldImg"/>
-          </p:nvPr>
-        </p:nvSpPr>
-        <p:spPr/>
-      </p:sp>
-      <p:sp>
-        <p:nvSpPr>
-          <p:cNvPr id="3" name="Заметки 2">
-            <a:extLst>
-              <a:ext uri="{FF2B5EF4-FFF2-40B4-BE49-F238E27FC236}">
-                <a16:creationId xmlns:a16="http://schemas.microsoft.com/office/drawing/2014/main" id="{A2472FE0-D6F7-6684-B3BE-D8516A371064}"/>
-              </a:ext>
-            </a:extLst>
-          </p:cNvPr>
-          <p:cNvSpPr>
-            <a:spLocks noGrp="1"/>
-          </p:cNvSpPr>
-          <p:nvPr>
-            <p:ph type="body" idx="1"/>
-          </p:nvPr>
-        </p:nvSpPr>
-        <p:spPr/>
-        <p:txBody>
-          <a:bodyPr rtlCol="0"/>
-          <a:lstStyle>
-            <a:defPPr>
-              <a:defRPr lang="ru-RU"/>
-            </a:defPPr>
-          </a:lstStyle>
-          <a:p>
-            <a:pPr rtl="0"/>
-            <a:endParaRPr lang="ru-RU" dirty="0"/>
-          </a:p>
-        </p:txBody>
-      </p:sp>
-      <p:sp>
-        <p:nvSpPr>
-          <p:cNvPr id="4" name="Номер слайда 3">
-            <a:extLst>
-              <a:ext uri="{FF2B5EF4-FFF2-40B4-BE49-F238E27FC236}">
-                <a16:creationId xmlns:a16="http://schemas.microsoft.com/office/drawing/2014/main" id="{88EFB319-D77E-4416-83F1-37B648310CF7}"/>
-              </a:ext>
-            </a:extLst>
-          </p:cNvPr>
-          <p:cNvSpPr>
-            <a:spLocks noGrp="1"/>
-          </p:cNvSpPr>
-          <p:nvPr>
-            <p:ph type="sldNum" sz="quarter" idx="5"/>
-          </p:nvPr>
-        </p:nvSpPr>
-        <p:spPr/>
-        <p:txBody>
-          <a:bodyPr rtlCol="0"/>
-          <a:lstStyle>
-            <a:defPPr>
-              <a:defRPr lang="ru-RU"/>
-            </a:defPPr>
-          </a:lstStyle>
-          <a:p>
-            <a:pPr rtl="0"/>
-            <a:fld id="{8B57D50D-BAA9-464B-B391-243138E078D8}" type="slidenum">
-              <a:rPr lang="ru-RU" smtClean="0"/>
-              <a:t>11</a:t>
-            </a:fld>
-            <a:endParaRPr lang="ru-RU" dirty="0"/>
-          </a:p>
-        </p:txBody>
-      </p:sp>
-    </p:spTree>
-    <p:extLst>
-      <p:ext uri="{BB962C8B-B14F-4D97-AF65-F5344CB8AC3E}">
-        <p14:creationId xmlns:p14="http://schemas.microsoft.com/office/powerpoint/2010/main" val="3986382772"/>
       </p:ext>
     </p:extLst>
   </p:cSld>
@@ -3269,7 +3269,7 @@
             <a:pPr rtl="0"/>
             <a:fld id="{C2071636-1BA0-4750-BDD7-4B8B24059FBC}" type="datetime1">
               <a:rPr lang="ru-RU" smtClean="0"/>
-              <a:t>05.10.2025</a:t>
+              <a:t>07.10.2025</a:t>
             </a:fld>
             <a:endParaRPr lang="ru-RU" dirty="0"/>
           </a:p>
@@ -3432,7 +3432,7 @@
             <a:pPr rtl="0"/>
             <a:fld id="{3AF22D9A-5170-4C52-AAD9-2A34815F5E8C}" type="datetime1">
               <a:rPr lang="ru-RU" smtClean="0"/>
-              <a:t>05.10.2025</a:t>
+              <a:t>07.10.2025</a:t>
             </a:fld>
             <a:endParaRPr lang="ru-RU" dirty="0"/>
           </a:p>
@@ -4617,7 +4617,7 @@
             <a:pPr rtl="0"/>
             <a:fld id="{EFCEAA60-48EC-4C3F-B610-C062B6643948}" type="datetime1">
               <a:rPr lang="ru-RU" smtClean="0"/>
-              <a:t>05.10.2025</a:t>
+              <a:t>07.10.2025</a:t>
             </a:fld>
             <a:endParaRPr lang="ru-RU" dirty="0"/>
           </a:p>
@@ -6713,7 +6713,7 @@
             <a:pPr rtl="0"/>
             <a:fld id="{149277EF-E9EC-4C9F-AB27-8A2D7CB985C5}" type="datetime1">
               <a:rPr lang="ru-RU" smtClean="0"/>
-              <a:t>05.10.2025</a:t>
+              <a:t>07.10.2025</a:t>
             </a:fld>
             <a:endParaRPr lang="ru-RU" dirty="0"/>
           </a:p>
@@ -8032,7 +8032,7 @@
             <a:pPr rtl="0"/>
             <a:fld id="{7548D8C9-9274-4AA8-8759-FBCBB2880044}" type="datetime1">
               <a:rPr lang="ru-RU" smtClean="0"/>
-              <a:t>05.10.2025</a:t>
+              <a:t>07.10.2025</a:t>
             </a:fld>
             <a:endParaRPr lang="ru-RU" dirty="0"/>
           </a:p>
@@ -9125,7 +9125,7 @@
             <a:pPr rtl="0"/>
             <a:fld id="{19DA8206-3351-4D82-B2F7-CF1240B7B780}" type="datetime1">
               <a:rPr lang="ru-RU" smtClean="0"/>
-              <a:t>05.10.2025</a:t>
+              <a:t>07.10.2025</a:t>
             </a:fld>
             <a:endParaRPr lang="ru-RU" dirty="0"/>
           </a:p>
@@ -9554,7 +9554,7 @@
             <a:pPr rtl="0"/>
             <a:fld id="{17D3EF62-4D26-4F34-9E41-10D4D97DEAA3}" type="datetime1">
               <a:rPr lang="ru-RU" smtClean="0"/>
-              <a:t>05.10.2025</a:t>
+              <a:t>07.10.2025</a:t>
             </a:fld>
             <a:endParaRPr lang="ru-RU" dirty="0"/>
           </a:p>
@@ -10557,7 +10557,7 @@
             <a:pPr rtl="0"/>
             <a:fld id="{C91AD0F2-67C7-4C00-A04D-1E8B5FA74ED5}" type="datetime1">
               <a:rPr lang="ru-RU" smtClean="0"/>
-              <a:t>05.10.2025</a:t>
+              <a:t>07.10.2025</a:t>
             </a:fld>
             <a:endParaRPr lang="ru-RU" dirty="0"/>
           </a:p>
@@ -11418,7 +11418,7 @@
             <a:pPr rtl="0"/>
             <a:fld id="{F789BF51-8993-4D99-9FC3-53D06E76E629}" type="datetime1">
               <a:rPr lang="ru-RU" smtClean="0"/>
-              <a:t>05.10.2025</a:t>
+              <a:t>07.10.2025</a:t>
             </a:fld>
             <a:endParaRPr lang="ru-RU" dirty="0"/>
           </a:p>
@@ -11679,7 +11679,7 @@
             <a:pPr rtl="0"/>
             <a:fld id="{AEAA84F9-3454-4B0E-BB2A-A6831CDDFB71}" type="datetime1">
               <a:rPr lang="ru-RU" smtClean="0"/>
-              <a:t>05.10.2025</a:t>
+              <a:t>07.10.2025</a:t>
             </a:fld>
             <a:endParaRPr lang="ru-RU" dirty="0"/>
           </a:p>
@@ -12372,7 +12372,7 @@
         <p:spPr>
           <a:xfrm>
             <a:off x="9071086" y="4577876"/>
-            <a:ext cx="4161780" cy="1938992"/>
+            <a:ext cx="4161780" cy="2185214"/>
           </a:xfrm>
           <a:prstGeom prst="rect">
             <a:avLst/>
@@ -12460,7 +12460,20 @@
                 <a:latin typeface="Times New Roman" panose="02020603050405020304" pitchFamily="18" charset="0"/>
                 <a:cs typeface="Times New Roman" panose="02020603050405020304" pitchFamily="18" charset="0"/>
               </a:rPr>
-              <a:t>ст. пр. каф. ИСПИ Тимофеев А.А.</a:t>
+              <a:t>ст. пр. каф. ИСПИ </a:t>
+            </a:r>
+            <a:endParaRPr lang="en-US" sz="1600" dirty="0">
+              <a:latin typeface="Times New Roman" panose="02020603050405020304" pitchFamily="18" charset="0"/>
+              <a:cs typeface="Times New Roman" panose="02020603050405020304" pitchFamily="18" charset="0"/>
+            </a:endParaRPr>
+          </a:p>
+          <a:p>
+            <a:r>
+              <a:rPr lang="ru-RU" sz="1600" dirty="0">
+                <a:latin typeface="Times New Roman" panose="02020603050405020304" pitchFamily="18" charset="0"/>
+                <a:cs typeface="Times New Roman" panose="02020603050405020304" pitchFamily="18" charset="0"/>
+              </a:rPr>
+              <a:t>Тимофеев А.А.</a:t>
             </a:r>
           </a:p>
           <a:p>
@@ -12520,6 +12533,979 @@
 </file>
 
 <file path=ppt/slides/slide10.xml><?xml version="1.0" encoding="utf-8"?>
+<p:sld xmlns:a="http://schemas.openxmlformats.org/drawingml/2006/main" xmlns:r="http://schemas.openxmlformats.org/officeDocument/2006/relationships" xmlns:p="http://schemas.openxmlformats.org/presentationml/2006/main">
+  <p:cSld>
+    <p:spTree>
+      <p:nvGrpSpPr>
+        <p:cNvPr id="1" name="">
+          <a:extLst>
+            <a:ext uri="{FF2B5EF4-FFF2-40B4-BE49-F238E27FC236}">
+              <a16:creationId xmlns:a16="http://schemas.microsoft.com/office/drawing/2014/main" id="{A5CDFBB8-74ED-E98A-6DD3-F8C6446E9E40}"/>
+            </a:ext>
+          </a:extLst>
+        </p:cNvPr>
+        <p:cNvGrpSpPr/>
+        <p:nvPr/>
+      </p:nvGrpSpPr>
+      <p:grpSpPr>
+        <a:xfrm>
+          <a:off x="0" y="0"/>
+          <a:ext cx="0" cy="0"/>
+          <a:chOff x="0" y="0"/>
+          <a:chExt cx="0" cy="0"/>
+        </a:xfrm>
+      </p:grpSpPr>
+      <p:sp>
+        <p:nvSpPr>
+          <p:cNvPr id="13" name="Объект 3">
+            <a:extLst>
+              <a:ext uri="{FF2B5EF4-FFF2-40B4-BE49-F238E27FC236}">
+                <a16:creationId xmlns:a16="http://schemas.microsoft.com/office/drawing/2014/main" id="{50A8C537-8E59-8654-CA1F-F2487E97B354}"/>
+              </a:ext>
+            </a:extLst>
+          </p:cNvPr>
+          <p:cNvSpPr>
+            <a:spLocks noGrp="1"/>
+          </p:cNvSpPr>
+          <p:nvPr>
+            <p:ph sz="half" idx="15"/>
+          </p:nvPr>
+        </p:nvSpPr>
+        <p:spPr>
+          <a:xfrm>
+            <a:off x="6248400" y="142576"/>
+            <a:ext cx="4904874" cy="4297680"/>
+          </a:xfrm>
+          <a:noFill/>
+        </p:spPr>
+        <p:txBody>
+          <a:bodyPr rtlCol="0">
+            <a:normAutofit/>
+          </a:bodyPr>
+          <a:lstStyle>
+            <a:defPPr>
+              <a:defRPr lang="ru-RU"/>
+            </a:defPPr>
+          </a:lstStyle>
+          <a:p>
+            <a:pPr rtl="0"/>
+            <a:r>
+              <a:rPr lang="ru-RU" b="1" u="sng" dirty="0"/>
+              <a:t>Минусы</a:t>
+            </a:r>
+            <a:endParaRPr lang="ru-RU" dirty="0"/>
+          </a:p>
+          <a:p>
+            <a:pPr marL="285750" indent="-285750" algn="just">
+              <a:buFont typeface="Arial" panose="020B0604020202020204" pitchFamily="34" charset="0"/>
+              <a:buChar char="•"/>
+            </a:pPr>
+            <a:r>
+              <a:rPr lang="ru-RU" dirty="0"/>
+              <a:t>Автоматизация рабочего процесса только на платных тарифах</a:t>
+            </a:r>
+          </a:p>
+          <a:p>
+            <a:pPr marL="285750" indent="-285750" algn="just">
+              <a:buFont typeface="Arial" panose="020B0604020202020204" pitchFamily="34" charset="0"/>
+              <a:buChar char="•"/>
+            </a:pPr>
+            <a:r>
+              <a:rPr lang="ru-RU" dirty="0"/>
+              <a:t>В бесплатной версии в Канбан-досках нет дат и времени начала и зависимостей задач</a:t>
+            </a:r>
+          </a:p>
+          <a:p>
+            <a:pPr marL="285750" indent="-285750" algn="just">
+              <a:buFont typeface="Arial" panose="020B0604020202020204" pitchFamily="34" charset="0"/>
+              <a:buChar char="•"/>
+            </a:pPr>
+            <a:r>
+              <a:rPr lang="ru-RU" dirty="0"/>
+              <a:t>Круглосуточная поддержка доступна только в самом дорогом тарифе</a:t>
+            </a:r>
+          </a:p>
+          <a:p>
+            <a:pPr marL="285750" indent="-285750" algn="just">
+              <a:buFont typeface="Arial" panose="020B0604020202020204" pitchFamily="34" charset="0"/>
+              <a:buChar char="•"/>
+            </a:pPr>
+            <a:r>
+              <a:rPr lang="ru-RU" dirty="0"/>
+              <a:t>Высокая стоимость. Можно найти сервисы с Канбан-досками дешевле и с более обширными функциями</a:t>
+            </a:r>
+          </a:p>
+        </p:txBody>
+      </p:sp>
+      <p:sp>
+        <p:nvSpPr>
+          <p:cNvPr id="18" name="Объект 2">
+            <a:extLst>
+              <a:ext uri="{FF2B5EF4-FFF2-40B4-BE49-F238E27FC236}">
+                <a16:creationId xmlns:a16="http://schemas.microsoft.com/office/drawing/2014/main" id="{7E8E60F3-3803-43D6-ABB3-9E61C1897015}"/>
+              </a:ext>
+            </a:extLst>
+          </p:cNvPr>
+          <p:cNvSpPr>
+            <a:spLocks noGrp="1"/>
+          </p:cNvSpPr>
+          <p:nvPr>
+            <p:ph sz="half" idx="1"/>
+          </p:nvPr>
+        </p:nvSpPr>
+        <p:spPr>
+          <a:xfrm>
+            <a:off x="112945" y="1280160"/>
+            <a:ext cx="5377054" cy="4297680"/>
+          </a:xfrm>
+          <a:noFill/>
+        </p:spPr>
+        <p:txBody>
+          <a:bodyPr rtlCol="0">
+            <a:noAutofit/>
+          </a:bodyPr>
+          <a:lstStyle>
+            <a:defPPr>
+              <a:defRPr lang="ru-RU"/>
+            </a:defPPr>
+          </a:lstStyle>
+          <a:p>
+            <a:pPr marL="0" indent="0" rtl="0">
+              <a:buNone/>
+            </a:pPr>
+            <a:r>
+              <a:rPr lang="ru-RU" b="1" u="sng" dirty="0"/>
+              <a:t>Плюсы</a:t>
+            </a:r>
+          </a:p>
+          <a:p>
+            <a:pPr algn="just"/>
+            <a:r>
+              <a:rPr lang="ru-RU" dirty="0"/>
+              <a:t>Все базовые возможности Канбан-доски</a:t>
+            </a:r>
+            <a:r>
+              <a:rPr lang="en-US" dirty="0"/>
+              <a:t>.</a:t>
+            </a:r>
+          </a:p>
+          <a:p>
+            <a:pPr algn="just"/>
+            <a:r>
+              <a:rPr lang="ru-RU" dirty="0"/>
+              <a:t>Есть AI-инструменты: </a:t>
+            </a:r>
+            <a:r>
+              <a:rPr lang="ru-RU" dirty="0" err="1"/>
+              <a:t>автогенерация</a:t>
+            </a:r>
+            <a:r>
+              <a:rPr lang="ru-RU" dirty="0"/>
+              <a:t> задач, автоматическое определение приоритетов</a:t>
+            </a:r>
+          </a:p>
+          <a:p>
+            <a:pPr algn="just"/>
+            <a:r>
+              <a:rPr lang="ru-RU" dirty="0"/>
+              <a:t>Неограниченное количество задач и подзадач, назначение конкретным членам команды с дедлайнами, возможность вести одновременно несколько проектов, создавать шаблоны задач, устанавливать правила, автоматизировать процессы</a:t>
+            </a:r>
+          </a:p>
+          <a:p>
+            <a:pPr algn="just"/>
+            <a:r>
+              <a:rPr lang="ru-RU" dirty="0"/>
+              <a:t>Удобная интеграция с огромным количеством сервисов и инструментов — их более 300. Больше, чем у других</a:t>
+            </a:r>
+          </a:p>
+          <a:p>
+            <a:pPr algn="just"/>
+            <a:r>
+              <a:rPr lang="ru-RU" dirty="0"/>
+              <a:t>Неограниченное хранилище файлов, загрузка файлов до 100 </a:t>
+            </a:r>
+            <a:r>
+              <a:rPr lang="ru-RU" dirty="0" err="1"/>
+              <a:t>мб</a:t>
+            </a:r>
+            <a:endParaRPr lang="ru-RU" dirty="0"/>
+          </a:p>
+        </p:txBody>
+      </p:sp>
+      <p:sp>
+        <p:nvSpPr>
+          <p:cNvPr id="19" name="TextBox 18">
+            <a:extLst>
+              <a:ext uri="{FF2B5EF4-FFF2-40B4-BE49-F238E27FC236}">
+                <a16:creationId xmlns:a16="http://schemas.microsoft.com/office/drawing/2014/main" id="{61810470-8466-107C-5EA3-0F116A06BAC1}"/>
+              </a:ext>
+            </a:extLst>
+          </p:cNvPr>
+          <p:cNvSpPr txBox="1"/>
+          <p:nvPr/>
+        </p:nvSpPr>
+        <p:spPr>
+          <a:xfrm>
+            <a:off x="5943601" y="3697704"/>
+            <a:ext cx="764953" cy="369332"/>
+          </a:xfrm>
+          <a:prstGeom prst="rect">
+            <a:avLst/>
+          </a:prstGeom>
+          <a:noFill/>
+        </p:spPr>
+        <p:txBody>
+          <a:bodyPr wrap="none" rtlCol="0">
+            <a:spAutoFit/>
+          </a:bodyPr>
+          <a:lstStyle/>
+          <a:p>
+            <a:r>
+              <a:rPr lang="ru-RU" b="1" u="sng" dirty="0"/>
+              <a:t>Цены</a:t>
+            </a:r>
+            <a:r>
+              <a:rPr lang="en-US" b="1" u="sng" dirty="0"/>
+              <a:t>:</a:t>
+            </a:r>
+            <a:endParaRPr lang="ru-RU" b="1" u="sng" dirty="0"/>
+          </a:p>
+        </p:txBody>
+      </p:sp>
+      <p:pic>
+        <p:nvPicPr>
+          <p:cNvPr id="2" name="Рисунок 1">
+            <a:extLst>
+              <a:ext uri="{FF2B5EF4-FFF2-40B4-BE49-F238E27FC236}">
+                <a16:creationId xmlns:a16="http://schemas.microsoft.com/office/drawing/2014/main" id="{C1350729-9572-4670-DADE-1C26E1D61D0B}"/>
+              </a:ext>
+            </a:extLst>
+          </p:cNvPr>
+          <p:cNvPicPr>
+            <a:picLocks noChangeAspect="1"/>
+          </p:cNvPicPr>
+          <p:nvPr/>
+        </p:nvPicPr>
+        <p:blipFill>
+          <a:blip r:embed="rId3"/>
+          <a:stretch>
+            <a:fillRect/>
+          </a:stretch>
+        </p:blipFill>
+        <p:spPr>
+          <a:xfrm>
+            <a:off x="1618916" y="142576"/>
+            <a:ext cx="2422192" cy="1009247"/>
+          </a:xfrm>
+          <a:prstGeom prst="rect">
+            <a:avLst/>
+          </a:prstGeom>
+        </p:spPr>
+      </p:pic>
+      <p:pic>
+        <p:nvPicPr>
+          <p:cNvPr id="4" name="Рисунок 3">
+            <a:extLst>
+              <a:ext uri="{FF2B5EF4-FFF2-40B4-BE49-F238E27FC236}">
+                <a16:creationId xmlns:a16="http://schemas.microsoft.com/office/drawing/2014/main" id="{7E05C46E-4ECF-A4DF-BC82-DB090B3D7E93}"/>
+              </a:ext>
+            </a:extLst>
+          </p:cNvPr>
+          <p:cNvPicPr>
+            <a:picLocks noChangeAspect="1"/>
+          </p:cNvPicPr>
+          <p:nvPr/>
+        </p:nvPicPr>
+        <p:blipFill>
+          <a:blip r:embed="rId4"/>
+          <a:stretch>
+            <a:fillRect/>
+          </a:stretch>
+        </p:blipFill>
+        <p:spPr>
+          <a:xfrm>
+            <a:off x="5742799" y="4067036"/>
+            <a:ext cx="6377285" cy="2477170"/>
+          </a:xfrm>
+          <a:prstGeom prst="rect">
+            <a:avLst/>
+          </a:prstGeom>
+        </p:spPr>
+      </p:pic>
+    </p:spTree>
+    <p:extLst>
+      <p:ext uri="{BB962C8B-B14F-4D97-AF65-F5344CB8AC3E}">
+        <p14:creationId xmlns:p14="http://schemas.microsoft.com/office/powerpoint/2010/main" val="4274112796"/>
+      </p:ext>
+    </p:extLst>
+  </p:cSld>
+  <p:clrMapOvr>
+    <a:masterClrMapping/>
+  </p:clrMapOvr>
+</p:sld>
+</file>
+
+<file path=ppt/slides/slide11.xml><?xml version="1.0" encoding="utf-8"?>
+<p:sld xmlns:a="http://schemas.openxmlformats.org/drawingml/2006/main" xmlns:r="http://schemas.openxmlformats.org/officeDocument/2006/relationships" xmlns:p="http://schemas.openxmlformats.org/presentationml/2006/main">
+  <p:cSld>
+    <p:spTree>
+      <p:nvGrpSpPr>
+        <p:cNvPr id="1" name=""/>
+        <p:cNvGrpSpPr/>
+        <p:nvPr/>
+      </p:nvGrpSpPr>
+      <p:grpSpPr>
+        <a:xfrm>
+          <a:off x="0" y="0"/>
+          <a:ext cx="0" cy="0"/>
+          <a:chOff x="0" y="0"/>
+          <a:chExt cx="0" cy="0"/>
+        </a:xfrm>
+      </p:grpSpPr>
+      <p:sp>
+        <p:nvSpPr>
+          <p:cNvPr id="2" name="Заголовок 1">
+            <a:extLst>
+              <a:ext uri="{FF2B5EF4-FFF2-40B4-BE49-F238E27FC236}">
+                <a16:creationId xmlns:a16="http://schemas.microsoft.com/office/drawing/2014/main" id="{338A15DE-D135-0710-9984-A0A55E960CB0}"/>
+              </a:ext>
+            </a:extLst>
+          </p:cNvPr>
+          <p:cNvSpPr>
+            <a:spLocks noGrp="1"/>
+          </p:cNvSpPr>
+          <p:nvPr>
+            <p:ph type="title"/>
+          </p:nvPr>
+        </p:nvSpPr>
+        <p:spPr>
+          <a:xfrm>
+            <a:off x="585094" y="505326"/>
+            <a:ext cx="5257800" cy="765872"/>
+          </a:xfrm>
+          <a:noFill/>
+        </p:spPr>
+        <p:txBody>
+          <a:bodyPr rtlCol="0" anchor="b"/>
+          <a:lstStyle>
+            <a:defPPr>
+              <a:defRPr lang="ru-RU"/>
+            </a:defPPr>
+          </a:lstStyle>
+          <a:p>
+            <a:pPr rtl="0"/>
+            <a:r>
+              <a:rPr lang="ru-RU" dirty="0"/>
+              <a:t>Команда</a:t>
+            </a:r>
+          </a:p>
+        </p:txBody>
+      </p:sp>
+      <p:sp>
+        <p:nvSpPr>
+          <p:cNvPr id="3" name="Объект 2">
+            <a:extLst>
+              <a:ext uri="{FF2B5EF4-FFF2-40B4-BE49-F238E27FC236}">
+                <a16:creationId xmlns:a16="http://schemas.microsoft.com/office/drawing/2014/main" id="{ECC8AA23-D8D0-93BE-5C5F-103A750B0D2F}"/>
+              </a:ext>
+            </a:extLst>
+          </p:cNvPr>
+          <p:cNvSpPr>
+            <a:spLocks noGrp="1"/>
+          </p:cNvSpPr>
+          <p:nvPr>
+            <p:ph sz="half" idx="1"/>
+          </p:nvPr>
+        </p:nvSpPr>
+        <p:spPr>
+          <a:xfrm>
+            <a:off x="585094" y="1406031"/>
+            <a:ext cx="4940687" cy="591210"/>
+          </a:xfrm>
+          <a:noFill/>
+        </p:spPr>
+        <p:txBody>
+          <a:bodyPr vert="horz" lIns="91440" tIns="45720" rIns="91440" bIns="45720" rtlCol="0" anchor="t">
+            <a:normAutofit/>
+          </a:bodyPr>
+          <a:lstStyle>
+            <a:defPPr>
+              <a:defRPr lang="ru-RU"/>
+            </a:defPPr>
+          </a:lstStyle>
+          <a:p>
+            <a:pPr rtl="0"/>
+            <a:r>
+              <a:rPr lang="ru-RU" dirty="0"/>
+              <a:t>Наша команда состоит из 2ух участников</a:t>
+            </a:r>
+            <a:r>
+              <a:rPr lang="en-US" dirty="0"/>
+              <a:t>,</a:t>
+            </a:r>
+            <a:r>
+              <a:rPr lang="ru-RU" dirty="0"/>
+              <a:t> и наши обязанности мы решили распределить так</a:t>
+            </a:r>
+            <a:r>
+              <a:rPr lang="en-US" dirty="0"/>
+              <a:t>:</a:t>
+            </a:r>
+            <a:endParaRPr lang="ru-RU" dirty="0"/>
+          </a:p>
+        </p:txBody>
+      </p:sp>
+      <p:pic>
+        <p:nvPicPr>
+          <p:cNvPr id="11" name="Рисунок 13" descr="Дети играют и рисуют на земле">
+            <a:extLst>
+              <a:ext uri="{FF2B5EF4-FFF2-40B4-BE49-F238E27FC236}">
+                <a16:creationId xmlns:a16="http://schemas.microsoft.com/office/drawing/2014/main" id="{1505EF47-21F0-359C-67AF-1DE6EA73D605}"/>
+              </a:ext>
+            </a:extLst>
+          </p:cNvPr>
+          <p:cNvPicPr>
+            <a:picLocks noGrp="1" noChangeAspect="1"/>
+          </p:cNvPicPr>
+          <p:nvPr>
+            <p:ph type="pic" sz="quarter" idx="13"/>
+          </p:nvPr>
+        </p:nvPicPr>
+        <p:blipFill>
+          <a:blip r:embed="rId3" cstate="email">
+            <a:extLst>
+              <a:ext uri="{28A0092B-C50C-407E-A947-70E740481C1C}">
+                <a14:useLocalDpi xmlns:a14="http://schemas.microsoft.com/office/drawing/2010/main"/>
+              </a:ext>
+            </a:extLst>
+          </a:blip>
+          <a:srcRect l="15" r="15"/>
+          <a:stretch/>
+        </p:blipFill>
+        <p:spPr>
+          <a:xfrm>
+            <a:off x="6413114" y="845068"/>
+            <a:ext cx="5193792" cy="5193792"/>
+          </a:xfrm>
+        </p:spPr>
+      </p:pic>
+      <p:sp>
+        <p:nvSpPr>
+          <p:cNvPr id="4" name="TextBox 3">
+            <a:extLst>
+              <a:ext uri="{FF2B5EF4-FFF2-40B4-BE49-F238E27FC236}">
+                <a16:creationId xmlns:a16="http://schemas.microsoft.com/office/drawing/2014/main" id="{655DD266-893F-9C59-BFBB-D4E0502B18DC}"/>
+              </a:ext>
+            </a:extLst>
+          </p:cNvPr>
+          <p:cNvSpPr txBox="1"/>
+          <p:nvPr/>
+        </p:nvSpPr>
+        <p:spPr>
+          <a:xfrm>
+            <a:off x="585094" y="2462463"/>
+            <a:ext cx="5485797" cy="1200329"/>
+          </a:xfrm>
+          <a:prstGeom prst="rect">
+            <a:avLst/>
+          </a:prstGeom>
+          <a:noFill/>
+        </p:spPr>
+        <p:txBody>
+          <a:bodyPr wrap="none" rtlCol="0">
+            <a:spAutoFit/>
+          </a:bodyPr>
+          <a:lstStyle/>
+          <a:p>
+            <a:r>
+              <a:rPr lang="ru-RU" dirty="0"/>
+              <a:t>Рома</a:t>
+            </a:r>
+            <a:r>
+              <a:rPr lang="en-US" dirty="0"/>
+              <a:t>:</a:t>
+            </a:r>
+            <a:endParaRPr lang="ru-RU" dirty="0"/>
+          </a:p>
+          <a:p>
+            <a:pPr marL="285750" indent="-285750">
+              <a:buFont typeface="Arial" panose="020B0604020202020204" pitchFamily="34" charset="0"/>
+              <a:buChar char="•"/>
+            </a:pPr>
+            <a:r>
+              <a:rPr lang="ru-RU" dirty="0"/>
+              <a:t>Разработка базы данных и ее интеграция в систему</a:t>
+            </a:r>
+          </a:p>
+          <a:p>
+            <a:pPr marL="285750" indent="-285750">
+              <a:buFont typeface="Arial" panose="020B0604020202020204" pitchFamily="34" charset="0"/>
+              <a:buChar char="•"/>
+            </a:pPr>
+            <a:r>
+              <a:rPr lang="ru-RU" dirty="0"/>
+              <a:t>Разработка бэкенд части приложения</a:t>
+            </a:r>
+          </a:p>
+          <a:p>
+            <a:pPr marL="285750" indent="-285750">
+              <a:buFont typeface="Arial" panose="020B0604020202020204" pitchFamily="34" charset="0"/>
+              <a:buChar char="•"/>
+            </a:pPr>
+            <a:r>
+              <a:rPr lang="ru-RU" dirty="0"/>
+              <a:t>Развертывание всей системы</a:t>
+            </a:r>
+          </a:p>
+        </p:txBody>
+      </p:sp>
+      <p:sp>
+        <p:nvSpPr>
+          <p:cNvPr id="6" name="TextBox 5">
+            <a:extLst>
+              <a:ext uri="{FF2B5EF4-FFF2-40B4-BE49-F238E27FC236}">
+                <a16:creationId xmlns:a16="http://schemas.microsoft.com/office/drawing/2014/main" id="{C4333BC1-C15B-7D28-7781-CA7FBB4115EB}"/>
+              </a:ext>
+            </a:extLst>
+          </p:cNvPr>
+          <p:cNvSpPr txBox="1"/>
+          <p:nvPr/>
+        </p:nvSpPr>
+        <p:spPr>
+          <a:xfrm>
+            <a:off x="585094" y="3763518"/>
+            <a:ext cx="6096000" cy="1200329"/>
+          </a:xfrm>
+          <a:prstGeom prst="rect">
+            <a:avLst/>
+          </a:prstGeom>
+          <a:noFill/>
+        </p:spPr>
+        <p:txBody>
+          <a:bodyPr wrap="square">
+            <a:spAutoFit/>
+          </a:bodyPr>
+          <a:lstStyle/>
+          <a:p>
+            <a:r>
+              <a:rPr lang="ru-RU" dirty="0"/>
+              <a:t>Катя</a:t>
+            </a:r>
+            <a:r>
+              <a:rPr lang="en-US" dirty="0"/>
+              <a:t>:</a:t>
+            </a:r>
+            <a:endParaRPr lang="ru-RU" dirty="0"/>
+          </a:p>
+          <a:p>
+            <a:pPr marL="285750" indent="-285750">
+              <a:buFont typeface="Arial" panose="020B0604020202020204" pitchFamily="34" charset="0"/>
+              <a:buChar char="•"/>
+            </a:pPr>
+            <a:r>
+              <a:rPr lang="ru-RU" dirty="0"/>
+              <a:t>Оформление этапов и документации</a:t>
+            </a:r>
+          </a:p>
+          <a:p>
+            <a:pPr marL="285750" indent="-285750">
+              <a:buFont typeface="Arial" panose="020B0604020202020204" pitchFamily="34" charset="0"/>
+              <a:buChar char="•"/>
+            </a:pPr>
+            <a:r>
+              <a:rPr lang="ru-RU" dirty="0"/>
+              <a:t>Разработка дизайна пользовательского интерфейса</a:t>
+            </a:r>
+          </a:p>
+          <a:p>
+            <a:pPr marL="285750" indent="-285750">
+              <a:buFont typeface="Arial" panose="020B0604020202020204" pitchFamily="34" charset="0"/>
+              <a:buChar char="•"/>
+            </a:pPr>
+            <a:r>
+              <a:rPr lang="ru-RU" dirty="0"/>
+              <a:t>Создание фронтенд части приложения</a:t>
+            </a:r>
+          </a:p>
+        </p:txBody>
+      </p:sp>
+    </p:spTree>
+    <p:extLst>
+      <p:ext uri="{BB962C8B-B14F-4D97-AF65-F5344CB8AC3E}">
+        <p14:creationId xmlns:p14="http://schemas.microsoft.com/office/powerpoint/2010/main" val="2737241225"/>
+      </p:ext>
+    </p:extLst>
+  </p:cSld>
+  <p:clrMapOvr>
+    <a:masterClrMapping/>
+  </p:clrMapOvr>
+</p:sld>
+</file>
+
+<file path=ppt/slides/slide12.xml><?xml version="1.0" encoding="utf-8"?>
+<p:sld xmlns:a="http://schemas.openxmlformats.org/drawingml/2006/main" xmlns:r="http://schemas.openxmlformats.org/officeDocument/2006/relationships" xmlns:p="http://schemas.openxmlformats.org/presentationml/2006/main">
+  <p:cSld>
+    <p:spTree>
+      <p:nvGrpSpPr>
+        <p:cNvPr id="1" name=""/>
+        <p:cNvGrpSpPr/>
+        <p:nvPr/>
+      </p:nvGrpSpPr>
+      <p:grpSpPr>
+        <a:xfrm>
+          <a:off x="0" y="0"/>
+          <a:ext cx="0" cy="0"/>
+          <a:chOff x="0" y="0"/>
+          <a:chExt cx="0" cy="0"/>
+        </a:xfrm>
+      </p:grpSpPr>
+      <p:sp>
+        <p:nvSpPr>
+          <p:cNvPr id="2" name="Заголовок 1">
+            <a:extLst>
+              <a:ext uri="{FF2B5EF4-FFF2-40B4-BE49-F238E27FC236}">
+                <a16:creationId xmlns:a16="http://schemas.microsoft.com/office/drawing/2014/main" id="{28BAC361-0D7A-DC05-86B5-6DD77D322F5B}"/>
+              </a:ext>
+            </a:extLst>
+          </p:cNvPr>
+          <p:cNvSpPr>
+            <a:spLocks noGrp="1"/>
+          </p:cNvSpPr>
+          <p:nvPr>
+            <p:ph type="title"/>
+          </p:nvPr>
+        </p:nvSpPr>
+        <p:spPr>
+          <a:xfrm>
+            <a:off x="383876" y="764502"/>
+            <a:ext cx="5315035" cy="5328996"/>
+          </a:xfrm>
+          <a:noFill/>
+        </p:spPr>
+        <p:txBody>
+          <a:bodyPr rtlCol="0"/>
+          <a:lstStyle>
+            <a:defPPr>
+              <a:defRPr lang="ru-RU"/>
+            </a:defPPr>
+          </a:lstStyle>
+          <a:p>
+            <a:pPr rtl="0"/>
+            <a:r>
+              <a:rPr lang="ru-RU" dirty="0"/>
+              <a:t>Спасибо</a:t>
+            </a:r>
+            <a:br>
+              <a:rPr lang="en-US" dirty="0"/>
+            </a:br>
+            <a:r>
+              <a:rPr lang="ru-RU" dirty="0"/>
+              <a:t>за внимание</a:t>
+            </a:r>
+          </a:p>
+        </p:txBody>
+      </p:sp>
+    </p:spTree>
+    <p:extLst>
+      <p:ext uri="{BB962C8B-B14F-4D97-AF65-F5344CB8AC3E}">
+        <p14:creationId xmlns:p14="http://schemas.microsoft.com/office/powerpoint/2010/main" val="1562484837"/>
+      </p:ext>
+    </p:extLst>
+  </p:cSld>
+  <p:clrMapOvr>
+    <a:masterClrMapping/>
+  </p:clrMapOvr>
+</p:sld>
+</file>
+
+<file path=ppt/slides/slide2.xml><?xml version="1.0" encoding="utf-8"?>
+<p:sld xmlns:a="http://schemas.openxmlformats.org/drawingml/2006/main" xmlns:r="http://schemas.openxmlformats.org/officeDocument/2006/relationships" xmlns:p="http://schemas.openxmlformats.org/presentationml/2006/main">
+  <p:cSld>
+    <p:spTree>
+      <p:nvGrpSpPr>
+        <p:cNvPr id="1" name=""/>
+        <p:cNvGrpSpPr/>
+        <p:nvPr/>
+      </p:nvGrpSpPr>
+      <p:grpSpPr>
+        <a:xfrm>
+          <a:off x="0" y="0"/>
+          <a:ext cx="0" cy="0"/>
+          <a:chOff x="0" y="0"/>
+          <a:chExt cx="0" cy="0"/>
+        </a:xfrm>
+      </p:grpSpPr>
+      <p:sp>
+        <p:nvSpPr>
+          <p:cNvPr id="2" name="Заголовок 1">
+            <a:extLst>
+              <a:ext uri="{FF2B5EF4-FFF2-40B4-BE49-F238E27FC236}">
+                <a16:creationId xmlns:a16="http://schemas.microsoft.com/office/drawing/2014/main" id="{43C2181D-911C-1343-7267-E35AC86CCA0E}"/>
+              </a:ext>
+            </a:extLst>
+          </p:cNvPr>
+          <p:cNvSpPr>
+            <a:spLocks noGrp="1"/>
+          </p:cNvSpPr>
+          <p:nvPr>
+            <p:ph type="title"/>
+          </p:nvPr>
+        </p:nvSpPr>
+        <p:spPr>
+          <a:xfrm>
+            <a:off x="609957" y="1119031"/>
+            <a:ext cx="4384736" cy="4619938"/>
+          </a:xfrm>
+          <a:noFill/>
+        </p:spPr>
+        <p:txBody>
+          <a:bodyPr rtlCol="0">
+            <a:noAutofit/>
+          </a:bodyPr>
+          <a:lstStyle>
+            <a:defPPr>
+              <a:defRPr lang="ru-RU"/>
+            </a:defPPr>
+          </a:lstStyle>
+          <a:p>
+            <a:pPr rtl="0"/>
+            <a:r>
+              <a:rPr lang="ru-RU" dirty="0"/>
+              <a:t>Цель проекта</a:t>
+            </a:r>
+          </a:p>
+        </p:txBody>
+      </p:sp>
+      <p:sp>
+        <p:nvSpPr>
+          <p:cNvPr id="3" name="Объект 2">
+            <a:extLst>
+              <a:ext uri="{FF2B5EF4-FFF2-40B4-BE49-F238E27FC236}">
+                <a16:creationId xmlns:a16="http://schemas.microsoft.com/office/drawing/2014/main" id="{9BEA8735-F1DC-1DE6-0A38-429B2F660F8A}"/>
+              </a:ext>
+            </a:extLst>
+          </p:cNvPr>
+          <p:cNvSpPr>
+            <a:spLocks noGrp="1"/>
+          </p:cNvSpPr>
+          <p:nvPr>
+            <p:ph idx="1"/>
+          </p:nvPr>
+        </p:nvSpPr>
+        <p:spPr>
+          <a:xfrm>
+            <a:off x="5474368" y="544890"/>
+            <a:ext cx="6005406" cy="5768220"/>
+          </a:xfrm>
+          <a:noFill/>
+        </p:spPr>
+        <p:txBody>
+          <a:bodyPr rtlCol="0">
+            <a:normAutofit/>
+          </a:bodyPr>
+          <a:lstStyle>
+            <a:defPPr>
+              <a:defRPr lang="ru-RU"/>
+            </a:defPPr>
+          </a:lstStyle>
+          <a:p>
+            <a:pPr algn="just"/>
+            <a:r>
+              <a:rPr lang="ru-RU" dirty="0"/>
+              <a:t>Создать прототип программной системы канбан доски</a:t>
+            </a:r>
+            <a:r>
+              <a:rPr lang="en-US" dirty="0"/>
+              <a:t>,</a:t>
+            </a:r>
+            <a:r>
+              <a:rPr lang="ru-RU" dirty="0"/>
+              <a:t> которая должна обеспечить прозрачное управление потоком задач, повысить эффективность команд компаний за счёт визуализации процессов, ограничения WIP (</a:t>
+            </a:r>
+            <a:r>
+              <a:rPr lang="en-US" dirty="0"/>
+              <a:t>Work In Progress</a:t>
+            </a:r>
+            <a:r>
+              <a:rPr lang="ru-RU" dirty="0"/>
+              <a:t>) и анализа метрик.</a:t>
+            </a:r>
+          </a:p>
+        </p:txBody>
+      </p:sp>
+    </p:spTree>
+    <p:extLst>
+      <p:ext uri="{BB962C8B-B14F-4D97-AF65-F5344CB8AC3E}">
+        <p14:creationId xmlns:p14="http://schemas.microsoft.com/office/powerpoint/2010/main" val="3920724481"/>
+      </p:ext>
+    </p:extLst>
+  </p:cSld>
+  <p:clrMapOvr>
+    <a:masterClrMapping/>
+  </p:clrMapOvr>
+</p:sld>
+</file>
+
+<file path=ppt/slides/slide3.xml><?xml version="1.0" encoding="utf-8"?>
+<p:sld xmlns:a="http://schemas.openxmlformats.org/drawingml/2006/main" xmlns:r="http://schemas.openxmlformats.org/officeDocument/2006/relationships" xmlns:p="http://schemas.openxmlformats.org/presentationml/2006/main">
+  <p:cSld>
+    <p:spTree>
+      <p:nvGrpSpPr>
+        <p:cNvPr id="1" name=""/>
+        <p:cNvGrpSpPr/>
+        <p:nvPr/>
+      </p:nvGrpSpPr>
+      <p:grpSpPr>
+        <a:xfrm>
+          <a:off x="0" y="0"/>
+          <a:ext cx="0" cy="0"/>
+          <a:chOff x="0" y="0"/>
+          <a:chExt cx="0" cy="0"/>
+        </a:xfrm>
+      </p:grpSpPr>
+      <p:sp>
+        <p:nvSpPr>
+          <p:cNvPr id="2" name="Заголовок 1">
+            <a:extLst>
+              <a:ext uri="{FF2B5EF4-FFF2-40B4-BE49-F238E27FC236}">
+                <a16:creationId xmlns:a16="http://schemas.microsoft.com/office/drawing/2014/main" id="{9635F5E3-2B1C-7C0A-8581-67A9052D13AA}"/>
+              </a:ext>
+            </a:extLst>
+          </p:cNvPr>
+          <p:cNvSpPr>
+            <a:spLocks noGrp="1"/>
+          </p:cNvSpPr>
+          <p:nvPr>
+            <p:ph type="title"/>
+          </p:nvPr>
+        </p:nvSpPr>
+        <p:spPr>
+          <a:xfrm>
+            <a:off x="838200" y="304803"/>
+            <a:ext cx="10515600" cy="1472974"/>
+          </a:xfrm>
+          <a:noFill/>
+        </p:spPr>
+        <p:txBody>
+          <a:bodyPr rtlCol="0" anchor="ctr"/>
+          <a:lstStyle>
+            <a:defPPr>
+              <a:defRPr lang="ru-RU"/>
+            </a:defPPr>
+          </a:lstStyle>
+          <a:p>
+            <a:pPr rtl="0"/>
+            <a:r>
+              <a:rPr lang="ru-RU" dirty="0"/>
+              <a:t>Задачи проекта</a:t>
+            </a:r>
+          </a:p>
+        </p:txBody>
+      </p:sp>
+      <p:sp>
+        <p:nvSpPr>
+          <p:cNvPr id="3" name="Объект 2">
+            <a:extLst>
+              <a:ext uri="{FF2B5EF4-FFF2-40B4-BE49-F238E27FC236}">
+                <a16:creationId xmlns:a16="http://schemas.microsoft.com/office/drawing/2014/main" id="{A6A33159-D030-2F82-A142-F75940728319}"/>
+              </a:ext>
+            </a:extLst>
+          </p:cNvPr>
+          <p:cNvSpPr>
+            <a:spLocks noGrp="1"/>
+          </p:cNvSpPr>
+          <p:nvPr>
+            <p:ph sz="quarter" idx="13"/>
+          </p:nvPr>
+        </p:nvSpPr>
+        <p:spPr>
+          <a:xfrm>
+            <a:off x="838200" y="1600201"/>
+            <a:ext cx="9160042" cy="4522788"/>
+          </a:xfrm>
+          <a:noFill/>
+        </p:spPr>
+        <p:txBody>
+          <a:bodyPr vert="horz" lIns="91440" tIns="45720" rIns="91440" bIns="45720" rtlCol="0" anchor="t">
+            <a:normAutofit/>
+          </a:bodyPr>
+          <a:lstStyle>
+            <a:defPPr>
+              <a:defRPr lang="ru-RU"/>
+            </a:defPPr>
+          </a:lstStyle>
+          <a:p>
+            <a:r>
+              <a:rPr lang="ru-RU" sz="2000" dirty="0"/>
+              <a:t>Визуализировать рабочий процесс в виде доски с колонками и swimlane. (Swimlane — горизонтальное разделение доски на дорожки для группировки задач по типу, приоритету или проекту. )</a:t>
+            </a:r>
+          </a:p>
+          <a:p>
+            <a:pPr rtl="0"/>
+            <a:r>
+              <a:rPr lang="ru-RU" sz="2000" dirty="0"/>
+              <a:t>Поддерживать создание, редактирование, перемещение и отслеживание задач.</a:t>
+            </a:r>
+          </a:p>
+          <a:p>
+            <a:pPr rtl="0"/>
+            <a:r>
+              <a:rPr lang="ru-RU" sz="2000" dirty="0"/>
+              <a:t>Реализовать роли и права доступа для разных категорий пользователей.</a:t>
+            </a:r>
+          </a:p>
+          <a:p>
+            <a:pPr rtl="0"/>
+            <a:r>
+              <a:rPr lang="ru-RU" sz="2000" dirty="0"/>
+              <a:t>Обеспечить совместную работу через совместные задачи, вложения, уведомления.</a:t>
+            </a:r>
+          </a:p>
+          <a:p>
+            <a:pPr rtl="0"/>
+            <a:r>
+              <a:rPr lang="ru-RU" sz="2000" dirty="0"/>
+              <a:t>Предоставлять отчёты и метрики по проделанной работе пользователей.</a:t>
+            </a:r>
+          </a:p>
+          <a:p>
+            <a:pPr rtl="0"/>
+            <a:r>
+              <a:rPr lang="ru-RU" sz="2000" dirty="0"/>
+              <a:t>Интегрироваться с внешними системами (API, </a:t>
+            </a:r>
+            <a:r>
+              <a:rPr lang="ru-RU" sz="2000" dirty="0" err="1"/>
+              <a:t>webhooks</a:t>
+            </a:r>
+            <a:r>
+              <a:rPr lang="ru-RU" sz="2000" dirty="0"/>
+              <a:t>).</a:t>
+            </a:r>
+          </a:p>
+          <a:p>
+            <a:pPr rtl="0"/>
+            <a:r>
+              <a:rPr lang="ru-RU" sz="2000" dirty="0"/>
+              <a:t>Гарантировать безопасность, аудит и сохранность данных.</a:t>
+            </a:r>
+          </a:p>
+        </p:txBody>
+      </p:sp>
+    </p:spTree>
+    <p:extLst>
+      <p:ext uri="{BB962C8B-B14F-4D97-AF65-F5344CB8AC3E}">
+        <p14:creationId xmlns:p14="http://schemas.microsoft.com/office/powerpoint/2010/main" val="3666674671"/>
+      </p:ext>
+    </p:extLst>
+  </p:cSld>
+  <p:clrMapOvr>
+    <a:masterClrMapping/>
+  </p:clrMapOvr>
+</p:sld>
+</file>
+
+<file path=ppt/slides/slide4.xml><?xml version="1.0" encoding="utf-8"?>
 <p:sld xmlns:a="http://schemas.openxmlformats.org/drawingml/2006/main" xmlns:r="http://schemas.openxmlformats.org/officeDocument/2006/relationships" xmlns:p="http://schemas.openxmlformats.org/presentationml/2006/main">
   <p:cSld>
     <p:spTree>
@@ -12591,8 +13577,8 @@
         </p:nvSpPr>
         <p:spPr>
           <a:xfrm>
-            <a:off x="641684" y="1690688"/>
-            <a:ext cx="6585283" cy="3170099"/>
+            <a:off x="838200" y="1943352"/>
+            <a:ext cx="6878053" cy="2862322"/>
           </a:xfrm>
           <a:prstGeom prst="rect">
             <a:avLst/>
@@ -12605,6 +13591,7 @@
           </a:bodyPr>
           <a:lstStyle/>
           <a:p>
+            <a:pPr algn="just"/>
             <a:r>
               <a:rPr lang="ru-RU" sz="2000" dirty="0"/>
               <a:t>Пользователями канбан-доски могут выступать разнообразные команды с разным уровнем зрелости и масштабом деятельности: от небольших стартапов, только начинающих свой путь и состоящих всего из одного–двух человек, до крупных, хорошо организованных компаний с отлаженными процессами и многоуровневыми структурами. Такая гибкость делает систему универсальным инструментом для управления задачами и визуализации рабочих процессов независимо от размера и стадии развития команды.</a:t>
@@ -12641,7 +13628,7 @@
         </p:blipFill>
         <p:spPr bwMode="auto">
           <a:xfrm>
-            <a:off x="7226967" y="1251679"/>
+            <a:off x="7226967" y="1269726"/>
             <a:ext cx="6157049" cy="3463340"/>
           </a:xfrm>
           <a:prstGeom prst="rect">
@@ -12672,7 +13659,7 @@
 </p:sld>
 </file>
 
-<file path=ppt/slides/slide11.xml><?xml version="1.0" encoding="utf-8"?>
+<file path=ppt/slides/slide5.xml><?xml version="1.0" encoding="utf-8"?>
 <p:sld xmlns:a="http://schemas.openxmlformats.org/drawingml/2006/main" xmlns:r="http://schemas.openxmlformats.org/officeDocument/2006/relationships" xmlns:p="http://schemas.openxmlformats.org/presentationml/2006/main">
   <p:cSld>
     <p:spTree>
@@ -12805,7 +13792,7 @@
         <p:spPr>
           <a:xfrm>
             <a:off x="264695" y="1690688"/>
-            <a:ext cx="6585283" cy="1477328"/>
+            <a:ext cx="7283517" cy="1477328"/>
           </a:xfrm>
           <a:prstGeom prst="rect">
             <a:avLst/>
@@ -12818,6 +13805,7 @@
           </a:bodyPr>
           <a:lstStyle/>
           <a:p>
+            <a:pPr algn="just"/>
             <a:r>
               <a:rPr lang="ru-RU" dirty="0"/>
               <a:t>Бизнесмен, управляющий небольшой или средней компанией, может использовать канбан-доску для контроля текущих проектов, распределения задач между отделами и повышения прозрачности рабочих процессов без необходимости внедрения сложных систем управления.</a:t>
@@ -12854,8 +13842,8 @@
         </p:blipFill>
         <p:spPr bwMode="auto">
           <a:xfrm>
-            <a:off x="7423483" y="1469582"/>
-            <a:ext cx="4316931" cy="2698082"/>
+            <a:off x="7752349" y="1584140"/>
+            <a:ext cx="3805588" cy="2378493"/>
           </a:xfrm>
           <a:prstGeom prst="rect">
             <a:avLst/>
@@ -12887,7 +13875,7 @@
         <p:spPr>
           <a:xfrm>
             <a:off x="264695" y="3429000"/>
-            <a:ext cx="6096000" cy="1477328"/>
+            <a:ext cx="7206916" cy="1200329"/>
           </a:xfrm>
           <a:prstGeom prst="rect">
             <a:avLst/>
@@ -12900,9 +13888,10 @@
           </a:bodyPr>
           <a:lstStyle/>
           <a:p>
+            <a:pPr algn="just"/>
             <a:r>
               <a:rPr lang="ru-RU" sz="1800" dirty="0"/>
-              <a:t>Студент, стремящийся собрать команду для участия в хакатоне, учебном проекте или стартап-инициативе, найдёт в канбан-доске простой и интуитивно понятный способ организовать совместную работу, отслеживать прогресс и чётко распределять обязанности.</a:t>
+              <a:t>Студент, стремящийся собрать команду для участия в учебном проекте или стартап-инициативе, найдёт в канбан-доске простой и интуитивно понятный способ организовать совместную работу, отслеживать прогресс и чётко распределять обязанности.</a:t>
             </a:r>
           </a:p>
         </p:txBody>
@@ -12921,8 +13910,8 @@
         </p:nvSpPr>
         <p:spPr>
           <a:xfrm>
-            <a:off x="264695" y="5058416"/>
-            <a:ext cx="6096000" cy="1754326"/>
+            <a:off x="264695" y="5015547"/>
+            <a:ext cx="7104647" cy="1477328"/>
           </a:xfrm>
           <a:prstGeom prst="rect">
             <a:avLst/>
@@ -12935,6 +13924,7 @@
           </a:bodyPr>
           <a:lstStyle/>
           <a:p>
+            <a:pPr algn="just"/>
             <a:r>
               <a:rPr lang="ru-RU" sz="1800" dirty="0"/>
               <a:t>Самоучка, мечтающий запустить собственный стартап в одиночку или с парой единомышленников, сможет с помощью доски структурировать идеи, планировать этапы разработки продукта и визуализировать путь от концепции к первому релизу, не перегружая себя избыточной бюрократией.</a:t>
@@ -12971,8 +13961,8 @@
         </p:blipFill>
         <p:spPr bwMode="auto">
           <a:xfrm>
-            <a:off x="7808495" y="4266919"/>
-            <a:ext cx="3545305" cy="2366491"/>
+            <a:off x="7752349" y="3962633"/>
+            <a:ext cx="3805588" cy="2540230"/>
           </a:xfrm>
           <a:prstGeom prst="rect">
             <a:avLst/>
@@ -13002,378 +13992,7 @@
 </p:sld>
 </file>
 
-<file path=ppt/slides/slide12.xml><?xml version="1.0" encoding="utf-8"?>
-<p:sld xmlns:a="http://schemas.openxmlformats.org/drawingml/2006/main" xmlns:r="http://schemas.openxmlformats.org/officeDocument/2006/relationships" xmlns:p="http://schemas.openxmlformats.org/presentationml/2006/main">
-  <p:cSld>
-    <p:spTree>
-      <p:nvGrpSpPr>
-        <p:cNvPr id="1" name=""/>
-        <p:cNvGrpSpPr/>
-        <p:nvPr/>
-      </p:nvGrpSpPr>
-      <p:grpSpPr>
-        <a:xfrm>
-          <a:off x="0" y="0"/>
-          <a:ext cx="0" cy="0"/>
-          <a:chOff x="0" y="0"/>
-          <a:chExt cx="0" cy="0"/>
-        </a:xfrm>
-      </p:grpSpPr>
-      <p:sp>
-        <p:nvSpPr>
-          <p:cNvPr id="2" name="Заголовок 1">
-            <a:extLst>
-              <a:ext uri="{FF2B5EF4-FFF2-40B4-BE49-F238E27FC236}">
-                <a16:creationId xmlns:a16="http://schemas.microsoft.com/office/drawing/2014/main" id="{28BAC361-0D7A-DC05-86B5-6DD77D322F5B}"/>
-              </a:ext>
-            </a:extLst>
-          </p:cNvPr>
-          <p:cNvSpPr>
-            <a:spLocks noGrp="1"/>
-          </p:cNvSpPr>
-          <p:nvPr>
-            <p:ph type="title"/>
-          </p:nvPr>
-        </p:nvSpPr>
-        <p:spPr>
-          <a:xfrm>
-            <a:off x="383876" y="764502"/>
-            <a:ext cx="5315035" cy="5328996"/>
-          </a:xfrm>
-          <a:noFill/>
-        </p:spPr>
-        <p:txBody>
-          <a:bodyPr rtlCol="0"/>
-          <a:lstStyle>
-            <a:defPPr>
-              <a:defRPr lang="ru-RU"/>
-            </a:defPPr>
-          </a:lstStyle>
-          <a:p>
-            <a:pPr rtl="0"/>
-            <a:r>
-              <a:rPr lang="ru-RU"/>
-              <a:t>Спасибо</a:t>
-            </a:r>
-          </a:p>
-        </p:txBody>
-      </p:sp>
-    </p:spTree>
-    <p:extLst>
-      <p:ext uri="{BB962C8B-B14F-4D97-AF65-F5344CB8AC3E}">
-        <p14:creationId xmlns:p14="http://schemas.microsoft.com/office/powerpoint/2010/main" val="1562484837"/>
-      </p:ext>
-    </p:extLst>
-  </p:cSld>
-  <p:clrMapOvr>
-    <a:masterClrMapping/>
-  </p:clrMapOvr>
-</p:sld>
-</file>
-
-<file path=ppt/slides/slide2.xml><?xml version="1.0" encoding="utf-8"?>
-<p:sld xmlns:a="http://schemas.openxmlformats.org/drawingml/2006/main" xmlns:r="http://schemas.openxmlformats.org/officeDocument/2006/relationships" xmlns:p="http://schemas.openxmlformats.org/presentationml/2006/main">
-  <p:cSld>
-    <p:spTree>
-      <p:nvGrpSpPr>
-        <p:cNvPr id="1" name=""/>
-        <p:cNvGrpSpPr/>
-        <p:nvPr/>
-      </p:nvGrpSpPr>
-      <p:grpSpPr>
-        <a:xfrm>
-          <a:off x="0" y="0"/>
-          <a:ext cx="0" cy="0"/>
-          <a:chOff x="0" y="0"/>
-          <a:chExt cx="0" cy="0"/>
-        </a:xfrm>
-      </p:grpSpPr>
-      <p:sp>
-        <p:nvSpPr>
-          <p:cNvPr id="2" name="Заголовок 1">
-            <a:extLst>
-              <a:ext uri="{FF2B5EF4-FFF2-40B4-BE49-F238E27FC236}">
-                <a16:creationId xmlns:a16="http://schemas.microsoft.com/office/drawing/2014/main" id="{43C2181D-911C-1343-7267-E35AC86CCA0E}"/>
-              </a:ext>
-            </a:extLst>
-          </p:cNvPr>
-          <p:cNvSpPr>
-            <a:spLocks noGrp="1"/>
-          </p:cNvSpPr>
-          <p:nvPr>
-            <p:ph type="title"/>
-          </p:nvPr>
-        </p:nvSpPr>
-        <p:spPr>
-          <a:xfrm>
-            <a:off x="609957" y="1119031"/>
-            <a:ext cx="4384736" cy="4619938"/>
-          </a:xfrm>
-          <a:noFill/>
-        </p:spPr>
-        <p:txBody>
-          <a:bodyPr rtlCol="0">
-            <a:noAutofit/>
-          </a:bodyPr>
-          <a:lstStyle>
-            <a:defPPr>
-              <a:defRPr lang="ru-RU"/>
-            </a:defPPr>
-          </a:lstStyle>
-          <a:p>
-            <a:pPr rtl="0"/>
-            <a:r>
-              <a:rPr lang="ru-RU" dirty="0"/>
-              <a:t>Цель проекта</a:t>
-            </a:r>
-          </a:p>
-        </p:txBody>
-      </p:sp>
-      <p:sp>
-        <p:nvSpPr>
-          <p:cNvPr id="3" name="Объект 2">
-            <a:extLst>
-              <a:ext uri="{FF2B5EF4-FFF2-40B4-BE49-F238E27FC236}">
-                <a16:creationId xmlns:a16="http://schemas.microsoft.com/office/drawing/2014/main" id="{9BEA8735-F1DC-1DE6-0A38-429B2F660F8A}"/>
-              </a:ext>
-            </a:extLst>
-          </p:cNvPr>
-          <p:cNvSpPr>
-            <a:spLocks noGrp="1"/>
-          </p:cNvSpPr>
-          <p:nvPr>
-            <p:ph idx="1"/>
-          </p:nvPr>
-        </p:nvSpPr>
-        <p:spPr>
-          <a:xfrm>
-            <a:off x="5801708" y="554942"/>
-            <a:ext cx="5552091" cy="5768220"/>
-          </a:xfrm>
-          <a:noFill/>
-        </p:spPr>
-        <p:txBody>
-          <a:bodyPr rtlCol="0">
-            <a:normAutofit/>
-          </a:bodyPr>
-          <a:lstStyle>
-            <a:defPPr>
-              <a:defRPr lang="ru-RU"/>
-            </a:defPPr>
-          </a:lstStyle>
-          <a:p>
-            <a:r>
-              <a:rPr lang="ru-RU" dirty="0"/>
-              <a:t>Создать прототип программной системы канбан доски</a:t>
-            </a:r>
-            <a:r>
-              <a:rPr lang="en-US" dirty="0"/>
-              <a:t>,</a:t>
-            </a:r>
-            <a:r>
-              <a:rPr lang="ru-RU" dirty="0"/>
-              <a:t> которая должна обеспечить прозрачное управление потоком задач, повысить эффективность команд компаний за счёт визуализации процессов, ограничения WIP (</a:t>
-            </a:r>
-            <a:r>
-              <a:rPr lang="en-US" dirty="0"/>
-              <a:t>Work In Progress</a:t>
-            </a:r>
-            <a:r>
-              <a:rPr lang="ru-RU" dirty="0"/>
-              <a:t>) и анализа метрик.</a:t>
-            </a:r>
-          </a:p>
-        </p:txBody>
-      </p:sp>
-    </p:spTree>
-    <p:extLst>
-      <p:ext uri="{BB962C8B-B14F-4D97-AF65-F5344CB8AC3E}">
-        <p14:creationId xmlns:p14="http://schemas.microsoft.com/office/powerpoint/2010/main" val="3920724481"/>
-      </p:ext>
-    </p:extLst>
-  </p:cSld>
-  <p:clrMapOvr>
-    <a:masterClrMapping/>
-  </p:clrMapOvr>
-</p:sld>
-</file>
-
-<file path=ppt/slides/slide3.xml><?xml version="1.0" encoding="utf-8"?>
-<p:sld xmlns:a="http://schemas.openxmlformats.org/drawingml/2006/main" xmlns:r="http://schemas.openxmlformats.org/officeDocument/2006/relationships" xmlns:p="http://schemas.openxmlformats.org/presentationml/2006/main">
-  <p:cSld>
-    <p:spTree>
-      <p:nvGrpSpPr>
-        <p:cNvPr id="1" name=""/>
-        <p:cNvGrpSpPr/>
-        <p:nvPr/>
-      </p:nvGrpSpPr>
-      <p:grpSpPr>
-        <a:xfrm>
-          <a:off x="0" y="0"/>
-          <a:ext cx="0" cy="0"/>
-          <a:chOff x="0" y="0"/>
-          <a:chExt cx="0" cy="0"/>
-        </a:xfrm>
-      </p:grpSpPr>
-      <p:sp>
-        <p:nvSpPr>
-          <p:cNvPr id="2" name="Заголовок 1">
-            <a:extLst>
-              <a:ext uri="{FF2B5EF4-FFF2-40B4-BE49-F238E27FC236}">
-                <a16:creationId xmlns:a16="http://schemas.microsoft.com/office/drawing/2014/main" id="{9635F5E3-2B1C-7C0A-8581-67A9052D13AA}"/>
-              </a:ext>
-            </a:extLst>
-          </p:cNvPr>
-          <p:cNvSpPr>
-            <a:spLocks noGrp="1"/>
-          </p:cNvSpPr>
-          <p:nvPr>
-            <p:ph type="title"/>
-          </p:nvPr>
-        </p:nvSpPr>
-        <p:spPr>
-          <a:xfrm>
-            <a:off x="838200" y="304803"/>
-            <a:ext cx="10515600" cy="1472974"/>
-          </a:xfrm>
-          <a:noFill/>
-        </p:spPr>
-        <p:txBody>
-          <a:bodyPr rtlCol="0" anchor="ctr"/>
-          <a:lstStyle>
-            <a:defPPr>
-              <a:defRPr lang="ru-RU"/>
-            </a:defPPr>
-          </a:lstStyle>
-          <a:p>
-            <a:pPr rtl="0"/>
-            <a:r>
-              <a:rPr lang="ru-RU" dirty="0"/>
-              <a:t>Задачи проекта</a:t>
-            </a:r>
-          </a:p>
-        </p:txBody>
-      </p:sp>
-      <p:sp>
-        <p:nvSpPr>
-          <p:cNvPr id="3" name="Объект 2">
-            <a:extLst>
-              <a:ext uri="{FF2B5EF4-FFF2-40B4-BE49-F238E27FC236}">
-                <a16:creationId xmlns:a16="http://schemas.microsoft.com/office/drawing/2014/main" id="{A6A33159-D030-2F82-A142-F75940728319}"/>
-              </a:ext>
-            </a:extLst>
-          </p:cNvPr>
-          <p:cNvSpPr>
-            <a:spLocks noGrp="1"/>
-          </p:cNvSpPr>
-          <p:nvPr>
-            <p:ph sz="quarter" idx="13"/>
-          </p:nvPr>
-        </p:nvSpPr>
-        <p:spPr>
-          <a:xfrm>
-            <a:off x="838200" y="1838099"/>
-            <a:ext cx="7809411" cy="4284889"/>
-          </a:xfrm>
-          <a:noFill/>
-        </p:spPr>
-        <p:txBody>
-          <a:bodyPr vert="horz" lIns="91440" tIns="45720" rIns="91440" bIns="45720" rtlCol="0" anchor="t">
-            <a:normAutofit/>
-          </a:bodyPr>
-          <a:lstStyle>
-            <a:defPPr>
-              <a:defRPr lang="ru-RU"/>
-            </a:defPPr>
-          </a:lstStyle>
-          <a:p>
-            <a:r>
-              <a:rPr lang="ru-RU" dirty="0"/>
-              <a:t>Визуализировать рабочий процесс в виде доски с колонками и </a:t>
-            </a:r>
-            <a:r>
-              <a:rPr lang="ru-RU" dirty="0" err="1"/>
-              <a:t>swimlane</a:t>
-            </a:r>
-            <a:r>
-              <a:rPr lang="ru-RU" dirty="0"/>
-              <a:t>. (</a:t>
-            </a:r>
-            <a:r>
-              <a:rPr lang="ru-RU" dirty="0" err="1"/>
-              <a:t>Swimlane</a:t>
-            </a:r>
-            <a:r>
-              <a:rPr lang="ru-RU" dirty="0"/>
-              <a:t> — горизонтальное разделение доски на дорожки для группировки задач по типу, приоритету или проекту. )</a:t>
-            </a:r>
-          </a:p>
-          <a:p>
-            <a:pPr rtl="0"/>
-            <a:r>
-              <a:rPr lang="ru-RU" dirty="0"/>
-              <a:t>Поддерживать создание, редактирование, перемещение и отслеживание задач.</a:t>
-            </a:r>
-          </a:p>
-          <a:p>
-            <a:pPr rtl="0"/>
-            <a:r>
-              <a:rPr lang="ru-RU" dirty="0"/>
-              <a:t>Реализовать роли и права доступа для разных категорий пользователей.</a:t>
-            </a:r>
-          </a:p>
-          <a:p>
-            <a:pPr rtl="0"/>
-            <a:r>
-              <a:rPr lang="ru-RU" dirty="0"/>
-              <a:t>Обеспечить совместную работу через совместные задачи, вложения, уведомления.</a:t>
-            </a:r>
-          </a:p>
-          <a:p>
-            <a:pPr rtl="0"/>
-            <a:r>
-              <a:rPr lang="ru-RU" dirty="0"/>
-              <a:t>Предоставлять отчёты и метрики по проделанной работе пользователей.</a:t>
-            </a:r>
-          </a:p>
-          <a:p>
-            <a:pPr rtl="0"/>
-            <a:r>
-              <a:rPr lang="ru-RU" dirty="0"/>
-              <a:t>Интегрироваться с внешними системами (API, </a:t>
-            </a:r>
-            <a:r>
-              <a:rPr lang="ru-RU" dirty="0" err="1"/>
-              <a:t>webhooks</a:t>
-            </a:r>
-            <a:r>
-              <a:rPr lang="ru-RU" dirty="0"/>
-              <a:t>).</a:t>
-            </a:r>
-          </a:p>
-          <a:p>
-            <a:pPr rtl="0"/>
-            <a:r>
-              <a:rPr lang="ru-RU" dirty="0"/>
-              <a:t>Гарантировать безопасность, аудит и сохранность данных.</a:t>
-            </a:r>
-          </a:p>
-        </p:txBody>
-      </p:sp>
-    </p:spTree>
-    <p:extLst>
-      <p:ext uri="{BB962C8B-B14F-4D97-AF65-F5344CB8AC3E}">
-        <p14:creationId xmlns:p14="http://schemas.microsoft.com/office/powerpoint/2010/main" val="3666674671"/>
-      </p:ext>
-    </p:extLst>
-  </p:cSld>
-  <p:clrMapOvr>
-    <a:masterClrMapping/>
-  </p:clrMapOvr>
-</p:sld>
-</file>
-
-<file path=ppt/slides/slide4.xml><?xml version="1.0" encoding="utf-8"?>
+<file path=ppt/slides/slide6.xml><?xml version="1.0" encoding="utf-8"?>
 <p:sld xmlns:a="http://schemas.openxmlformats.org/drawingml/2006/main" xmlns:r="http://schemas.openxmlformats.org/officeDocument/2006/relationships" xmlns:p="http://schemas.openxmlformats.org/presentationml/2006/main">
   <p:cSld>
     <p:spTree>
@@ -13532,10 +14151,9 @@
               <a:buNone/>
             </a:pPr>
             <a:r>
-              <a:rPr lang="en-US" sz="4000" b="1" dirty="0" err="1"/>
+              <a:rPr lang="en-US" sz="4000" b="1" dirty="0"/>
               <a:t>YouGile</a:t>
             </a:r>
-            <a:endParaRPr lang="en-US" sz="4000" b="1" dirty="0"/>
           </a:p>
         </p:txBody>
       </p:sp>
@@ -13659,7 +14277,7 @@
 </p:sld>
 </file>
 
-<file path=ppt/slides/slide5.xml><?xml version="1.0" encoding="utf-8"?>
+<file path=ppt/slides/slide7.xml><?xml version="1.0" encoding="utf-8"?>
 <p:sld xmlns:a="http://schemas.openxmlformats.org/drawingml/2006/main" xmlns:r="http://schemas.openxmlformats.org/officeDocument/2006/relationships" xmlns:p="http://schemas.openxmlformats.org/presentationml/2006/main">
   <p:cSld>
     <p:spTree>
@@ -13695,7 +14313,7 @@
         <p:spPr>
           <a:xfrm>
             <a:off x="337838" y="574341"/>
-            <a:ext cx="5501488" cy="4297680"/>
+            <a:ext cx="5366084" cy="4297680"/>
           </a:xfrm>
           <a:noFill/>
         </p:spPr>
@@ -13716,7 +14334,7 @@
             </a:r>
           </a:p>
           <a:p>
-            <a:pPr marL="342900" indent="-342900" rtl="0">
+            <a:pPr marL="342900" indent="-342900" algn="just" rtl="0">
               <a:buFont typeface="Arial" panose="020B0604020202020204" pitchFamily="34" charset="0"/>
               <a:buChar char="•"/>
             </a:pPr>
@@ -13726,7 +14344,7 @@
             </a:r>
           </a:p>
           <a:p>
-            <a:pPr marL="342900" indent="-342900" rtl="0">
+            <a:pPr marL="342900" indent="-342900" algn="just" rtl="0">
               <a:buFont typeface="Arial" panose="020B0604020202020204" pitchFamily="34" charset="0"/>
               <a:buChar char="•"/>
             </a:pPr>
@@ -13736,7 +14354,7 @@
             </a:r>
           </a:p>
           <a:p>
-            <a:pPr marL="342900" indent="-342900" rtl="0">
+            <a:pPr marL="342900" indent="-342900" algn="just" rtl="0">
               <a:buFont typeface="Arial" panose="020B0604020202020204" pitchFamily="34" charset="0"/>
               <a:buChar char="•"/>
             </a:pPr>
@@ -13746,7 +14364,7 @@
             </a:r>
           </a:p>
           <a:p>
-            <a:pPr marL="342900" indent="-342900" rtl="0">
+            <a:pPr marL="342900" indent="-342900" algn="just" rtl="0">
               <a:buFont typeface="Arial" panose="020B0604020202020204" pitchFamily="34" charset="0"/>
               <a:buChar char="•"/>
             </a:pPr>
@@ -13756,7 +14374,7 @@
             </a:r>
           </a:p>
           <a:p>
-            <a:pPr marL="342900" indent="-342900" rtl="0">
+            <a:pPr marL="342900" indent="-342900" algn="just" rtl="0">
               <a:buFont typeface="Arial" panose="020B0604020202020204" pitchFamily="34" charset="0"/>
               <a:buChar char="•"/>
             </a:pPr>
@@ -13766,7 +14384,7 @@
             </a:r>
           </a:p>
           <a:p>
-            <a:pPr marL="342900" indent="-342900" rtl="0">
+            <a:pPr marL="342900" indent="-342900" algn="just" rtl="0">
               <a:buFont typeface="Arial" panose="020B0604020202020204" pitchFamily="34" charset="0"/>
               <a:buChar char="•"/>
             </a:pPr>
@@ -13776,7 +14394,7 @@
             </a:r>
           </a:p>
           <a:p>
-            <a:pPr marL="342900" indent="-342900" rtl="0">
+            <a:pPr marL="342900" indent="-342900" algn="just" rtl="0">
               <a:buFont typeface="Arial" panose="020B0604020202020204" pitchFamily="34" charset="0"/>
               <a:buChar char="•"/>
             </a:pPr>
@@ -13831,7 +14449,7 @@
             <a:endParaRPr lang="ru-RU" dirty="0"/>
           </a:p>
           <a:p>
-            <a:pPr marL="342900" indent="-342900" rtl="0">
+            <a:pPr marL="342900" indent="-342900" algn="just" rtl="0">
               <a:buFont typeface="Arial" panose="020B0604020202020204" pitchFamily="34" charset="0"/>
               <a:buChar char="•"/>
             </a:pPr>
@@ -13841,7 +14459,7 @@
             </a:r>
           </a:p>
           <a:p>
-            <a:pPr marL="342900" indent="-342900" rtl="0">
+            <a:pPr marL="342900" indent="-342900" algn="just" rtl="0">
               <a:buFont typeface="Arial" panose="020B0604020202020204" pitchFamily="34" charset="0"/>
               <a:buChar char="•"/>
             </a:pPr>
@@ -13851,7 +14469,7 @@
             </a:r>
           </a:p>
           <a:p>
-            <a:pPr marL="342900" indent="-342900" rtl="0">
+            <a:pPr marL="342900" indent="-342900" algn="just" rtl="0">
               <a:buFont typeface="Arial" panose="020B0604020202020204" pitchFamily="34" charset="0"/>
               <a:buChar char="•"/>
             </a:pPr>
@@ -13861,7 +14479,7 @@
             </a:r>
           </a:p>
           <a:p>
-            <a:pPr marL="342900" indent="-342900" rtl="0">
+            <a:pPr marL="342900" indent="-342900" algn="just" rtl="0">
               <a:buFont typeface="Arial" panose="020B0604020202020204" pitchFamily="34" charset="0"/>
               <a:buChar char="•"/>
             </a:pPr>
@@ -13871,7 +14489,7 @@
             </a:r>
           </a:p>
           <a:p>
-            <a:pPr marL="342900" indent="-342900" rtl="0">
+            <a:pPr marL="342900" indent="-342900" algn="just" rtl="0">
               <a:buFont typeface="Arial" panose="020B0604020202020204" pitchFamily="34" charset="0"/>
               <a:buChar char="•"/>
             </a:pPr>
@@ -13933,7 +14551,7 @@
 </p:sld>
 </file>
 
-<file path=ppt/slides/slide6.xml><?xml version="1.0" encoding="utf-8"?>
+<file path=ppt/slides/slide8.xml><?xml version="1.0" encoding="utf-8"?>
 <p:sld xmlns:a="http://schemas.openxmlformats.org/drawingml/2006/main" xmlns:r="http://schemas.openxmlformats.org/officeDocument/2006/relationships" xmlns:p="http://schemas.openxmlformats.org/presentationml/2006/main">
   <p:cSld>
     <p:spTree>
@@ -13972,15 +14590,15 @@
           <a:lstStyle/>
           <a:p>
             <a:r>
-              <a:rPr lang="ru-RU" dirty="0"/>
+              <a:rPr lang="ru-RU" sz="4000" dirty="0"/>
               <a:t>И главный минус</a:t>
             </a:r>
             <a:r>
-              <a:rPr lang="en-US" dirty="0"/>
+              <a:rPr lang="en-US" sz="4000" dirty="0"/>
               <a:t> – </a:t>
             </a:r>
             <a:r>
-              <a:rPr lang="ru-RU" dirty="0"/>
+              <a:rPr lang="ru-RU" sz="4000" dirty="0"/>
               <a:t>большая цена</a:t>
             </a:r>
           </a:p>
@@ -14031,7 +14649,7 @@
 </p:sld>
 </file>
 
-<file path=ppt/slides/slide7.xml><?xml version="1.0" encoding="utf-8"?>
+<file path=ppt/slides/slide9.xml><?xml version="1.0" encoding="utf-8"?>
 <p:sld xmlns:a="http://schemas.openxmlformats.org/drawingml/2006/main" xmlns:r="http://schemas.openxmlformats.org/officeDocument/2006/relationships" xmlns:p="http://schemas.openxmlformats.org/presentationml/2006/main">
   <p:cSld>
     <p:spTree>
@@ -14127,7 +14745,7 @@
         <p:spPr>
           <a:xfrm>
             <a:off x="6096000" y="381836"/>
-            <a:ext cx="5366084" cy="4297680"/>
+            <a:ext cx="4870784" cy="4297680"/>
           </a:xfrm>
           <a:noFill/>
         </p:spPr>
@@ -14152,7 +14770,7 @@
             <a:endParaRPr lang="ru-RU" dirty="0"/>
           </a:p>
           <a:p>
-            <a:pPr marL="342900" indent="-342900" rtl="0">
+            <a:pPr marL="342900" indent="-342900" algn="just" rtl="0">
               <a:buFont typeface="Arial" panose="020B0604020202020204" pitchFamily="34" charset="0"/>
               <a:buChar char="•"/>
             </a:pPr>
@@ -14162,7 +14780,7 @@
             </a:r>
           </a:p>
           <a:p>
-            <a:pPr marL="342900" indent="-342900" rtl="0">
+            <a:pPr marL="342900" indent="-342900" algn="just" rtl="0">
               <a:buFont typeface="Arial" panose="020B0604020202020204" pitchFamily="34" charset="0"/>
               <a:buChar char="•"/>
             </a:pPr>
@@ -14172,7 +14790,7 @@
             </a:r>
           </a:p>
           <a:p>
-            <a:pPr marL="342900" indent="-342900" rtl="0">
+            <a:pPr marL="342900" indent="-342900" algn="just" rtl="0">
               <a:buFont typeface="Arial" panose="020B0604020202020204" pitchFamily="34" charset="0"/>
               <a:buChar char="•"/>
             </a:pPr>
@@ -14202,7 +14820,7 @@
         <p:spPr>
           <a:xfrm>
             <a:off x="260540" y="1280160"/>
-            <a:ext cx="5501488" cy="4297680"/>
+            <a:ext cx="5508602" cy="4297680"/>
           </a:xfrm>
           <a:noFill/>
         </p:spPr>
@@ -14225,36 +14843,42 @@
             </a:r>
           </a:p>
           <a:p>
+            <a:pPr algn="just"/>
             <a:r>
               <a:rPr lang="ru-RU" dirty="0"/>
               <a:t>Неограниченное число досок</a:t>
             </a:r>
           </a:p>
           <a:p>
+            <a:pPr algn="just"/>
             <a:r>
               <a:rPr lang="ru-RU" dirty="0"/>
               <a:t>Гибкая настройка карточек. Например, установка стикеров-маркеров на карточках — личная прихоть. Можно ставить картинки и фото в карточки</a:t>
             </a:r>
           </a:p>
           <a:p>
+            <a:pPr algn="just"/>
             <a:r>
               <a:rPr lang="ru-RU" dirty="0"/>
               <a:t>Все функции доступны в бесплатной версии</a:t>
             </a:r>
           </a:p>
           <a:p>
+            <a:pPr algn="just"/>
             <a:r>
               <a:rPr lang="ru-RU" dirty="0"/>
               <a:t>Удобный и приятный интерфейс браузерного типа, установка фотографий на фон</a:t>
             </a:r>
           </a:p>
           <a:p>
+            <a:pPr algn="just"/>
             <a:r>
               <a:rPr lang="ru-RU" dirty="0"/>
               <a:t>Есть встроенный чат, прикреплённый к задачам. Похож на всеми любимый мессенджер. В чате есть запись экрана, — чтобы быстро показывать коллегам ход работы</a:t>
             </a:r>
           </a:p>
           <a:p>
+            <a:pPr algn="just"/>
             <a:r>
               <a:rPr lang="ru-RU" dirty="0"/>
               <a:t>Файловое хранилище — 5 ГБ</a:t>
@@ -14306,611 +14930,6 @@
     <p:extLst>
       <p:ext uri="{BB962C8B-B14F-4D97-AF65-F5344CB8AC3E}">
         <p14:creationId xmlns:p14="http://schemas.microsoft.com/office/powerpoint/2010/main" val="729609147"/>
-      </p:ext>
-    </p:extLst>
-  </p:cSld>
-  <p:clrMapOvr>
-    <a:masterClrMapping/>
-  </p:clrMapOvr>
-</p:sld>
-</file>
-
-<file path=ppt/slides/slide8.xml><?xml version="1.0" encoding="utf-8"?>
-<p:sld xmlns:a="http://schemas.openxmlformats.org/drawingml/2006/main" xmlns:r="http://schemas.openxmlformats.org/officeDocument/2006/relationships" xmlns:p="http://schemas.openxmlformats.org/presentationml/2006/main">
-  <p:cSld>
-    <p:spTree>
-      <p:nvGrpSpPr>
-        <p:cNvPr id="1" name="">
-          <a:extLst>
-            <a:ext uri="{FF2B5EF4-FFF2-40B4-BE49-F238E27FC236}">
-              <a16:creationId xmlns:a16="http://schemas.microsoft.com/office/drawing/2014/main" id="{A5CDFBB8-74ED-E98A-6DD3-F8C6446E9E40}"/>
-            </a:ext>
-          </a:extLst>
-        </p:cNvPr>
-        <p:cNvGrpSpPr/>
-        <p:nvPr/>
-      </p:nvGrpSpPr>
-      <p:grpSpPr>
-        <a:xfrm>
-          <a:off x="0" y="0"/>
-          <a:ext cx="0" cy="0"/>
-          <a:chOff x="0" y="0"/>
-          <a:chExt cx="0" cy="0"/>
-        </a:xfrm>
-      </p:grpSpPr>
-      <p:sp>
-        <p:nvSpPr>
-          <p:cNvPr id="13" name="Объект 3">
-            <a:extLst>
-              <a:ext uri="{FF2B5EF4-FFF2-40B4-BE49-F238E27FC236}">
-                <a16:creationId xmlns:a16="http://schemas.microsoft.com/office/drawing/2014/main" id="{50A8C537-8E59-8654-CA1F-F2487E97B354}"/>
-              </a:ext>
-            </a:extLst>
-          </p:cNvPr>
-          <p:cNvSpPr>
-            <a:spLocks noGrp="1"/>
-          </p:cNvSpPr>
-          <p:nvPr>
-            <p:ph sz="half" idx="15"/>
-          </p:nvPr>
-        </p:nvSpPr>
-        <p:spPr>
-          <a:xfrm>
-            <a:off x="6248400" y="142576"/>
-            <a:ext cx="5366084" cy="4297680"/>
-          </a:xfrm>
-          <a:noFill/>
-        </p:spPr>
-        <p:txBody>
-          <a:bodyPr rtlCol="0">
-            <a:normAutofit/>
-          </a:bodyPr>
-          <a:lstStyle>
-            <a:defPPr>
-              <a:defRPr lang="ru-RU"/>
-            </a:defPPr>
-          </a:lstStyle>
-          <a:p>
-            <a:pPr rtl="0"/>
-            <a:r>
-              <a:rPr lang="ru-RU" b="1" u="sng" dirty="0"/>
-              <a:t>Минусы</a:t>
-            </a:r>
-            <a:endParaRPr lang="ru-RU" dirty="0"/>
-          </a:p>
-          <a:p>
-            <a:pPr marL="285750" indent="-285750">
-              <a:buFont typeface="Arial" panose="020B0604020202020204" pitchFamily="34" charset="0"/>
-              <a:buChar char="•"/>
-            </a:pPr>
-            <a:r>
-              <a:rPr lang="ru-RU" dirty="0"/>
-              <a:t>Автоматизация рабочего процесса только на платных тарифах</a:t>
-            </a:r>
-          </a:p>
-          <a:p>
-            <a:pPr marL="285750" indent="-285750">
-              <a:buFont typeface="Arial" panose="020B0604020202020204" pitchFamily="34" charset="0"/>
-              <a:buChar char="•"/>
-            </a:pPr>
-            <a:r>
-              <a:rPr lang="ru-RU" dirty="0"/>
-              <a:t>В бесплатной версии в Канбан-досках нет дат и времени начала и зависимостей задач</a:t>
-            </a:r>
-          </a:p>
-          <a:p>
-            <a:pPr marL="285750" indent="-285750">
-              <a:buFont typeface="Arial" panose="020B0604020202020204" pitchFamily="34" charset="0"/>
-              <a:buChar char="•"/>
-            </a:pPr>
-            <a:r>
-              <a:rPr lang="ru-RU" dirty="0"/>
-              <a:t>Круглосуточная поддержка доступна только в самом дорогом тарифе</a:t>
-            </a:r>
-          </a:p>
-          <a:p>
-            <a:pPr marL="285750" indent="-285750">
-              <a:buFont typeface="Arial" panose="020B0604020202020204" pitchFamily="34" charset="0"/>
-              <a:buChar char="•"/>
-            </a:pPr>
-            <a:r>
-              <a:rPr lang="ru-RU" dirty="0"/>
-              <a:t>Высокая стоимость. Можно найти сервисы с Канбан-досками дешевле и с более обширными функциями</a:t>
-            </a:r>
-          </a:p>
-        </p:txBody>
-      </p:sp>
-      <p:sp>
-        <p:nvSpPr>
-          <p:cNvPr id="18" name="Объект 2">
-            <a:extLst>
-              <a:ext uri="{FF2B5EF4-FFF2-40B4-BE49-F238E27FC236}">
-                <a16:creationId xmlns:a16="http://schemas.microsoft.com/office/drawing/2014/main" id="{7E8E60F3-3803-43D6-ABB3-9E61C1897015}"/>
-              </a:ext>
-            </a:extLst>
-          </p:cNvPr>
-          <p:cNvSpPr>
-            <a:spLocks noGrp="1"/>
-          </p:cNvSpPr>
-          <p:nvPr>
-            <p:ph sz="half" idx="1"/>
-          </p:nvPr>
-        </p:nvSpPr>
-        <p:spPr>
-          <a:xfrm>
-            <a:off x="79268" y="1408497"/>
-            <a:ext cx="5501488" cy="4297680"/>
-          </a:xfrm>
-          <a:noFill/>
-        </p:spPr>
-        <p:txBody>
-          <a:bodyPr rtlCol="0">
-            <a:noAutofit/>
-          </a:bodyPr>
-          <a:lstStyle>
-            <a:defPPr>
-              <a:defRPr lang="ru-RU"/>
-            </a:defPPr>
-          </a:lstStyle>
-          <a:p>
-            <a:pPr marL="0" indent="0" rtl="0">
-              <a:buNone/>
-            </a:pPr>
-            <a:r>
-              <a:rPr lang="ru-RU" b="1" u="sng" dirty="0"/>
-              <a:t>Плюсы</a:t>
-            </a:r>
-          </a:p>
-          <a:p>
-            <a:r>
-              <a:rPr lang="ru-RU" dirty="0"/>
-              <a:t>Все базовые возможности Канбан-доски</a:t>
-            </a:r>
-            <a:r>
-              <a:rPr lang="en-US" dirty="0"/>
-              <a:t>.</a:t>
-            </a:r>
-          </a:p>
-          <a:p>
-            <a:r>
-              <a:rPr lang="ru-RU" dirty="0"/>
-              <a:t>Есть AI-инструменты: </a:t>
-            </a:r>
-            <a:r>
-              <a:rPr lang="ru-RU" dirty="0" err="1"/>
-              <a:t>автогенерация</a:t>
-            </a:r>
-            <a:r>
-              <a:rPr lang="ru-RU" dirty="0"/>
-              <a:t> задач, автоматическое определение приоритетов</a:t>
-            </a:r>
-          </a:p>
-          <a:p>
-            <a:r>
-              <a:rPr lang="ru-RU" dirty="0"/>
-              <a:t>Неограниченное количество задач и подзадач, назначение конкретным членам команды с дедлайнами, возможность вести одновременно несколько проектов, создавать шаблоны задач, устанавливать правила, автоматизировать процессы</a:t>
-            </a:r>
-          </a:p>
-          <a:p>
-            <a:r>
-              <a:rPr lang="ru-RU" dirty="0"/>
-              <a:t>Удобная интеграция с огромным количеством сервисов и инструментов — их более 300. Больше, чем у других</a:t>
-            </a:r>
-          </a:p>
-          <a:p>
-            <a:r>
-              <a:rPr lang="ru-RU" dirty="0"/>
-              <a:t>Неограниченное хранилище файлов, загрузка файлов до 100 </a:t>
-            </a:r>
-            <a:r>
-              <a:rPr lang="ru-RU" dirty="0" err="1"/>
-              <a:t>мб</a:t>
-            </a:r>
-            <a:endParaRPr lang="ru-RU" dirty="0"/>
-          </a:p>
-        </p:txBody>
-      </p:sp>
-      <p:sp>
-        <p:nvSpPr>
-          <p:cNvPr id="19" name="TextBox 18">
-            <a:extLst>
-              <a:ext uri="{FF2B5EF4-FFF2-40B4-BE49-F238E27FC236}">
-                <a16:creationId xmlns:a16="http://schemas.microsoft.com/office/drawing/2014/main" id="{61810470-8466-107C-5EA3-0F116A06BAC1}"/>
-              </a:ext>
-            </a:extLst>
-          </p:cNvPr>
-          <p:cNvSpPr txBox="1"/>
-          <p:nvPr/>
-        </p:nvSpPr>
-        <p:spPr>
-          <a:xfrm>
-            <a:off x="5943601" y="3697704"/>
-            <a:ext cx="764953" cy="369332"/>
-          </a:xfrm>
-          <a:prstGeom prst="rect">
-            <a:avLst/>
-          </a:prstGeom>
-          <a:noFill/>
-        </p:spPr>
-        <p:txBody>
-          <a:bodyPr wrap="none" rtlCol="0">
-            <a:spAutoFit/>
-          </a:bodyPr>
-          <a:lstStyle/>
-          <a:p>
-            <a:r>
-              <a:rPr lang="ru-RU" b="1" u="sng" dirty="0"/>
-              <a:t>Цены</a:t>
-            </a:r>
-            <a:r>
-              <a:rPr lang="en-US" b="1" u="sng" dirty="0"/>
-              <a:t>:</a:t>
-            </a:r>
-            <a:endParaRPr lang="ru-RU" b="1" u="sng" dirty="0"/>
-          </a:p>
-        </p:txBody>
-      </p:sp>
-      <p:pic>
-        <p:nvPicPr>
-          <p:cNvPr id="2" name="Рисунок 1">
-            <a:extLst>
-              <a:ext uri="{FF2B5EF4-FFF2-40B4-BE49-F238E27FC236}">
-                <a16:creationId xmlns:a16="http://schemas.microsoft.com/office/drawing/2014/main" id="{C1350729-9572-4670-DADE-1C26E1D61D0B}"/>
-              </a:ext>
-            </a:extLst>
-          </p:cNvPr>
-          <p:cNvPicPr>
-            <a:picLocks noChangeAspect="1"/>
-          </p:cNvPicPr>
-          <p:nvPr/>
-        </p:nvPicPr>
-        <p:blipFill>
-          <a:blip r:embed="rId3"/>
-          <a:stretch>
-            <a:fillRect/>
-          </a:stretch>
-        </p:blipFill>
-        <p:spPr>
-          <a:xfrm>
-            <a:off x="1618916" y="142576"/>
-            <a:ext cx="2422192" cy="1009247"/>
-          </a:xfrm>
-          <a:prstGeom prst="rect">
-            <a:avLst/>
-          </a:prstGeom>
-        </p:spPr>
-      </p:pic>
-      <p:pic>
-        <p:nvPicPr>
-          <p:cNvPr id="4" name="Рисунок 3">
-            <a:extLst>
-              <a:ext uri="{FF2B5EF4-FFF2-40B4-BE49-F238E27FC236}">
-                <a16:creationId xmlns:a16="http://schemas.microsoft.com/office/drawing/2014/main" id="{7E05C46E-4ECF-A4DF-BC82-DB090B3D7E93}"/>
-              </a:ext>
-            </a:extLst>
-          </p:cNvPr>
-          <p:cNvPicPr>
-            <a:picLocks noChangeAspect="1"/>
-          </p:cNvPicPr>
-          <p:nvPr/>
-        </p:nvPicPr>
-        <p:blipFill>
-          <a:blip r:embed="rId4"/>
-          <a:stretch>
-            <a:fillRect/>
-          </a:stretch>
-        </p:blipFill>
-        <p:spPr>
-          <a:xfrm>
-            <a:off x="5742799" y="4067036"/>
-            <a:ext cx="6377285" cy="2477170"/>
-          </a:xfrm>
-          <a:prstGeom prst="rect">
-            <a:avLst/>
-          </a:prstGeom>
-        </p:spPr>
-      </p:pic>
-    </p:spTree>
-    <p:extLst>
-      <p:ext uri="{BB962C8B-B14F-4D97-AF65-F5344CB8AC3E}">
-        <p14:creationId xmlns:p14="http://schemas.microsoft.com/office/powerpoint/2010/main" val="4274112796"/>
-      </p:ext>
-    </p:extLst>
-  </p:cSld>
-  <p:clrMapOvr>
-    <a:masterClrMapping/>
-  </p:clrMapOvr>
-</p:sld>
-</file>
-
-<file path=ppt/slides/slide9.xml><?xml version="1.0" encoding="utf-8"?>
-<p:sld xmlns:a="http://schemas.openxmlformats.org/drawingml/2006/main" xmlns:r="http://schemas.openxmlformats.org/officeDocument/2006/relationships" xmlns:p="http://schemas.openxmlformats.org/presentationml/2006/main">
-  <p:cSld>
-    <p:spTree>
-      <p:nvGrpSpPr>
-        <p:cNvPr id="1" name=""/>
-        <p:cNvGrpSpPr/>
-        <p:nvPr/>
-      </p:nvGrpSpPr>
-      <p:grpSpPr>
-        <a:xfrm>
-          <a:off x="0" y="0"/>
-          <a:ext cx="0" cy="0"/>
-          <a:chOff x="0" y="0"/>
-          <a:chExt cx="0" cy="0"/>
-        </a:xfrm>
-      </p:grpSpPr>
-      <p:sp>
-        <p:nvSpPr>
-          <p:cNvPr id="2" name="Заголовок 1">
-            <a:extLst>
-              <a:ext uri="{FF2B5EF4-FFF2-40B4-BE49-F238E27FC236}">
-                <a16:creationId xmlns:a16="http://schemas.microsoft.com/office/drawing/2014/main" id="{338A15DE-D135-0710-9984-A0A55E960CB0}"/>
-              </a:ext>
-            </a:extLst>
-          </p:cNvPr>
-          <p:cNvSpPr>
-            <a:spLocks noGrp="1"/>
-          </p:cNvSpPr>
-          <p:nvPr>
-            <p:ph type="title"/>
-          </p:nvPr>
-        </p:nvSpPr>
-        <p:spPr>
-          <a:xfrm>
-            <a:off x="585094" y="505326"/>
-            <a:ext cx="5257800" cy="765872"/>
-          </a:xfrm>
-          <a:noFill/>
-        </p:spPr>
-        <p:txBody>
-          <a:bodyPr rtlCol="0" anchor="b"/>
-          <a:lstStyle>
-            <a:defPPr>
-              <a:defRPr lang="ru-RU"/>
-            </a:defPPr>
-          </a:lstStyle>
-          <a:p>
-            <a:pPr rtl="0"/>
-            <a:r>
-              <a:rPr lang="ru-RU" dirty="0"/>
-              <a:t>Команда</a:t>
-            </a:r>
-          </a:p>
-        </p:txBody>
-      </p:sp>
-      <p:sp>
-        <p:nvSpPr>
-          <p:cNvPr id="3" name="Объект 2">
-            <a:extLst>
-              <a:ext uri="{FF2B5EF4-FFF2-40B4-BE49-F238E27FC236}">
-                <a16:creationId xmlns:a16="http://schemas.microsoft.com/office/drawing/2014/main" id="{ECC8AA23-D8D0-93BE-5C5F-103A750B0D2F}"/>
-              </a:ext>
-            </a:extLst>
-          </p:cNvPr>
-          <p:cNvSpPr>
-            <a:spLocks noGrp="1"/>
-          </p:cNvSpPr>
-          <p:nvPr>
-            <p:ph sz="half" idx="1"/>
-          </p:nvPr>
-        </p:nvSpPr>
-        <p:spPr>
-          <a:xfrm>
-            <a:off x="585094" y="1406031"/>
-            <a:ext cx="4940687" cy="591210"/>
-          </a:xfrm>
-          <a:noFill/>
-        </p:spPr>
-        <p:txBody>
-          <a:bodyPr vert="horz" lIns="91440" tIns="45720" rIns="91440" bIns="45720" rtlCol="0" anchor="t">
-            <a:normAutofit/>
-          </a:bodyPr>
-          <a:lstStyle>
-            <a:defPPr>
-              <a:defRPr lang="ru-RU"/>
-            </a:defPPr>
-          </a:lstStyle>
-          <a:p>
-            <a:pPr rtl="0"/>
-            <a:r>
-              <a:rPr lang="ru-RU" dirty="0"/>
-              <a:t>Наша команда состоит из 2ух участников</a:t>
-            </a:r>
-            <a:r>
-              <a:rPr lang="en-US" dirty="0"/>
-              <a:t>,</a:t>
-            </a:r>
-            <a:r>
-              <a:rPr lang="ru-RU" dirty="0"/>
-              <a:t> и наши обязанности мы решили распределить так</a:t>
-            </a:r>
-            <a:r>
-              <a:rPr lang="en-US" dirty="0"/>
-              <a:t>:</a:t>
-            </a:r>
-            <a:endParaRPr lang="ru-RU" dirty="0"/>
-          </a:p>
-        </p:txBody>
-      </p:sp>
-      <p:pic>
-        <p:nvPicPr>
-          <p:cNvPr id="11" name="Рисунок 13" descr="Дети играют и рисуют на земле">
-            <a:extLst>
-              <a:ext uri="{FF2B5EF4-FFF2-40B4-BE49-F238E27FC236}">
-                <a16:creationId xmlns:a16="http://schemas.microsoft.com/office/drawing/2014/main" id="{1505EF47-21F0-359C-67AF-1DE6EA73D605}"/>
-              </a:ext>
-            </a:extLst>
-          </p:cNvPr>
-          <p:cNvPicPr>
-            <a:picLocks noGrp="1" noChangeAspect="1"/>
-          </p:cNvPicPr>
-          <p:nvPr>
-            <p:ph type="pic" sz="quarter" idx="13"/>
-          </p:nvPr>
-        </p:nvPicPr>
-        <p:blipFill>
-          <a:blip r:embed="rId3" cstate="email">
-            <a:extLst>
-              <a:ext uri="{28A0092B-C50C-407E-A947-70E740481C1C}">
-                <a14:useLocalDpi xmlns:a14="http://schemas.microsoft.com/office/drawing/2010/main"/>
-              </a:ext>
-            </a:extLst>
-          </a:blip>
-          <a:srcRect l="15" r="15"/>
-          <a:stretch/>
-        </p:blipFill>
-        <p:spPr>
-          <a:xfrm>
-            <a:off x="6413114" y="845068"/>
-            <a:ext cx="5193792" cy="5193792"/>
-          </a:xfrm>
-        </p:spPr>
-      </p:pic>
-      <p:sp>
-        <p:nvSpPr>
-          <p:cNvPr id="4" name="TextBox 3">
-            <a:extLst>
-              <a:ext uri="{FF2B5EF4-FFF2-40B4-BE49-F238E27FC236}">
-                <a16:creationId xmlns:a16="http://schemas.microsoft.com/office/drawing/2014/main" id="{655DD266-893F-9C59-BFBB-D4E0502B18DC}"/>
-              </a:ext>
-            </a:extLst>
-          </p:cNvPr>
-          <p:cNvSpPr txBox="1"/>
-          <p:nvPr/>
-        </p:nvSpPr>
-        <p:spPr>
-          <a:xfrm>
-            <a:off x="585094" y="2462463"/>
-            <a:ext cx="5485797" cy="1200329"/>
-          </a:xfrm>
-          <a:prstGeom prst="rect">
-            <a:avLst/>
-          </a:prstGeom>
-          <a:noFill/>
-        </p:spPr>
-        <p:txBody>
-          <a:bodyPr wrap="none" rtlCol="0">
-            <a:spAutoFit/>
-          </a:bodyPr>
-          <a:lstStyle/>
-          <a:p>
-            <a:r>
-              <a:rPr lang="ru-RU" dirty="0"/>
-              <a:t>Рома</a:t>
-            </a:r>
-            <a:r>
-              <a:rPr lang="en-US" dirty="0"/>
-              <a:t>:</a:t>
-            </a:r>
-            <a:endParaRPr lang="ru-RU" dirty="0"/>
-          </a:p>
-          <a:p>
-            <a:pPr marL="285750" indent="-285750">
-              <a:buFont typeface="Arial" panose="020B0604020202020204" pitchFamily="34" charset="0"/>
-              <a:buChar char="•"/>
-            </a:pPr>
-            <a:r>
-              <a:rPr lang="ru-RU" dirty="0"/>
-              <a:t>Разработка базы данных и ее интеграция в систему</a:t>
-            </a:r>
-          </a:p>
-          <a:p>
-            <a:pPr marL="285750" indent="-285750">
-              <a:buFont typeface="Arial" panose="020B0604020202020204" pitchFamily="34" charset="0"/>
-              <a:buChar char="•"/>
-            </a:pPr>
-            <a:r>
-              <a:rPr lang="ru-RU" dirty="0"/>
-              <a:t>Разработка бэкенд части приложения</a:t>
-            </a:r>
-          </a:p>
-          <a:p>
-            <a:pPr marL="285750" indent="-285750">
-              <a:buFont typeface="Arial" panose="020B0604020202020204" pitchFamily="34" charset="0"/>
-              <a:buChar char="•"/>
-            </a:pPr>
-            <a:r>
-              <a:rPr lang="ru-RU" dirty="0"/>
-              <a:t>Развертывание всей системы</a:t>
-            </a:r>
-          </a:p>
-        </p:txBody>
-      </p:sp>
-      <p:sp>
-        <p:nvSpPr>
-          <p:cNvPr id="6" name="TextBox 5">
-            <a:extLst>
-              <a:ext uri="{FF2B5EF4-FFF2-40B4-BE49-F238E27FC236}">
-                <a16:creationId xmlns:a16="http://schemas.microsoft.com/office/drawing/2014/main" id="{C4333BC1-C15B-7D28-7781-CA7FBB4115EB}"/>
-              </a:ext>
-            </a:extLst>
-          </p:cNvPr>
-          <p:cNvSpPr txBox="1"/>
-          <p:nvPr/>
-        </p:nvSpPr>
-        <p:spPr>
-          <a:xfrm>
-            <a:off x="585094" y="3763518"/>
-            <a:ext cx="6096000" cy="1200329"/>
-          </a:xfrm>
-          <a:prstGeom prst="rect">
-            <a:avLst/>
-          </a:prstGeom>
-          <a:noFill/>
-        </p:spPr>
-        <p:txBody>
-          <a:bodyPr wrap="square">
-            <a:spAutoFit/>
-          </a:bodyPr>
-          <a:lstStyle/>
-          <a:p>
-            <a:r>
-              <a:rPr lang="ru-RU" dirty="0"/>
-              <a:t>Катя</a:t>
-            </a:r>
-            <a:r>
-              <a:rPr lang="en-US" dirty="0"/>
-              <a:t>:</a:t>
-            </a:r>
-            <a:endParaRPr lang="ru-RU" dirty="0"/>
-          </a:p>
-          <a:p>
-            <a:pPr marL="285750" indent="-285750">
-              <a:buFont typeface="Arial" panose="020B0604020202020204" pitchFamily="34" charset="0"/>
-              <a:buChar char="•"/>
-            </a:pPr>
-            <a:r>
-              <a:rPr lang="ru-RU" dirty="0"/>
-              <a:t>Оформление этапов и документации</a:t>
-            </a:r>
-          </a:p>
-          <a:p>
-            <a:pPr marL="285750" indent="-285750">
-              <a:buFont typeface="Arial" panose="020B0604020202020204" pitchFamily="34" charset="0"/>
-              <a:buChar char="•"/>
-            </a:pPr>
-            <a:r>
-              <a:rPr lang="ru-RU" dirty="0"/>
-              <a:t>Разработка дизайна пользовательского интерфейса</a:t>
-            </a:r>
-          </a:p>
-          <a:p>
-            <a:pPr marL="285750" indent="-285750">
-              <a:buFont typeface="Arial" panose="020B0604020202020204" pitchFamily="34" charset="0"/>
-              <a:buChar char="•"/>
-            </a:pPr>
-            <a:r>
-              <a:rPr lang="ru-RU" dirty="0"/>
-              <a:t>Создание фронтенд части приложения</a:t>
-            </a:r>
-          </a:p>
-        </p:txBody>
-      </p:sp>
-    </p:spTree>
-    <p:extLst>
-      <p:ext uri="{BB962C8B-B14F-4D97-AF65-F5344CB8AC3E}">
-        <p14:creationId xmlns:p14="http://schemas.microsoft.com/office/powerpoint/2010/main" val="2737241225"/>
       </p:ext>
     </p:extLst>
   </p:cSld>
@@ -15752,35 +15771,6 @@
 </file>
 
 <file path=customXml/item1.xml><?xml version="1.0" encoding="utf-8"?>
-<p:properties xmlns:p="http://schemas.microsoft.com/office/2006/metadata/properties" xmlns:xsi="http://www.w3.org/2001/XMLSchema-instance" xmlns:pc="http://schemas.microsoft.com/office/infopath/2007/PartnerControls">
-  <documentManagement>
-    <_ip_UnifiedCompliancePolicyUIAction xmlns="http://schemas.microsoft.com/sharepoint/v3" xsi:nil="true"/>
-    <Image xmlns="71af3243-3dd4-4a8d-8c0d-dd76da1f02a5">
-      <Url xsi:nil="true"/>
-      <Description xsi:nil="true"/>
-    </Image>
-    <Status xmlns="71af3243-3dd4-4a8d-8c0d-dd76da1f02a5">Not started</Status>
-    <Background xmlns="71af3243-3dd4-4a8d-8c0d-dd76da1f02a5">false</Background>
-    <_ip_UnifiedCompliancePolicyProperties xmlns="http://schemas.microsoft.com/sharepoint/v3" xsi:nil="true"/>
-    <ImageTagsTaxHTField xmlns="71af3243-3dd4-4a8d-8c0d-dd76da1f02a5">
-      <Terms xmlns="http://schemas.microsoft.com/office/infopath/2007/PartnerControls"/>
-    </ImageTagsTaxHTField>
-    <TaxCatchAll xmlns="230e9df3-be65-4c73-a93b-d1236ebd677e" xsi:nil="true"/>
-    <MediaServiceKeyPoints xmlns="71af3243-3dd4-4a8d-8c0d-dd76da1f02a5" xsi:nil="true"/>
-  </documentManagement>
-</p:properties>
-</file>
-
-<file path=customXml/item2.xml><?xml version="1.0" encoding="utf-8"?>
-<?mso-contentType ?>
-<FormTemplates xmlns="http://schemas.microsoft.com/sharepoint/v3/contenttype/forms">
-  <Display>DocumentLibraryForm</Display>
-  <Edit>DocumentLibraryForm</Edit>
-  <New>DocumentLibraryForm</New>
-</FormTemplates>
-</file>
-
-<file path=customXml/item3.xml><?xml version="1.0" encoding="utf-8"?>
 <ct:contentTypeSchema xmlns:ct="http://schemas.microsoft.com/office/2006/metadata/contentType" xmlns:ma="http://schemas.microsoft.com/office/2006/metadata/properties/metaAttributes" ct:_="" ma:_="" ma:contentTypeName="Document" ma:contentTypeID="0x01010079F111ED35F8CC479449609E8A0923A6" ma:contentTypeVersion="28" ma:contentTypeDescription="Create a new document." ma:contentTypeScope="" ma:versionID="60f5a4f2d2b0abadcf532d48ebf9cb71">
   <xsd:schema xmlns:xsd="http://www.w3.org/2001/XMLSchema" xmlns:xs="http://www.w3.org/2001/XMLSchema" xmlns:p="http://schemas.microsoft.com/office/2006/metadata/properties" xmlns:ns1="http://schemas.microsoft.com/sharepoint/v3" xmlns:ns2="71af3243-3dd4-4a8d-8c0d-dd76da1f02a5" xmlns:ns3="16c05727-aa75-4e4a-9b5f-8a80a1165891" xmlns:ns4="230e9df3-be65-4c73-a93b-d1236ebd677e" targetNamespace="http://schemas.microsoft.com/office/2006/metadata/properties" ma:root="true" ma:fieldsID="7dd78129e6a1811f84807ad11c651531" ns1:_="" ns2:_="" ns3:_="" ns4:_="">
     <xsd:import namespace="http://schemas.microsoft.com/sharepoint/v3"/>
@@ -16092,27 +16082,36 @@
 </ct:contentTypeSchema>
 </file>
 
-<file path=customXml/itemProps1.xml><?xml version="1.0" encoding="utf-8"?>
-<ds:datastoreItem xmlns:ds="http://schemas.openxmlformats.org/officeDocument/2006/customXml" ds:itemID="{E130005B-6102-4F3C-A26F-485DF1BF9717}">
-  <ds:schemaRefs>
-    <ds:schemaRef ds:uri="http://schemas.microsoft.com/office/2006/metadata/properties"/>
-    <ds:schemaRef ds:uri="http://schemas.microsoft.com/office/infopath/2007/PartnerControls"/>
-    <ds:schemaRef ds:uri="http://schemas.microsoft.com/sharepoint/v3"/>
-    <ds:schemaRef ds:uri="71af3243-3dd4-4a8d-8c0d-dd76da1f02a5"/>
-    <ds:schemaRef ds:uri="230e9df3-be65-4c73-a93b-d1236ebd677e"/>
-  </ds:schemaRefs>
-</ds:datastoreItem>
+<file path=customXml/item2.xml><?xml version="1.0" encoding="utf-8"?>
+<?mso-contentType ?>
+<FormTemplates xmlns="http://schemas.microsoft.com/sharepoint/v3/contenttype/forms">
+  <Display>DocumentLibraryForm</Display>
+  <Edit>DocumentLibraryForm</Edit>
+  <New>DocumentLibraryForm</New>
+</FormTemplates>
 </file>
 
-<file path=customXml/itemProps2.xml><?xml version="1.0" encoding="utf-8"?>
-<ds:datastoreItem xmlns:ds="http://schemas.openxmlformats.org/officeDocument/2006/customXml" ds:itemID="{4E60708A-6461-4D7F-883F-7E25D731D326}">
-  <ds:schemaRefs>
-    <ds:schemaRef ds:uri="http://schemas.microsoft.com/sharepoint/v3/contenttype/forms"/>
-  </ds:schemaRefs>
-</ds:datastoreItem>
+<file path=customXml/item3.xml><?xml version="1.0" encoding="utf-8"?>
+<p:properties xmlns:p="http://schemas.microsoft.com/office/2006/metadata/properties" xmlns:xsi="http://www.w3.org/2001/XMLSchema-instance" xmlns:pc="http://schemas.microsoft.com/office/infopath/2007/PartnerControls">
+  <documentManagement>
+    <_ip_UnifiedCompliancePolicyUIAction xmlns="http://schemas.microsoft.com/sharepoint/v3" xsi:nil="true"/>
+    <Image xmlns="71af3243-3dd4-4a8d-8c0d-dd76da1f02a5">
+      <Url xsi:nil="true"/>
+      <Description xsi:nil="true"/>
+    </Image>
+    <Status xmlns="71af3243-3dd4-4a8d-8c0d-dd76da1f02a5">Not started</Status>
+    <Background xmlns="71af3243-3dd4-4a8d-8c0d-dd76da1f02a5">false</Background>
+    <_ip_UnifiedCompliancePolicyProperties xmlns="http://schemas.microsoft.com/sharepoint/v3" xsi:nil="true"/>
+    <ImageTagsTaxHTField xmlns="71af3243-3dd4-4a8d-8c0d-dd76da1f02a5">
+      <Terms xmlns="http://schemas.microsoft.com/office/infopath/2007/PartnerControls"/>
+    </ImageTagsTaxHTField>
+    <TaxCatchAll xmlns="230e9df3-be65-4c73-a93b-d1236ebd677e" xsi:nil="true"/>
+    <MediaServiceKeyPoints xmlns="71af3243-3dd4-4a8d-8c0d-dd76da1f02a5" xsi:nil="true"/>
+  </documentManagement>
+</p:properties>
 </file>
 
-<file path=customXml/itemProps3.xml><?xml version="1.0" encoding="utf-8"?>
+<file path=customXml/itemProps1.xml><?xml version="1.0" encoding="utf-8"?>
 <ds:datastoreItem xmlns:ds="http://schemas.openxmlformats.org/officeDocument/2006/customXml" ds:itemID="{2BC90B52-91C7-4BE9-8AE0-180FFFE1100A}">
   <ds:schemaRefs>
     <ds:schemaRef ds:uri="http://schemas.microsoft.com/office/2006/metadata/contentType"/>
@@ -16133,6 +16132,33 @@
 </ds:datastoreItem>
 </file>
 
+<file path=customXml/itemProps2.xml><?xml version="1.0" encoding="utf-8"?>
+<ds:datastoreItem xmlns:ds="http://schemas.openxmlformats.org/officeDocument/2006/customXml" ds:itemID="{4E60708A-6461-4D7F-883F-7E25D731D326}">
+  <ds:schemaRefs>
+    <ds:schemaRef ds:uri="http://schemas.microsoft.com/sharepoint/v3/contenttype/forms"/>
+  </ds:schemaRefs>
+</ds:datastoreItem>
+</file>
+
+<file path=customXml/itemProps3.xml><?xml version="1.0" encoding="utf-8"?>
+<ds:datastoreItem xmlns:ds="http://schemas.openxmlformats.org/officeDocument/2006/customXml" ds:itemID="{E130005B-6102-4F3C-A26F-485DF1BF9717}">
+  <ds:schemaRefs>
+    <ds:schemaRef ds:uri="16c05727-aa75-4e4a-9b5f-8a80a1165891"/>
+    <ds:schemaRef ds:uri="http://schemas.microsoft.com/office/2006/documentManagement/types"/>
+    <ds:schemaRef ds:uri="http://purl.org/dc/elements/1.1/"/>
+    <ds:schemaRef ds:uri="http://schemas.microsoft.com/office/2006/metadata/properties"/>
+    <ds:schemaRef ds:uri="http://schemas.microsoft.com/office/infopath/2007/PartnerControls"/>
+    <ds:schemaRef ds:uri="http://schemas.openxmlformats.org/package/2006/metadata/core-properties"/>
+    <ds:schemaRef ds:uri="http://schemas.microsoft.com/sharepoint/v3"/>
+    <ds:schemaRef ds:uri="230e9df3-be65-4c73-a93b-d1236ebd677e"/>
+    <ds:schemaRef ds:uri="http://purl.org/dc/terms/"/>
+    <ds:schemaRef ds:uri="71af3243-3dd4-4a8d-8c0d-dd76da1f02a5"/>
+    <ds:schemaRef ds:uri="http://www.w3.org/XML/1998/namespace"/>
+    <ds:schemaRef ds:uri="http://purl.org/dc/dcmitype/"/>
+  </ds:schemaRefs>
+</ds:datastoreItem>
+</file>
+
 <file path=docMetadata/LabelInfo.xml><?xml version="1.0" encoding="utf-8"?>
 <clbl:labelList xmlns:clbl="http://schemas.microsoft.com/office/2020/mipLabelMetadata"/>
 </file>